--- a/hw01.pptx
+++ b/hw01.pptx
@@ -2,16 +2,26 @@
 <file path=ppt/presentation.xml><?xml version="1.0" encoding="utf-8"?>
 <p:presentation xmlns:a="http://schemas.openxmlformats.org/drawingml/2006/main" xmlns:r="http://schemas.openxmlformats.org/officeDocument/2006/relationships" xmlns:p="http://schemas.openxmlformats.org/presentationml/2006/main" saveSubsetFonts="1">
   <p:sldMasterIdLst>
-    <p:sldMasterId id="2147483648" r:id="rId1"/>
+    <p:sldMasterId id="2147483701" r:id="rId1"/>
   </p:sldMasterIdLst>
+  <p:notesMasterIdLst>
+    <p:notesMasterId r:id="rId10"/>
+  </p:notesMasterIdLst>
   <p:sldIdLst>
     <p:sldId id="256" r:id="rId2"/>
+    <p:sldId id="257" r:id="rId3"/>
+    <p:sldId id="258" r:id="rId4"/>
+    <p:sldId id="259" r:id="rId5"/>
+    <p:sldId id="260" r:id="rId6"/>
+    <p:sldId id="261" r:id="rId7"/>
+    <p:sldId id="262" r:id="rId8"/>
+    <p:sldId id="263" r:id="rId9"/>
   </p:sldIdLst>
   <p:sldSz cx="12192000" cy="6858000"/>
   <p:notesSz cx="6858000" cy="9144000"/>
   <p:defaultTextStyle>
     <a:defPPr>
-      <a:defRPr lang="zh-TW"/>
+      <a:defRPr lang="en-US"/>
     </a:defPPr>
     <a:lvl1pPr marL="0" algn="l" defTabSz="914400" rtl="0" eaLnBrk="1" latinLnBrk="0" hangingPunct="1">
       <a:defRPr sz="1800" kern="1200">
@@ -104,7 +114,1335 @@
       </a:defRPr>
     </a:lvl9pPr>
   </p:defaultTextStyle>
+  <p:extLst>
+    <p:ext uri="{EFAFB233-063F-42B5-8137-9DF3F51BA10A}">
+      <p15:sldGuideLst xmlns:p15="http://schemas.microsoft.com/office/powerpoint/2012/main"/>
+    </p:ext>
+  </p:extLst>
 </p:presentation>
+</file>
+
+<file path=ppt/notesMasters/notesMaster1.xml><?xml version="1.0" encoding="utf-8"?>
+<p:notesMaster xmlns:a="http://schemas.openxmlformats.org/drawingml/2006/main" xmlns:r="http://schemas.openxmlformats.org/officeDocument/2006/relationships" xmlns:p="http://schemas.openxmlformats.org/presentationml/2006/main">
+  <p:cSld>
+    <p:bg>
+      <p:bgRef idx="1001">
+        <a:schemeClr val="bg1"/>
+      </p:bgRef>
+    </p:bg>
+    <p:spTree>
+      <p:nvGrpSpPr>
+        <p:cNvPr id="1" name=""/>
+        <p:cNvGrpSpPr/>
+        <p:nvPr/>
+      </p:nvGrpSpPr>
+      <p:grpSpPr>
+        <a:xfrm>
+          <a:off x="0" y="0"/>
+          <a:ext cx="0" cy="0"/>
+          <a:chOff x="0" y="0"/>
+          <a:chExt cx="0" cy="0"/>
+        </a:xfrm>
+      </p:grpSpPr>
+      <p:sp>
+        <p:nvSpPr>
+          <p:cNvPr id="2" name="頁首版面配置區 1"/>
+          <p:cNvSpPr>
+            <a:spLocks noGrp="1"/>
+          </p:cNvSpPr>
+          <p:nvPr>
+            <p:ph type="hdr" sz="quarter"/>
+          </p:nvPr>
+        </p:nvSpPr>
+        <p:spPr>
+          <a:xfrm>
+            <a:off x="0" y="0"/>
+            <a:ext cx="2971800" cy="458788"/>
+          </a:xfrm>
+          <a:prstGeom prst="rect">
+            <a:avLst/>
+          </a:prstGeom>
+        </p:spPr>
+        <p:txBody>
+          <a:bodyPr vert="horz" lIns="91440" tIns="45720" rIns="91440" bIns="45720" rtlCol="0"/>
+          <a:lstStyle>
+            <a:lvl1pPr algn="l">
+              <a:defRPr sz="1200"/>
+            </a:lvl1pPr>
+          </a:lstStyle>
+          <a:p>
+            <a:endParaRPr lang="zh-TW" altLang="en-US"/>
+          </a:p>
+        </p:txBody>
+      </p:sp>
+      <p:sp>
+        <p:nvSpPr>
+          <p:cNvPr id="3" name="日期版面配置區 2"/>
+          <p:cNvSpPr>
+            <a:spLocks noGrp="1"/>
+          </p:cNvSpPr>
+          <p:nvPr>
+            <p:ph type="dt" idx="1"/>
+          </p:nvPr>
+        </p:nvSpPr>
+        <p:spPr>
+          <a:xfrm>
+            <a:off x="3884613" y="0"/>
+            <a:ext cx="2971800" cy="458788"/>
+          </a:xfrm>
+          <a:prstGeom prst="rect">
+            <a:avLst/>
+          </a:prstGeom>
+        </p:spPr>
+        <p:txBody>
+          <a:bodyPr vert="horz" lIns="91440" tIns="45720" rIns="91440" bIns="45720" rtlCol="0"/>
+          <a:lstStyle>
+            <a:lvl1pPr algn="r">
+              <a:defRPr sz="1200"/>
+            </a:lvl1pPr>
+          </a:lstStyle>
+          <a:p>
+            <a:fld id="{F7DD9925-76D9-4C8A-BBD6-78C01F80653A}" type="datetimeFigureOut">
+              <a:rPr lang="zh-TW" altLang="en-US" smtClean="0"/>
+              <a:t>2024/10/21</a:t>
+            </a:fld>
+            <a:endParaRPr lang="zh-TW" altLang="en-US"/>
+          </a:p>
+        </p:txBody>
+      </p:sp>
+      <p:sp>
+        <p:nvSpPr>
+          <p:cNvPr id="4" name="投影片影像版面配置區 3"/>
+          <p:cNvSpPr>
+            <a:spLocks noGrp="1" noRot="1" noChangeAspect="1"/>
+          </p:cNvSpPr>
+          <p:nvPr>
+            <p:ph type="sldImg" idx="2"/>
+          </p:nvPr>
+        </p:nvSpPr>
+        <p:spPr>
+          <a:xfrm>
+            <a:off x="685800" y="1143000"/>
+            <a:ext cx="5486400" cy="3086100"/>
+          </a:xfrm>
+          <a:prstGeom prst="rect">
+            <a:avLst/>
+          </a:prstGeom>
+          <a:noFill/>
+          <a:ln w="12700">
+            <a:solidFill>
+              <a:prstClr val="black"/>
+            </a:solidFill>
+          </a:ln>
+        </p:spPr>
+        <p:txBody>
+          <a:bodyPr vert="horz" lIns="91440" tIns="45720" rIns="91440" bIns="45720" rtlCol="0" anchor="ctr"/>
+          <a:lstStyle/>
+          <a:p>
+            <a:endParaRPr lang="zh-TW" altLang="en-US"/>
+          </a:p>
+        </p:txBody>
+      </p:sp>
+      <p:sp>
+        <p:nvSpPr>
+          <p:cNvPr id="5" name="備忘稿版面配置區 4"/>
+          <p:cNvSpPr>
+            <a:spLocks noGrp="1"/>
+          </p:cNvSpPr>
+          <p:nvPr>
+            <p:ph type="body" sz="quarter" idx="3"/>
+          </p:nvPr>
+        </p:nvSpPr>
+        <p:spPr>
+          <a:xfrm>
+            <a:off x="685800" y="4400550"/>
+            <a:ext cx="5486400" cy="3600450"/>
+          </a:xfrm>
+          <a:prstGeom prst="rect">
+            <a:avLst/>
+          </a:prstGeom>
+        </p:spPr>
+        <p:txBody>
+          <a:bodyPr vert="horz" lIns="91440" tIns="45720" rIns="91440" bIns="45720" rtlCol="0"/>
+          <a:lstStyle/>
+          <a:p>
+            <a:pPr lvl="0"/>
+            <a:r>
+              <a:rPr lang="zh-TW" altLang="en-US"/>
+              <a:t>按一下以編輯母片文字樣式</a:t>
+            </a:r>
+          </a:p>
+          <a:p>
+            <a:pPr lvl="1"/>
+            <a:r>
+              <a:rPr lang="zh-TW" altLang="en-US"/>
+              <a:t>第二層</a:t>
+            </a:r>
+          </a:p>
+          <a:p>
+            <a:pPr lvl="2"/>
+            <a:r>
+              <a:rPr lang="zh-TW" altLang="en-US"/>
+              <a:t>第三層</a:t>
+            </a:r>
+          </a:p>
+          <a:p>
+            <a:pPr lvl="3"/>
+            <a:r>
+              <a:rPr lang="zh-TW" altLang="en-US"/>
+              <a:t>第四層</a:t>
+            </a:r>
+          </a:p>
+          <a:p>
+            <a:pPr lvl="4"/>
+            <a:r>
+              <a:rPr lang="zh-TW" altLang="en-US"/>
+              <a:t>第五層</a:t>
+            </a:r>
+          </a:p>
+        </p:txBody>
+      </p:sp>
+      <p:sp>
+        <p:nvSpPr>
+          <p:cNvPr id="6" name="頁尾版面配置區 5"/>
+          <p:cNvSpPr>
+            <a:spLocks noGrp="1"/>
+          </p:cNvSpPr>
+          <p:nvPr>
+            <p:ph type="ftr" sz="quarter" idx="4"/>
+          </p:nvPr>
+        </p:nvSpPr>
+        <p:spPr>
+          <a:xfrm>
+            <a:off x="0" y="8685213"/>
+            <a:ext cx="2971800" cy="458787"/>
+          </a:xfrm>
+          <a:prstGeom prst="rect">
+            <a:avLst/>
+          </a:prstGeom>
+        </p:spPr>
+        <p:txBody>
+          <a:bodyPr vert="horz" lIns="91440" tIns="45720" rIns="91440" bIns="45720" rtlCol="0" anchor="b"/>
+          <a:lstStyle>
+            <a:lvl1pPr algn="l">
+              <a:defRPr sz="1200"/>
+            </a:lvl1pPr>
+          </a:lstStyle>
+          <a:p>
+            <a:endParaRPr lang="zh-TW" altLang="en-US"/>
+          </a:p>
+        </p:txBody>
+      </p:sp>
+      <p:sp>
+        <p:nvSpPr>
+          <p:cNvPr id="7" name="投影片編號版面配置區 6"/>
+          <p:cNvSpPr>
+            <a:spLocks noGrp="1"/>
+          </p:cNvSpPr>
+          <p:nvPr>
+            <p:ph type="sldNum" sz="quarter" idx="5"/>
+          </p:nvPr>
+        </p:nvSpPr>
+        <p:spPr>
+          <a:xfrm>
+            <a:off x="3884613" y="8685213"/>
+            <a:ext cx="2971800" cy="458787"/>
+          </a:xfrm>
+          <a:prstGeom prst="rect">
+            <a:avLst/>
+          </a:prstGeom>
+        </p:spPr>
+        <p:txBody>
+          <a:bodyPr vert="horz" lIns="91440" tIns="45720" rIns="91440" bIns="45720" rtlCol="0" anchor="b"/>
+          <a:lstStyle>
+            <a:lvl1pPr algn="r">
+              <a:defRPr sz="1200"/>
+            </a:lvl1pPr>
+          </a:lstStyle>
+          <a:p>
+            <a:fld id="{C7509520-8516-495E-8FEA-2957F4AE4ACB}" type="slidenum">
+              <a:rPr lang="zh-TW" altLang="en-US" smtClean="0"/>
+              <a:t>‹#›</a:t>
+            </a:fld>
+            <a:endParaRPr lang="zh-TW" altLang="en-US"/>
+          </a:p>
+        </p:txBody>
+      </p:sp>
+    </p:spTree>
+    <p:extLst>
+      <p:ext uri="{BB962C8B-B14F-4D97-AF65-F5344CB8AC3E}">
+        <p14:creationId xmlns:p14="http://schemas.microsoft.com/office/powerpoint/2010/main" val="1800560815"/>
+      </p:ext>
+    </p:extLst>
+  </p:cSld>
+  <p:clrMap bg1="lt1" tx1="dk1" bg2="lt2" tx2="dk2" accent1="accent1" accent2="accent2" accent3="accent3" accent4="accent4" accent5="accent5" accent6="accent6" hlink="hlink" folHlink="folHlink"/>
+  <p:notesStyle>
+    <a:lvl1pPr marL="0" algn="l" defTabSz="914400" rtl="0" eaLnBrk="1" latinLnBrk="0" hangingPunct="1">
+      <a:defRPr sz="1200" kern="1200">
+        <a:solidFill>
+          <a:schemeClr val="tx1"/>
+        </a:solidFill>
+        <a:latin typeface="+mn-lt"/>
+        <a:ea typeface="+mn-ea"/>
+        <a:cs typeface="+mn-cs"/>
+      </a:defRPr>
+    </a:lvl1pPr>
+    <a:lvl2pPr marL="457200" algn="l" defTabSz="914400" rtl="0" eaLnBrk="1" latinLnBrk="0" hangingPunct="1">
+      <a:defRPr sz="1200" kern="1200">
+        <a:solidFill>
+          <a:schemeClr val="tx1"/>
+        </a:solidFill>
+        <a:latin typeface="+mn-lt"/>
+        <a:ea typeface="+mn-ea"/>
+        <a:cs typeface="+mn-cs"/>
+      </a:defRPr>
+    </a:lvl2pPr>
+    <a:lvl3pPr marL="914400" algn="l" defTabSz="914400" rtl="0" eaLnBrk="1" latinLnBrk="0" hangingPunct="1">
+      <a:defRPr sz="1200" kern="1200">
+        <a:solidFill>
+          <a:schemeClr val="tx1"/>
+        </a:solidFill>
+        <a:latin typeface="+mn-lt"/>
+        <a:ea typeface="+mn-ea"/>
+        <a:cs typeface="+mn-cs"/>
+      </a:defRPr>
+    </a:lvl3pPr>
+    <a:lvl4pPr marL="1371600" algn="l" defTabSz="914400" rtl="0" eaLnBrk="1" latinLnBrk="0" hangingPunct="1">
+      <a:defRPr sz="1200" kern="1200">
+        <a:solidFill>
+          <a:schemeClr val="tx1"/>
+        </a:solidFill>
+        <a:latin typeface="+mn-lt"/>
+        <a:ea typeface="+mn-ea"/>
+        <a:cs typeface="+mn-cs"/>
+      </a:defRPr>
+    </a:lvl4pPr>
+    <a:lvl5pPr marL="1828800" algn="l" defTabSz="914400" rtl="0" eaLnBrk="1" latinLnBrk="0" hangingPunct="1">
+      <a:defRPr sz="1200" kern="1200">
+        <a:solidFill>
+          <a:schemeClr val="tx1"/>
+        </a:solidFill>
+        <a:latin typeface="+mn-lt"/>
+        <a:ea typeface="+mn-ea"/>
+        <a:cs typeface="+mn-cs"/>
+      </a:defRPr>
+    </a:lvl5pPr>
+    <a:lvl6pPr marL="2286000" algn="l" defTabSz="914400" rtl="0" eaLnBrk="1" latinLnBrk="0" hangingPunct="1">
+      <a:defRPr sz="1200" kern="1200">
+        <a:solidFill>
+          <a:schemeClr val="tx1"/>
+        </a:solidFill>
+        <a:latin typeface="+mn-lt"/>
+        <a:ea typeface="+mn-ea"/>
+        <a:cs typeface="+mn-cs"/>
+      </a:defRPr>
+    </a:lvl6pPr>
+    <a:lvl7pPr marL="2743200" algn="l" defTabSz="914400" rtl="0" eaLnBrk="1" latinLnBrk="0" hangingPunct="1">
+      <a:defRPr sz="1200" kern="1200">
+        <a:solidFill>
+          <a:schemeClr val="tx1"/>
+        </a:solidFill>
+        <a:latin typeface="+mn-lt"/>
+        <a:ea typeface="+mn-ea"/>
+        <a:cs typeface="+mn-cs"/>
+      </a:defRPr>
+    </a:lvl7pPr>
+    <a:lvl8pPr marL="3200400" algn="l" defTabSz="914400" rtl="0" eaLnBrk="1" latinLnBrk="0" hangingPunct="1">
+      <a:defRPr sz="1200" kern="1200">
+        <a:solidFill>
+          <a:schemeClr val="tx1"/>
+        </a:solidFill>
+        <a:latin typeface="+mn-lt"/>
+        <a:ea typeface="+mn-ea"/>
+        <a:cs typeface="+mn-cs"/>
+      </a:defRPr>
+    </a:lvl8pPr>
+    <a:lvl9pPr marL="3657600" algn="l" defTabSz="914400" rtl="0" eaLnBrk="1" latinLnBrk="0" hangingPunct="1">
+      <a:defRPr sz="1200" kern="1200">
+        <a:solidFill>
+          <a:schemeClr val="tx1"/>
+        </a:solidFill>
+        <a:latin typeface="+mn-lt"/>
+        <a:ea typeface="+mn-ea"/>
+        <a:cs typeface="+mn-cs"/>
+      </a:defRPr>
+    </a:lvl9pPr>
+  </p:notesStyle>
+</p:notesMaster>
+</file>
+
+<file path=ppt/notesSlides/notesSlide1.xml><?xml version="1.0" encoding="utf-8"?>
+<p:notes xmlns:a="http://schemas.openxmlformats.org/drawingml/2006/main" xmlns:r="http://schemas.openxmlformats.org/officeDocument/2006/relationships" xmlns:p="http://schemas.openxmlformats.org/presentationml/2006/main">
+  <p:cSld>
+    <p:spTree>
+      <p:nvGrpSpPr>
+        <p:cNvPr id="1" name=""/>
+        <p:cNvGrpSpPr/>
+        <p:nvPr/>
+      </p:nvGrpSpPr>
+      <p:grpSpPr>
+        <a:xfrm>
+          <a:off x="0" y="0"/>
+          <a:ext cx="0" cy="0"/>
+          <a:chOff x="0" y="0"/>
+          <a:chExt cx="0" cy="0"/>
+        </a:xfrm>
+      </p:grpSpPr>
+      <p:sp>
+        <p:nvSpPr>
+          <p:cNvPr id="2" name="投影片影像版面配置區 1"/>
+          <p:cNvSpPr>
+            <a:spLocks noGrp="1" noRot="1" noChangeAspect="1"/>
+          </p:cNvSpPr>
+          <p:nvPr>
+            <p:ph type="sldImg"/>
+          </p:nvPr>
+        </p:nvSpPr>
+        <p:spPr/>
+      </p:sp>
+      <p:sp>
+        <p:nvSpPr>
+          <p:cNvPr id="3" name="備忘稿版面配置區 2"/>
+          <p:cNvSpPr>
+            <a:spLocks noGrp="1"/>
+          </p:cNvSpPr>
+          <p:nvPr>
+            <p:ph type="body" idx="1"/>
+          </p:nvPr>
+        </p:nvSpPr>
+        <p:spPr/>
+        <p:txBody>
+          <a:bodyPr/>
+          <a:lstStyle/>
+          <a:p>
+            <a:r>
+              <a:rPr lang="zh-TW" altLang="en-US" dirty="0"/>
+              <a:t>自我介紹</a:t>
+            </a:r>
+          </a:p>
+        </p:txBody>
+      </p:sp>
+      <p:sp>
+        <p:nvSpPr>
+          <p:cNvPr id="4" name="投影片編號版面配置區 3"/>
+          <p:cNvSpPr>
+            <a:spLocks noGrp="1"/>
+          </p:cNvSpPr>
+          <p:nvPr>
+            <p:ph type="sldNum" sz="quarter" idx="5"/>
+          </p:nvPr>
+        </p:nvSpPr>
+        <p:spPr/>
+        <p:txBody>
+          <a:bodyPr/>
+          <a:lstStyle/>
+          <a:p>
+            <a:fld id="{C7509520-8516-495E-8FEA-2957F4AE4ACB}" type="slidenum">
+              <a:rPr lang="zh-TW" altLang="en-US" smtClean="0"/>
+              <a:t>1</a:t>
+            </a:fld>
+            <a:endParaRPr lang="zh-TW" altLang="en-US"/>
+          </a:p>
+        </p:txBody>
+      </p:sp>
+    </p:spTree>
+    <p:extLst>
+      <p:ext uri="{BB962C8B-B14F-4D97-AF65-F5344CB8AC3E}">
+        <p14:creationId xmlns:p14="http://schemas.microsoft.com/office/powerpoint/2010/main" val="3422687138"/>
+      </p:ext>
+    </p:extLst>
+  </p:cSld>
+  <p:clrMapOvr>
+    <a:masterClrMapping/>
+  </p:clrMapOvr>
+</p:notes>
+</file>
+
+<file path=ppt/notesSlides/notesSlide2.xml><?xml version="1.0" encoding="utf-8"?>
+<p:notes xmlns:a="http://schemas.openxmlformats.org/drawingml/2006/main" xmlns:r="http://schemas.openxmlformats.org/officeDocument/2006/relationships" xmlns:p="http://schemas.openxmlformats.org/presentationml/2006/main">
+  <p:cSld>
+    <p:spTree>
+      <p:nvGrpSpPr>
+        <p:cNvPr id="1" name=""/>
+        <p:cNvGrpSpPr/>
+        <p:nvPr/>
+      </p:nvGrpSpPr>
+      <p:grpSpPr>
+        <a:xfrm>
+          <a:off x="0" y="0"/>
+          <a:ext cx="0" cy="0"/>
+          <a:chOff x="0" y="0"/>
+          <a:chExt cx="0" cy="0"/>
+        </a:xfrm>
+      </p:grpSpPr>
+      <p:sp>
+        <p:nvSpPr>
+          <p:cNvPr id="2" name="投影片影像版面配置區 1"/>
+          <p:cNvSpPr>
+            <a:spLocks noGrp="1" noRot="1" noChangeAspect="1"/>
+          </p:cNvSpPr>
+          <p:nvPr>
+            <p:ph type="sldImg"/>
+          </p:nvPr>
+        </p:nvSpPr>
+        <p:spPr/>
+      </p:sp>
+      <p:sp>
+        <p:nvSpPr>
+          <p:cNvPr id="3" name="備忘稿版面配置區 2"/>
+          <p:cNvSpPr>
+            <a:spLocks noGrp="1"/>
+          </p:cNvSpPr>
+          <p:nvPr>
+            <p:ph type="body" idx="1"/>
+          </p:nvPr>
+        </p:nvSpPr>
+        <p:spPr/>
+        <p:txBody>
+          <a:bodyPr/>
+          <a:lstStyle/>
+          <a:p>
+            <a:r>
+              <a:rPr lang="zh-TW" altLang="en-US" dirty="0"/>
+              <a:t>目標</a:t>
+            </a:r>
+            <a:r>
+              <a:rPr lang="en-US" altLang="zh-TW" dirty="0"/>
+              <a:t> </a:t>
+            </a:r>
+          </a:p>
+          <a:p>
+            <a:r>
+              <a:rPr lang="en-US" altLang="zh-TW" b="0" i="0" dirty="0">
+                <a:solidFill>
+                  <a:srgbClr val="111111"/>
+                </a:solidFill>
+                <a:effectLst/>
+                <a:latin typeface="-apple-system"/>
+              </a:rPr>
+              <a:t>“prompt“:”</a:t>
+            </a:r>
+            <a:r>
+              <a:rPr lang="zh-TW" altLang="en-US" b="0" i="0" dirty="0">
+                <a:solidFill>
+                  <a:srgbClr val="111111"/>
+                </a:solidFill>
+                <a:effectLst/>
+                <a:latin typeface="-apple-system"/>
+              </a:rPr>
+              <a:t>白色短髮身穿黑色連帽衣，黑色牛仔褲的男子，坐在書桌的電腦前，螢幕上有電競相關內容，插圖風格接近日本動畫</a:t>
+            </a:r>
+            <a:r>
+              <a:rPr lang="en-US" altLang="zh-TW" b="0" i="0" dirty="0">
+                <a:solidFill>
+                  <a:srgbClr val="111111"/>
+                </a:solidFill>
+                <a:effectLst/>
+                <a:latin typeface="-apple-system"/>
+              </a:rPr>
+              <a:t>"</a:t>
+            </a:r>
+            <a:endParaRPr lang="zh-TW" altLang="en-US" dirty="0"/>
+          </a:p>
+        </p:txBody>
+      </p:sp>
+      <p:sp>
+        <p:nvSpPr>
+          <p:cNvPr id="4" name="投影片編號版面配置區 3"/>
+          <p:cNvSpPr>
+            <a:spLocks noGrp="1"/>
+          </p:cNvSpPr>
+          <p:nvPr>
+            <p:ph type="sldNum" sz="quarter" idx="5"/>
+          </p:nvPr>
+        </p:nvSpPr>
+        <p:spPr/>
+        <p:txBody>
+          <a:bodyPr/>
+          <a:lstStyle/>
+          <a:p>
+            <a:fld id="{C7509520-8516-495E-8FEA-2957F4AE4ACB}" type="slidenum">
+              <a:rPr lang="zh-TW" altLang="en-US" smtClean="0"/>
+              <a:t>2</a:t>
+            </a:fld>
+            <a:endParaRPr lang="zh-TW" altLang="en-US"/>
+          </a:p>
+        </p:txBody>
+      </p:sp>
+    </p:spTree>
+    <p:extLst>
+      <p:ext uri="{BB962C8B-B14F-4D97-AF65-F5344CB8AC3E}">
+        <p14:creationId xmlns:p14="http://schemas.microsoft.com/office/powerpoint/2010/main" val="1643843290"/>
+      </p:ext>
+    </p:extLst>
+  </p:cSld>
+  <p:clrMapOvr>
+    <a:masterClrMapping/>
+  </p:clrMapOvr>
+</p:notes>
+</file>
+
+<file path=ppt/notesSlides/notesSlide3.xml><?xml version="1.0" encoding="utf-8"?>
+<p:notes xmlns:a="http://schemas.openxmlformats.org/drawingml/2006/main" xmlns:r="http://schemas.openxmlformats.org/officeDocument/2006/relationships" xmlns:p="http://schemas.openxmlformats.org/presentationml/2006/main">
+  <p:cSld>
+    <p:spTree>
+      <p:nvGrpSpPr>
+        <p:cNvPr id="1" name=""/>
+        <p:cNvGrpSpPr/>
+        <p:nvPr/>
+      </p:nvGrpSpPr>
+      <p:grpSpPr>
+        <a:xfrm>
+          <a:off x="0" y="0"/>
+          <a:ext cx="0" cy="0"/>
+          <a:chOff x="0" y="0"/>
+          <a:chExt cx="0" cy="0"/>
+        </a:xfrm>
+      </p:grpSpPr>
+      <p:sp>
+        <p:nvSpPr>
+          <p:cNvPr id="2" name="投影片影像版面配置區 1"/>
+          <p:cNvSpPr>
+            <a:spLocks noGrp="1" noRot="1" noChangeAspect="1"/>
+          </p:cNvSpPr>
+          <p:nvPr>
+            <p:ph type="sldImg"/>
+          </p:nvPr>
+        </p:nvSpPr>
+        <p:spPr/>
+      </p:sp>
+      <p:sp>
+        <p:nvSpPr>
+          <p:cNvPr id="3" name="備忘稿版面配置區 2"/>
+          <p:cNvSpPr>
+            <a:spLocks noGrp="1"/>
+          </p:cNvSpPr>
+          <p:nvPr>
+            <p:ph type="body" idx="1"/>
+          </p:nvPr>
+        </p:nvSpPr>
+        <p:spPr/>
+        <p:txBody>
+          <a:bodyPr/>
+          <a:lstStyle/>
+          <a:p>
+            <a:r>
+              <a:rPr lang="zh-TW" altLang="en-US" dirty="0"/>
+              <a:t>阻礙</a:t>
+            </a:r>
+            <a:endParaRPr lang="en-US" altLang="zh-TW" dirty="0"/>
+          </a:p>
+          <a:p>
+            <a:r>
+              <a:rPr lang="en-US" altLang="zh-TW" b="0" i="0" dirty="0">
+                <a:solidFill>
+                  <a:srgbClr val="111111"/>
+                </a:solidFill>
+                <a:effectLst/>
+                <a:latin typeface="-apple-system"/>
+              </a:rPr>
+              <a:t>"prompt":"</a:t>
+            </a:r>
+            <a:r>
+              <a:rPr lang="zh-TW" altLang="en-US" b="0" i="0" dirty="0">
+                <a:solidFill>
+                  <a:srgbClr val="111111"/>
+                </a:solidFill>
+                <a:effectLst/>
+                <a:latin typeface="-apple-system"/>
+              </a:rPr>
+              <a:t>白色短髮，身穿拉上拉鍊的黑色連帽衣，黑色牛仔褲的男子，主角正在練習電競，父母站在書桌旁生氣的反對，插圖風格接近日本動畫</a:t>
+            </a:r>
+            <a:r>
+              <a:rPr lang="en-US" altLang="zh-TW" b="0" i="0" dirty="0">
+                <a:solidFill>
+                  <a:srgbClr val="111111"/>
+                </a:solidFill>
+                <a:effectLst/>
+                <a:latin typeface="-apple-system"/>
+              </a:rPr>
+              <a:t>"</a:t>
+            </a:r>
+            <a:endParaRPr lang="en-US" altLang="zh-TW" dirty="0"/>
+          </a:p>
+        </p:txBody>
+      </p:sp>
+      <p:sp>
+        <p:nvSpPr>
+          <p:cNvPr id="4" name="投影片編號版面配置區 3"/>
+          <p:cNvSpPr>
+            <a:spLocks noGrp="1"/>
+          </p:cNvSpPr>
+          <p:nvPr>
+            <p:ph type="sldNum" sz="quarter" idx="5"/>
+          </p:nvPr>
+        </p:nvSpPr>
+        <p:spPr/>
+        <p:txBody>
+          <a:bodyPr/>
+          <a:lstStyle/>
+          <a:p>
+            <a:fld id="{C7509520-8516-495E-8FEA-2957F4AE4ACB}" type="slidenum">
+              <a:rPr lang="zh-TW" altLang="en-US" smtClean="0"/>
+              <a:t>3</a:t>
+            </a:fld>
+            <a:endParaRPr lang="zh-TW" altLang="en-US"/>
+          </a:p>
+        </p:txBody>
+      </p:sp>
+    </p:spTree>
+    <p:extLst>
+      <p:ext uri="{BB962C8B-B14F-4D97-AF65-F5344CB8AC3E}">
+        <p14:creationId xmlns:p14="http://schemas.microsoft.com/office/powerpoint/2010/main" val="2412568389"/>
+      </p:ext>
+    </p:extLst>
+  </p:cSld>
+  <p:clrMapOvr>
+    <a:masterClrMapping/>
+  </p:clrMapOvr>
+</p:notes>
+</file>
+
+<file path=ppt/notesSlides/notesSlide4.xml><?xml version="1.0" encoding="utf-8"?>
+<p:notes xmlns:a="http://schemas.openxmlformats.org/drawingml/2006/main" xmlns:r="http://schemas.openxmlformats.org/officeDocument/2006/relationships" xmlns:p="http://schemas.openxmlformats.org/presentationml/2006/main">
+  <p:cSld>
+    <p:spTree>
+      <p:nvGrpSpPr>
+        <p:cNvPr id="1" name=""/>
+        <p:cNvGrpSpPr/>
+        <p:nvPr/>
+      </p:nvGrpSpPr>
+      <p:grpSpPr>
+        <a:xfrm>
+          <a:off x="0" y="0"/>
+          <a:ext cx="0" cy="0"/>
+          <a:chOff x="0" y="0"/>
+          <a:chExt cx="0" cy="0"/>
+        </a:xfrm>
+      </p:grpSpPr>
+      <p:sp>
+        <p:nvSpPr>
+          <p:cNvPr id="2" name="投影片影像版面配置區 1"/>
+          <p:cNvSpPr>
+            <a:spLocks noGrp="1" noRot="1" noChangeAspect="1"/>
+          </p:cNvSpPr>
+          <p:nvPr>
+            <p:ph type="sldImg"/>
+          </p:nvPr>
+        </p:nvSpPr>
+        <p:spPr/>
+      </p:sp>
+      <p:sp>
+        <p:nvSpPr>
+          <p:cNvPr id="3" name="備忘稿版面配置區 2"/>
+          <p:cNvSpPr>
+            <a:spLocks noGrp="1"/>
+          </p:cNvSpPr>
+          <p:nvPr>
+            <p:ph type="body" idx="1"/>
+          </p:nvPr>
+        </p:nvSpPr>
+        <p:spPr/>
+        <p:txBody>
+          <a:bodyPr/>
+          <a:lstStyle/>
+          <a:p>
+            <a:r>
+              <a:rPr lang="zh-TW" altLang="en-US" dirty="0"/>
+              <a:t>努力</a:t>
+            </a:r>
+            <a:endParaRPr lang="en-US" altLang="zh-TW" dirty="0"/>
+          </a:p>
+          <a:p>
+            <a:r>
+              <a:rPr lang="en-US" altLang="zh-TW" b="0" i="0" dirty="0">
+                <a:solidFill>
+                  <a:srgbClr val="111111"/>
+                </a:solidFill>
+                <a:effectLst/>
+                <a:latin typeface="-apple-system"/>
+              </a:rPr>
+              <a:t>"prompt":"</a:t>
+            </a:r>
+            <a:r>
+              <a:rPr lang="zh-TW" altLang="en-US" b="0" i="0" dirty="0">
+                <a:solidFill>
+                  <a:srgbClr val="111111"/>
+                </a:solidFill>
+                <a:effectLst/>
+                <a:latin typeface="-apple-system"/>
+              </a:rPr>
+              <a:t>白色短髮，身穿拉上拉鍊的黑色連帽衣，黑色牛仔褲的男子，主角正在練習努力練習電競，獲得多場勝利與失敗，插圖風格接近日本動畫</a:t>
+            </a:r>
+            <a:r>
+              <a:rPr lang="en-US" altLang="zh-TW" b="0" i="0" dirty="0">
+                <a:solidFill>
+                  <a:srgbClr val="111111"/>
+                </a:solidFill>
+                <a:effectLst/>
+                <a:latin typeface="-apple-system"/>
+              </a:rPr>
+              <a:t>"</a:t>
+            </a:r>
+            <a:endParaRPr lang="en-US" altLang="zh-TW" dirty="0"/>
+          </a:p>
+        </p:txBody>
+      </p:sp>
+      <p:sp>
+        <p:nvSpPr>
+          <p:cNvPr id="4" name="投影片編號版面配置區 3"/>
+          <p:cNvSpPr>
+            <a:spLocks noGrp="1"/>
+          </p:cNvSpPr>
+          <p:nvPr>
+            <p:ph type="sldNum" sz="quarter" idx="5"/>
+          </p:nvPr>
+        </p:nvSpPr>
+        <p:spPr/>
+        <p:txBody>
+          <a:bodyPr/>
+          <a:lstStyle/>
+          <a:p>
+            <a:fld id="{C7509520-8516-495E-8FEA-2957F4AE4ACB}" type="slidenum">
+              <a:rPr lang="zh-TW" altLang="en-US" smtClean="0"/>
+              <a:t>4</a:t>
+            </a:fld>
+            <a:endParaRPr lang="zh-TW" altLang="en-US"/>
+          </a:p>
+        </p:txBody>
+      </p:sp>
+    </p:spTree>
+    <p:extLst>
+      <p:ext uri="{BB962C8B-B14F-4D97-AF65-F5344CB8AC3E}">
+        <p14:creationId xmlns:p14="http://schemas.microsoft.com/office/powerpoint/2010/main" val="3267673106"/>
+      </p:ext>
+    </p:extLst>
+  </p:cSld>
+  <p:clrMapOvr>
+    <a:masterClrMapping/>
+  </p:clrMapOvr>
+</p:notes>
+</file>
+
+<file path=ppt/notesSlides/notesSlide5.xml><?xml version="1.0" encoding="utf-8"?>
+<p:notes xmlns:a="http://schemas.openxmlformats.org/drawingml/2006/main" xmlns:r="http://schemas.openxmlformats.org/officeDocument/2006/relationships" xmlns:p="http://schemas.openxmlformats.org/presentationml/2006/main">
+  <p:cSld>
+    <p:spTree>
+      <p:nvGrpSpPr>
+        <p:cNvPr id="1" name=""/>
+        <p:cNvGrpSpPr/>
+        <p:nvPr/>
+      </p:nvGrpSpPr>
+      <p:grpSpPr>
+        <a:xfrm>
+          <a:off x="0" y="0"/>
+          <a:ext cx="0" cy="0"/>
+          <a:chOff x="0" y="0"/>
+          <a:chExt cx="0" cy="0"/>
+        </a:xfrm>
+      </p:grpSpPr>
+      <p:sp>
+        <p:nvSpPr>
+          <p:cNvPr id="2" name="投影片影像版面配置區 1"/>
+          <p:cNvSpPr>
+            <a:spLocks noGrp="1" noRot="1" noChangeAspect="1"/>
+          </p:cNvSpPr>
+          <p:nvPr>
+            <p:ph type="sldImg"/>
+          </p:nvPr>
+        </p:nvSpPr>
+        <p:spPr/>
+      </p:sp>
+      <p:sp>
+        <p:nvSpPr>
+          <p:cNvPr id="3" name="備忘稿版面配置區 2"/>
+          <p:cNvSpPr>
+            <a:spLocks noGrp="1"/>
+          </p:cNvSpPr>
+          <p:nvPr>
+            <p:ph type="body" idx="1"/>
+          </p:nvPr>
+        </p:nvSpPr>
+        <p:spPr/>
+        <p:txBody>
+          <a:bodyPr/>
+          <a:lstStyle/>
+          <a:p>
+            <a:r>
+              <a:rPr lang="zh-TW" altLang="en-US" dirty="0"/>
+              <a:t>結果</a:t>
+            </a:r>
+            <a:endParaRPr lang="en-US" altLang="zh-TW" dirty="0"/>
+          </a:p>
+          <a:p>
+            <a:r>
+              <a:rPr lang="en-US" altLang="zh-TW" b="0" i="0" dirty="0">
+                <a:solidFill>
+                  <a:srgbClr val="111111"/>
+                </a:solidFill>
+                <a:effectLst/>
+                <a:latin typeface="-apple-system"/>
+              </a:rPr>
+              <a:t>"</a:t>
+            </a:r>
+            <a:r>
+              <a:rPr lang="en-US" altLang="zh-TW" b="0" i="0" dirty="0" err="1">
+                <a:solidFill>
+                  <a:srgbClr val="111111"/>
+                </a:solidFill>
+                <a:effectLst/>
+                <a:latin typeface="-apple-system"/>
+              </a:rPr>
+              <a:t>prompt":"white</a:t>
+            </a:r>
+            <a:r>
+              <a:rPr lang="en-US" altLang="zh-TW" b="0" i="0" dirty="0">
+                <a:solidFill>
+                  <a:srgbClr val="111111"/>
+                </a:solidFill>
+                <a:effectLst/>
+                <a:latin typeface="-apple-system"/>
+              </a:rPr>
+              <a:t> short Hair</a:t>
+            </a:r>
+            <a:r>
+              <a:rPr lang="zh-TW" altLang="en-US" b="0" i="0" dirty="0">
+                <a:solidFill>
+                  <a:srgbClr val="111111"/>
+                </a:solidFill>
+                <a:effectLst/>
+                <a:latin typeface="-apple-system"/>
+              </a:rPr>
+              <a:t>，</a:t>
+            </a:r>
+            <a:r>
+              <a:rPr lang="en-US" altLang="zh-TW" b="0" i="0" dirty="0">
+                <a:solidFill>
+                  <a:srgbClr val="111111"/>
+                </a:solidFill>
+                <a:effectLst/>
+                <a:latin typeface="-apple-system"/>
+              </a:rPr>
+              <a:t>clear face</a:t>
+            </a:r>
+            <a:r>
+              <a:rPr lang="zh-TW" altLang="en-US" b="0" i="0" dirty="0">
+                <a:solidFill>
+                  <a:srgbClr val="111111"/>
+                </a:solidFill>
+                <a:effectLst/>
+                <a:latin typeface="-apple-system"/>
+              </a:rPr>
+              <a:t>，上身只穿一件黑色連帽衣，黑色牛仔褲的男子，和隊友獲得電競比賽冠軍，贏得獎金，</a:t>
+            </a:r>
+            <a:r>
+              <a:rPr lang="en-US" altLang="zh-TW" b="0" i="0" dirty="0" err="1">
+                <a:solidFill>
+                  <a:srgbClr val="111111"/>
+                </a:solidFill>
+                <a:effectLst/>
+                <a:latin typeface="-apple-system"/>
+              </a:rPr>
+              <a:t>japan</a:t>
+            </a:r>
+            <a:r>
+              <a:rPr lang="en-US" altLang="zh-TW" b="0" i="0" dirty="0">
+                <a:solidFill>
+                  <a:srgbClr val="111111"/>
+                </a:solidFill>
+                <a:effectLst/>
+                <a:latin typeface="-apple-system"/>
+              </a:rPr>
+              <a:t> anime style"</a:t>
+            </a:r>
+            <a:endParaRPr lang="en-US" altLang="zh-TW" dirty="0"/>
+          </a:p>
+        </p:txBody>
+      </p:sp>
+      <p:sp>
+        <p:nvSpPr>
+          <p:cNvPr id="4" name="投影片編號版面配置區 3"/>
+          <p:cNvSpPr>
+            <a:spLocks noGrp="1"/>
+          </p:cNvSpPr>
+          <p:nvPr>
+            <p:ph type="sldNum" sz="quarter" idx="5"/>
+          </p:nvPr>
+        </p:nvSpPr>
+        <p:spPr/>
+        <p:txBody>
+          <a:bodyPr/>
+          <a:lstStyle/>
+          <a:p>
+            <a:fld id="{C7509520-8516-495E-8FEA-2957F4AE4ACB}" type="slidenum">
+              <a:rPr lang="zh-TW" altLang="en-US" smtClean="0"/>
+              <a:t>5</a:t>
+            </a:fld>
+            <a:endParaRPr lang="zh-TW" altLang="en-US"/>
+          </a:p>
+        </p:txBody>
+      </p:sp>
+    </p:spTree>
+    <p:extLst>
+      <p:ext uri="{BB962C8B-B14F-4D97-AF65-F5344CB8AC3E}">
+        <p14:creationId xmlns:p14="http://schemas.microsoft.com/office/powerpoint/2010/main" val="163537821"/>
+      </p:ext>
+    </p:extLst>
+  </p:cSld>
+  <p:clrMapOvr>
+    <a:masterClrMapping/>
+  </p:clrMapOvr>
+</p:notes>
+</file>
+
+<file path=ppt/notesSlides/notesSlide6.xml><?xml version="1.0" encoding="utf-8"?>
+<p:notes xmlns:a="http://schemas.openxmlformats.org/drawingml/2006/main" xmlns:r="http://schemas.openxmlformats.org/officeDocument/2006/relationships" xmlns:p="http://schemas.openxmlformats.org/presentationml/2006/main">
+  <p:cSld>
+    <p:spTree>
+      <p:nvGrpSpPr>
+        <p:cNvPr id="1" name=""/>
+        <p:cNvGrpSpPr/>
+        <p:nvPr/>
+      </p:nvGrpSpPr>
+      <p:grpSpPr>
+        <a:xfrm>
+          <a:off x="0" y="0"/>
+          <a:ext cx="0" cy="0"/>
+          <a:chOff x="0" y="0"/>
+          <a:chExt cx="0" cy="0"/>
+        </a:xfrm>
+      </p:grpSpPr>
+      <p:sp>
+        <p:nvSpPr>
+          <p:cNvPr id="2" name="投影片影像版面配置區 1"/>
+          <p:cNvSpPr>
+            <a:spLocks noGrp="1" noRot="1" noChangeAspect="1"/>
+          </p:cNvSpPr>
+          <p:nvPr>
+            <p:ph type="sldImg"/>
+          </p:nvPr>
+        </p:nvSpPr>
+        <p:spPr/>
+      </p:sp>
+      <p:sp>
+        <p:nvSpPr>
+          <p:cNvPr id="3" name="備忘稿版面配置區 2"/>
+          <p:cNvSpPr>
+            <a:spLocks noGrp="1"/>
+          </p:cNvSpPr>
+          <p:nvPr>
+            <p:ph type="body" idx="1"/>
+          </p:nvPr>
+        </p:nvSpPr>
+        <p:spPr/>
+        <p:txBody>
+          <a:bodyPr/>
+          <a:lstStyle/>
+          <a:p>
+            <a:r>
+              <a:rPr lang="zh-TW" altLang="en-US" dirty="0"/>
+              <a:t>意外</a:t>
+            </a:r>
+            <a:endParaRPr lang="en-US" altLang="zh-TW" dirty="0"/>
+          </a:p>
+          <a:p>
+            <a:r>
+              <a:rPr lang="en-US" altLang="zh-TW" b="0" i="0" dirty="0">
+                <a:solidFill>
+                  <a:srgbClr val="111111"/>
+                </a:solidFill>
+                <a:effectLst/>
+                <a:latin typeface="-apple-system"/>
+              </a:rPr>
+              <a:t>"</a:t>
+            </a:r>
+            <a:r>
+              <a:rPr lang="en-US" altLang="zh-TW" b="0" i="0" dirty="0" err="1">
+                <a:solidFill>
+                  <a:srgbClr val="111111"/>
+                </a:solidFill>
+                <a:effectLst/>
+                <a:latin typeface="-apple-system"/>
+              </a:rPr>
+              <a:t>prompt":"White</a:t>
+            </a:r>
+            <a:r>
+              <a:rPr lang="en-US" altLang="zh-TW" b="0" i="0" dirty="0">
+                <a:solidFill>
+                  <a:srgbClr val="111111"/>
+                </a:solidFill>
+                <a:effectLst/>
+                <a:latin typeface="-apple-system"/>
+              </a:rPr>
+              <a:t> short hair man, Clear face, Wearing a black hoodie, Black jeans, Sitting down or looking discouraged, Holding or looking at an injured hand/arm, without blood, bandage, Japan anime style, Dim or subdued lighting (to reflect the mood), Doctor’s office or medical setting in the background, Emotional tension, showing frustration or disappointment, Symbolism of overwork (e.g., cluttered desk, multiple screens)</a:t>
+            </a:r>
+            <a:endParaRPr lang="en-US" altLang="zh-TW" dirty="0"/>
+          </a:p>
+        </p:txBody>
+      </p:sp>
+      <p:sp>
+        <p:nvSpPr>
+          <p:cNvPr id="4" name="投影片編號版面配置區 3"/>
+          <p:cNvSpPr>
+            <a:spLocks noGrp="1"/>
+          </p:cNvSpPr>
+          <p:nvPr>
+            <p:ph type="sldNum" sz="quarter" idx="5"/>
+          </p:nvPr>
+        </p:nvSpPr>
+        <p:spPr/>
+        <p:txBody>
+          <a:bodyPr/>
+          <a:lstStyle/>
+          <a:p>
+            <a:fld id="{C7509520-8516-495E-8FEA-2957F4AE4ACB}" type="slidenum">
+              <a:rPr lang="zh-TW" altLang="en-US" smtClean="0"/>
+              <a:t>6</a:t>
+            </a:fld>
+            <a:endParaRPr lang="zh-TW" altLang="en-US"/>
+          </a:p>
+        </p:txBody>
+      </p:sp>
+    </p:spTree>
+    <p:extLst>
+      <p:ext uri="{BB962C8B-B14F-4D97-AF65-F5344CB8AC3E}">
+        <p14:creationId xmlns:p14="http://schemas.microsoft.com/office/powerpoint/2010/main" val="3727116302"/>
+      </p:ext>
+    </p:extLst>
+  </p:cSld>
+  <p:clrMapOvr>
+    <a:masterClrMapping/>
+  </p:clrMapOvr>
+</p:notes>
+</file>
+
+<file path=ppt/notesSlides/notesSlide7.xml><?xml version="1.0" encoding="utf-8"?>
+<p:notes xmlns:a="http://schemas.openxmlformats.org/drawingml/2006/main" xmlns:r="http://schemas.openxmlformats.org/officeDocument/2006/relationships" xmlns:p="http://schemas.openxmlformats.org/presentationml/2006/main">
+  <p:cSld>
+    <p:spTree>
+      <p:nvGrpSpPr>
+        <p:cNvPr id="1" name=""/>
+        <p:cNvGrpSpPr/>
+        <p:nvPr/>
+      </p:nvGrpSpPr>
+      <p:grpSpPr>
+        <a:xfrm>
+          <a:off x="0" y="0"/>
+          <a:ext cx="0" cy="0"/>
+          <a:chOff x="0" y="0"/>
+          <a:chExt cx="0" cy="0"/>
+        </a:xfrm>
+      </p:grpSpPr>
+      <p:sp>
+        <p:nvSpPr>
+          <p:cNvPr id="2" name="投影片影像版面配置區 1"/>
+          <p:cNvSpPr>
+            <a:spLocks noGrp="1" noRot="1" noChangeAspect="1"/>
+          </p:cNvSpPr>
+          <p:nvPr>
+            <p:ph type="sldImg"/>
+          </p:nvPr>
+        </p:nvSpPr>
+        <p:spPr/>
+      </p:sp>
+      <p:sp>
+        <p:nvSpPr>
+          <p:cNvPr id="3" name="備忘稿版面配置區 2"/>
+          <p:cNvSpPr>
+            <a:spLocks noGrp="1"/>
+          </p:cNvSpPr>
+          <p:nvPr>
+            <p:ph type="body" idx="1"/>
+          </p:nvPr>
+        </p:nvSpPr>
+        <p:spPr/>
+        <p:txBody>
+          <a:bodyPr/>
+          <a:lstStyle/>
+          <a:p>
+            <a:r>
+              <a:rPr lang="zh-TW" altLang="en-US" dirty="0"/>
+              <a:t>轉彎</a:t>
+            </a:r>
+            <a:endParaRPr lang="en-US" altLang="zh-TW" dirty="0"/>
+          </a:p>
+          <a:p>
+            <a:r>
+              <a:rPr lang="en-US" altLang="zh-TW" dirty="0">
+                <a:effectLst/>
+              </a:rPr>
+              <a:t>"</a:t>
+            </a:r>
+            <a:r>
+              <a:rPr lang="en-US" altLang="zh-TW" dirty="0" err="1">
+                <a:effectLst/>
+              </a:rPr>
+              <a:t>prompt":"White</a:t>
+            </a:r>
+            <a:r>
+              <a:rPr lang="en-US" altLang="zh-TW" dirty="0">
+                <a:effectLst/>
+              </a:rPr>
+              <a:t> short hair man, Clear face with a thoughtful expression, Wearing a black hoodie, Black jeans, Sitting at a desk or relaxing in a comfortable chair, around a table with Teammates, Japan anime style, Calm and introspective atmosphere, A balanced workspace, with both gaming gear and relaxation items (e.g., yoga mat, small plant), chatting with Teammates, representing shared experiences, Subtle elements symbolizing health and balance (e.g., a clock, balanced weights, yin-yang symbol), Warm tones and calming colors (suggesting inner peace and recovery)</a:t>
+            </a:r>
+          </a:p>
+        </p:txBody>
+      </p:sp>
+      <p:sp>
+        <p:nvSpPr>
+          <p:cNvPr id="4" name="投影片編號版面配置區 3"/>
+          <p:cNvSpPr>
+            <a:spLocks noGrp="1"/>
+          </p:cNvSpPr>
+          <p:nvPr>
+            <p:ph type="sldNum" sz="quarter" idx="5"/>
+          </p:nvPr>
+        </p:nvSpPr>
+        <p:spPr/>
+        <p:txBody>
+          <a:bodyPr/>
+          <a:lstStyle/>
+          <a:p>
+            <a:fld id="{C7509520-8516-495E-8FEA-2957F4AE4ACB}" type="slidenum">
+              <a:rPr lang="zh-TW" altLang="en-US" smtClean="0"/>
+              <a:t>7</a:t>
+            </a:fld>
+            <a:endParaRPr lang="zh-TW" altLang="en-US"/>
+          </a:p>
+        </p:txBody>
+      </p:sp>
+    </p:spTree>
+    <p:extLst>
+      <p:ext uri="{BB962C8B-B14F-4D97-AF65-F5344CB8AC3E}">
+        <p14:creationId xmlns:p14="http://schemas.microsoft.com/office/powerpoint/2010/main" val="2991295965"/>
+      </p:ext>
+    </p:extLst>
+  </p:cSld>
+  <p:clrMapOvr>
+    <a:masterClrMapping/>
+  </p:clrMapOvr>
+</p:notes>
+</file>
+
+<file path=ppt/notesSlides/notesSlide8.xml><?xml version="1.0" encoding="utf-8"?>
+<p:notes xmlns:a="http://schemas.openxmlformats.org/drawingml/2006/main" xmlns:r="http://schemas.openxmlformats.org/officeDocument/2006/relationships" xmlns:p="http://schemas.openxmlformats.org/presentationml/2006/main">
+  <p:cSld>
+    <p:spTree>
+      <p:nvGrpSpPr>
+        <p:cNvPr id="1" name=""/>
+        <p:cNvGrpSpPr/>
+        <p:nvPr/>
+      </p:nvGrpSpPr>
+      <p:grpSpPr>
+        <a:xfrm>
+          <a:off x="0" y="0"/>
+          <a:ext cx="0" cy="0"/>
+          <a:chOff x="0" y="0"/>
+          <a:chExt cx="0" cy="0"/>
+        </a:xfrm>
+      </p:grpSpPr>
+      <p:sp>
+        <p:nvSpPr>
+          <p:cNvPr id="2" name="投影片影像版面配置區 1"/>
+          <p:cNvSpPr>
+            <a:spLocks noGrp="1" noRot="1" noChangeAspect="1"/>
+          </p:cNvSpPr>
+          <p:nvPr>
+            <p:ph type="sldImg"/>
+          </p:nvPr>
+        </p:nvSpPr>
+        <p:spPr/>
+      </p:sp>
+      <p:sp>
+        <p:nvSpPr>
+          <p:cNvPr id="3" name="備忘稿版面配置區 2"/>
+          <p:cNvSpPr>
+            <a:spLocks noGrp="1"/>
+          </p:cNvSpPr>
+          <p:nvPr>
+            <p:ph type="body" idx="1"/>
+          </p:nvPr>
+        </p:nvSpPr>
+        <p:spPr/>
+        <p:txBody>
+          <a:bodyPr/>
+          <a:lstStyle/>
+          <a:p>
+            <a:r>
+              <a:rPr lang="zh-TW" altLang="en-US" dirty="0"/>
+              <a:t>結局</a:t>
+            </a:r>
+            <a:endParaRPr lang="en-US" altLang="zh-TW"/>
+          </a:p>
+          <a:p>
+            <a:r>
+              <a:rPr lang="en-US" altLang="zh-TW" b="0" i="0">
+                <a:solidFill>
+                  <a:srgbClr val="111111"/>
+                </a:solidFill>
+                <a:effectLst/>
+                <a:latin typeface="-apple-system"/>
+              </a:rPr>
+              <a:t>"</a:t>
+            </a:r>
+            <a:r>
+              <a:rPr lang="en-US" altLang="zh-TW" b="0" i="0" dirty="0" err="1">
+                <a:solidFill>
+                  <a:srgbClr val="111111"/>
+                </a:solidFill>
+                <a:effectLst/>
+                <a:latin typeface="-apple-system"/>
+              </a:rPr>
+              <a:t>prompt":"White</a:t>
+            </a:r>
+            <a:r>
+              <a:rPr lang="en-US" altLang="zh-TW" b="0" i="0" dirty="0">
+                <a:solidFill>
+                  <a:srgbClr val="111111"/>
+                </a:solidFill>
+                <a:effectLst/>
+                <a:latin typeface="-apple-system"/>
+              </a:rPr>
+              <a:t> short hair man, Clear face, Wearing a black hoodie, Black jeans, Standing confidently on an esports stage, Team celebrating with trophies or medals, Victory pose or proud stance, Japan anime style, Bright, dynamic esports atmosphere (e.g., lights, screens, cheering crowd), Achieving dreams and balance theme (e.g., glowing effects, sense of personal growth), Balanced energy between focus and relaxation, holding trophy"</a:t>
+            </a:r>
+            <a:endParaRPr lang="en-US" altLang="zh-TW" dirty="0"/>
+          </a:p>
+        </p:txBody>
+      </p:sp>
+      <p:sp>
+        <p:nvSpPr>
+          <p:cNvPr id="4" name="投影片編號版面配置區 3"/>
+          <p:cNvSpPr>
+            <a:spLocks noGrp="1"/>
+          </p:cNvSpPr>
+          <p:nvPr>
+            <p:ph type="sldNum" sz="quarter" idx="5"/>
+          </p:nvPr>
+        </p:nvSpPr>
+        <p:spPr/>
+        <p:txBody>
+          <a:bodyPr/>
+          <a:lstStyle/>
+          <a:p>
+            <a:fld id="{C7509520-8516-495E-8FEA-2957F4AE4ACB}" type="slidenum">
+              <a:rPr lang="zh-TW" altLang="en-US" smtClean="0"/>
+              <a:t>8</a:t>
+            </a:fld>
+            <a:endParaRPr lang="zh-TW" altLang="en-US"/>
+          </a:p>
+        </p:txBody>
+      </p:sp>
+    </p:spTree>
+    <p:extLst>
+      <p:ext uri="{BB962C8B-B14F-4D97-AF65-F5344CB8AC3E}">
+        <p14:creationId xmlns:p14="http://schemas.microsoft.com/office/powerpoint/2010/main" val="436179603"/>
+      </p:ext>
+    </p:extLst>
+  </p:cSld>
+  <p:clrMapOvr>
+    <a:masterClrMapping/>
+  </p:clrMapOvr>
+</p:notes>
 </file>
 
 <file path=ppt/slideLayouts/slideLayout1.xml><?xml version="1.0" encoding="utf-8"?>
@@ -126,13 +1464,7 @@
       </p:grpSpPr>
       <p:sp>
         <p:nvSpPr>
-          <p:cNvPr id="2" name="標題 1">
-            <a:extLst>
-              <a:ext uri="{FF2B5EF4-FFF2-40B4-BE49-F238E27FC236}">
-                <a16:creationId xmlns:a16="http://schemas.microsoft.com/office/drawing/2014/main" id="{EB5CC918-B447-434E-B98E-5847BB49C259}"/>
-              </a:ext>
-            </a:extLst>
-          </p:cNvPr>
+          <p:cNvPr id="2" name="Title 1"/>
           <p:cNvSpPr>
             <a:spLocks noGrp="1"/>
           </p:cNvSpPr>
@@ -142,12 +1474,14 @@
         </p:nvSpPr>
         <p:spPr>
           <a:xfrm>
-            <a:off x="1524000" y="1122363"/>
+            <a:off x="1524000" y="1124530"/>
             <a:ext cx="9144000" cy="2387600"/>
           </a:xfrm>
         </p:spPr>
         <p:txBody>
-          <a:bodyPr anchor="b"/>
+          <a:bodyPr anchor="b">
+            <a:normAutofit/>
+          </a:bodyPr>
           <a:lstStyle>
             <a:lvl1pPr algn="ctr">
               <a:defRPr sz="6000"/>
@@ -158,18 +1492,13 @@
               <a:rPr lang="zh-TW" altLang="en-US"/>
               <a:t>按一下以編輯母片標題樣式</a:t>
             </a:r>
-          </a:p>
-        </p:txBody>
-      </p:sp>
-      <p:sp>
-        <p:nvSpPr>
-          <p:cNvPr id="3" name="副標題 2">
-            <a:extLst>
-              <a:ext uri="{FF2B5EF4-FFF2-40B4-BE49-F238E27FC236}">
-                <a16:creationId xmlns:a16="http://schemas.microsoft.com/office/drawing/2014/main" id="{817FCC70-CC4E-4CB6-B2CF-9FDA5AC4D346}"/>
-              </a:ext>
-            </a:extLst>
-          </p:cNvPr>
+            <a:endParaRPr lang="en-US" dirty="0"/>
+          </a:p>
+        </p:txBody>
+      </p:sp>
+      <p:sp>
+        <p:nvSpPr>
+          <p:cNvPr id="3" name="Subtitle 2"/>
           <p:cNvSpPr>
             <a:spLocks noGrp="1"/>
           </p:cNvSpPr>
@@ -184,43 +1513,52 @@
           </a:xfrm>
         </p:spPr>
         <p:txBody>
-          <a:bodyPr/>
+          <a:bodyPr>
+            <a:normAutofit/>
+          </a:bodyPr>
           <a:lstStyle>
             <a:lvl1pPr marL="0" indent="0" algn="ctr">
               <a:buNone/>
-              <a:defRPr sz="2400"/>
+              <a:defRPr sz="2400">
+                <a:solidFill>
+                  <a:schemeClr val="tx1">
+                    <a:lumMod val="75000"/>
+                    <a:lumOff val="25000"/>
+                  </a:schemeClr>
+                </a:solidFill>
+              </a:defRPr>
             </a:lvl1pPr>
             <a:lvl2pPr marL="457200" indent="0" algn="ctr">
               <a:buNone/>
-              <a:defRPr sz="2000"/>
+              <a:defRPr sz="2800"/>
             </a:lvl2pPr>
             <a:lvl3pPr marL="914400" indent="0" algn="ctr">
               <a:buNone/>
-              <a:defRPr sz="1800"/>
+              <a:defRPr sz="2400"/>
             </a:lvl3pPr>
             <a:lvl4pPr marL="1371600" indent="0" algn="ctr">
               <a:buNone/>
-              <a:defRPr sz="1600"/>
+              <a:defRPr sz="2000"/>
             </a:lvl4pPr>
             <a:lvl5pPr marL="1828800" indent="0" algn="ctr">
               <a:buNone/>
-              <a:defRPr sz="1600"/>
+              <a:defRPr sz="2000"/>
             </a:lvl5pPr>
             <a:lvl6pPr marL="2286000" indent="0" algn="ctr">
               <a:buNone/>
-              <a:defRPr sz="1600"/>
+              <a:defRPr sz="2000"/>
             </a:lvl6pPr>
             <a:lvl7pPr marL="2743200" indent="0" algn="ctr">
               <a:buNone/>
-              <a:defRPr sz="1600"/>
+              <a:defRPr sz="2000"/>
             </a:lvl7pPr>
             <a:lvl8pPr marL="3200400" indent="0" algn="ctr">
               <a:buNone/>
-              <a:defRPr sz="1600"/>
+              <a:defRPr sz="2000"/>
             </a:lvl8pPr>
             <a:lvl9pPr marL="3657600" indent="0" algn="ctr">
               <a:buNone/>
-              <a:defRPr sz="1600"/>
+              <a:defRPr sz="2000"/>
             </a:lvl9pPr>
           </a:lstStyle>
           <a:p>
@@ -228,18 +1566,13 @@
               <a:rPr lang="zh-TW" altLang="en-US"/>
               <a:t>按一下以編輯母片子標題樣式</a:t>
             </a:r>
-          </a:p>
-        </p:txBody>
-      </p:sp>
-      <p:sp>
-        <p:nvSpPr>
-          <p:cNvPr id="4" name="日期版面配置區 3">
-            <a:extLst>
-              <a:ext uri="{FF2B5EF4-FFF2-40B4-BE49-F238E27FC236}">
-                <a16:creationId xmlns:a16="http://schemas.microsoft.com/office/drawing/2014/main" id="{BD08F018-0004-4322-AD0F-E6E740964233}"/>
-              </a:ext>
-            </a:extLst>
-          </p:cNvPr>
+            <a:endParaRPr lang="en-US" dirty="0"/>
+          </a:p>
+        </p:txBody>
+      </p:sp>
+      <p:sp>
+        <p:nvSpPr>
+          <p:cNvPr id="4" name="Date Placeholder 3"/>
           <p:cNvSpPr>
             <a:spLocks noGrp="1"/>
           </p:cNvSpPr>
@@ -252,9 +1585,9 @@
           <a:bodyPr/>
           <a:lstStyle/>
           <a:p>
-            <a:fld id="{C3C90D7E-32D6-4894-AE08-7BBB3E610FC9}" type="datetimeFigureOut">
+            <a:fld id="{CD68668E-B26C-46DC-828E-F337DFA7A9C5}" type="datetimeFigureOut">
               <a:rPr lang="zh-TW" altLang="en-US" smtClean="0"/>
-              <a:t>2024/9/16</a:t>
+              <a:t>2024/10/21</a:t>
             </a:fld>
             <a:endParaRPr lang="zh-TW" altLang="en-US"/>
           </a:p>
@@ -262,13 +1595,7 @@
       </p:sp>
       <p:sp>
         <p:nvSpPr>
-          <p:cNvPr id="5" name="頁尾版面配置區 4">
-            <a:extLst>
-              <a:ext uri="{FF2B5EF4-FFF2-40B4-BE49-F238E27FC236}">
-                <a16:creationId xmlns:a16="http://schemas.microsoft.com/office/drawing/2014/main" id="{30427B34-CB13-41C7-B2F2-CED9BDC5B595}"/>
-              </a:ext>
-            </a:extLst>
-          </p:cNvPr>
+          <p:cNvPr id="5" name="Footer Placeholder 4"/>
           <p:cNvSpPr>
             <a:spLocks noGrp="1"/>
           </p:cNvSpPr>
@@ -287,13 +1614,7 @@
       </p:sp>
       <p:sp>
         <p:nvSpPr>
-          <p:cNvPr id="6" name="投影片編號版面配置區 5">
-            <a:extLst>
-              <a:ext uri="{FF2B5EF4-FFF2-40B4-BE49-F238E27FC236}">
-                <a16:creationId xmlns:a16="http://schemas.microsoft.com/office/drawing/2014/main" id="{76FA962E-5B03-439A-928C-87366876542D}"/>
-              </a:ext>
-            </a:extLst>
-          </p:cNvPr>
+          <p:cNvPr id="6" name="Slide Number Placeholder 5"/>
           <p:cNvSpPr>
             <a:spLocks noGrp="1"/>
           </p:cNvSpPr>
@@ -306,7 +1627,7 @@
           <a:bodyPr/>
           <a:lstStyle/>
           <a:p>
-            <a:fld id="{E31EC408-072F-4346-BD0A-D6AA5788A305}" type="slidenum">
+            <a:fld id="{D41FEE5A-6EA7-4F72-8958-31B30357DD49}" type="slidenum">
               <a:rPr lang="zh-TW" altLang="en-US" smtClean="0"/>
               <a:t>‹#›</a:t>
             </a:fld>
@@ -317,7 +1638,7 @@
     </p:spTree>
     <p:extLst>
       <p:ext uri="{BB962C8B-B14F-4D97-AF65-F5344CB8AC3E}">
-        <p14:creationId xmlns:p14="http://schemas.microsoft.com/office/powerpoint/2010/main" val="2963035110"/>
+        <p14:creationId xmlns:p14="http://schemas.microsoft.com/office/powerpoint/2010/main" val="3508021331"/>
       </p:ext>
     </p:extLst>
   </p:cSld>
@@ -346,13 +1667,7 @@
       </p:grpSpPr>
       <p:sp>
         <p:nvSpPr>
-          <p:cNvPr id="2" name="標題 1">
-            <a:extLst>
-              <a:ext uri="{FF2B5EF4-FFF2-40B4-BE49-F238E27FC236}">
-                <a16:creationId xmlns:a16="http://schemas.microsoft.com/office/drawing/2014/main" id="{A02F0018-7F8E-4206-A929-07CDC6B5F34A}"/>
-              </a:ext>
-            </a:extLst>
-          </p:cNvPr>
+          <p:cNvPr id="2" name="Title 1"/>
           <p:cNvSpPr>
             <a:spLocks noGrp="1"/>
           </p:cNvSpPr>
@@ -369,18 +1684,13 @@
               <a:rPr lang="zh-TW" altLang="en-US"/>
               <a:t>按一下以編輯母片標題樣式</a:t>
             </a:r>
-          </a:p>
-        </p:txBody>
-      </p:sp>
-      <p:sp>
-        <p:nvSpPr>
-          <p:cNvPr id="3" name="直排文字版面配置區 2">
-            <a:extLst>
-              <a:ext uri="{FF2B5EF4-FFF2-40B4-BE49-F238E27FC236}">
-                <a16:creationId xmlns:a16="http://schemas.microsoft.com/office/drawing/2014/main" id="{9B801E88-34C3-4545-A358-81F5614FED64}"/>
-              </a:ext>
-            </a:extLst>
-          </p:cNvPr>
+            <a:endParaRPr lang="en-US"/>
+          </a:p>
+        </p:txBody>
+      </p:sp>
+      <p:sp>
+        <p:nvSpPr>
+          <p:cNvPr id="3" name="Vertical Text Placeholder 2"/>
           <p:cNvSpPr>
             <a:spLocks noGrp="1"/>
           </p:cNvSpPr>
@@ -426,18 +1736,13 @@
               <a:rPr lang="zh-TW" altLang="en-US"/>
               <a:t>第五層</a:t>
             </a:r>
-          </a:p>
-        </p:txBody>
-      </p:sp>
-      <p:sp>
-        <p:nvSpPr>
-          <p:cNvPr id="4" name="日期版面配置區 3">
-            <a:extLst>
-              <a:ext uri="{FF2B5EF4-FFF2-40B4-BE49-F238E27FC236}">
-                <a16:creationId xmlns:a16="http://schemas.microsoft.com/office/drawing/2014/main" id="{60AFD716-8B99-4230-B55F-C8B88ECBB171}"/>
-              </a:ext>
-            </a:extLst>
-          </p:cNvPr>
+            <a:endParaRPr lang="en-US" dirty="0"/>
+          </a:p>
+        </p:txBody>
+      </p:sp>
+      <p:sp>
+        <p:nvSpPr>
+          <p:cNvPr id="4" name="Date Placeholder 3"/>
           <p:cNvSpPr>
             <a:spLocks noGrp="1"/>
           </p:cNvSpPr>
@@ -450,9 +1755,9 @@
           <a:bodyPr/>
           <a:lstStyle/>
           <a:p>
-            <a:fld id="{C3C90D7E-32D6-4894-AE08-7BBB3E610FC9}" type="datetimeFigureOut">
+            <a:fld id="{CD68668E-B26C-46DC-828E-F337DFA7A9C5}" type="datetimeFigureOut">
               <a:rPr lang="zh-TW" altLang="en-US" smtClean="0"/>
-              <a:t>2024/9/16</a:t>
+              <a:t>2024/10/21</a:t>
             </a:fld>
             <a:endParaRPr lang="zh-TW" altLang="en-US"/>
           </a:p>
@@ -460,13 +1765,7 @@
       </p:sp>
       <p:sp>
         <p:nvSpPr>
-          <p:cNvPr id="5" name="頁尾版面配置區 4">
-            <a:extLst>
-              <a:ext uri="{FF2B5EF4-FFF2-40B4-BE49-F238E27FC236}">
-                <a16:creationId xmlns:a16="http://schemas.microsoft.com/office/drawing/2014/main" id="{EA374743-76D9-4BF8-A60C-2F50B2636A8A}"/>
-              </a:ext>
-            </a:extLst>
-          </p:cNvPr>
+          <p:cNvPr id="5" name="Footer Placeholder 4"/>
           <p:cNvSpPr>
             <a:spLocks noGrp="1"/>
           </p:cNvSpPr>
@@ -485,13 +1784,7 @@
       </p:sp>
       <p:sp>
         <p:nvSpPr>
-          <p:cNvPr id="6" name="投影片編號版面配置區 5">
-            <a:extLst>
-              <a:ext uri="{FF2B5EF4-FFF2-40B4-BE49-F238E27FC236}">
-                <a16:creationId xmlns:a16="http://schemas.microsoft.com/office/drawing/2014/main" id="{00454594-6C11-4013-A666-A151E960EC9B}"/>
-              </a:ext>
-            </a:extLst>
-          </p:cNvPr>
+          <p:cNvPr id="6" name="Slide Number Placeholder 5"/>
           <p:cNvSpPr>
             <a:spLocks noGrp="1"/>
           </p:cNvSpPr>
@@ -504,7 +1797,7 @@
           <a:bodyPr/>
           <a:lstStyle/>
           <a:p>
-            <a:fld id="{E31EC408-072F-4346-BD0A-D6AA5788A305}" type="slidenum">
+            <a:fld id="{D41FEE5A-6EA7-4F72-8958-31B30357DD49}" type="slidenum">
               <a:rPr lang="zh-TW" altLang="en-US" smtClean="0"/>
               <a:t>‹#›</a:t>
             </a:fld>
@@ -515,7 +1808,7 @@
     </p:spTree>
     <p:extLst>
       <p:ext uri="{BB962C8B-B14F-4D97-AF65-F5344CB8AC3E}">
-        <p14:creationId xmlns:p14="http://schemas.microsoft.com/office/powerpoint/2010/main" val="188953001"/>
+        <p14:creationId xmlns:p14="http://schemas.microsoft.com/office/powerpoint/2010/main" val="34461845"/>
       </p:ext>
     </p:extLst>
   </p:cSld>
@@ -544,13 +1837,7 @@
       </p:grpSpPr>
       <p:sp>
         <p:nvSpPr>
-          <p:cNvPr id="2" name="直排標題 1">
-            <a:extLst>
-              <a:ext uri="{FF2B5EF4-FFF2-40B4-BE49-F238E27FC236}">
-                <a16:creationId xmlns:a16="http://schemas.microsoft.com/office/drawing/2014/main" id="{70F760AC-E708-4605-85E2-7D0F424B3E29}"/>
-              </a:ext>
-            </a:extLst>
-          </p:cNvPr>
+          <p:cNvPr id="2" name="Vertical Title 1"/>
           <p:cNvSpPr>
             <a:spLocks noGrp="1"/>
           </p:cNvSpPr>
@@ -560,7 +1847,7 @@
         </p:nvSpPr>
         <p:spPr>
           <a:xfrm>
-            <a:off x="8724900" y="365125"/>
+            <a:off x="8724900" y="360362"/>
             <a:ext cx="2628900" cy="5811838"/>
           </a:xfrm>
         </p:spPr>
@@ -572,18 +1859,13 @@
               <a:rPr lang="zh-TW" altLang="en-US"/>
               <a:t>按一下以編輯母片標題樣式</a:t>
             </a:r>
-          </a:p>
-        </p:txBody>
-      </p:sp>
-      <p:sp>
-        <p:nvSpPr>
-          <p:cNvPr id="3" name="直排文字版面配置區 2">
-            <a:extLst>
-              <a:ext uri="{FF2B5EF4-FFF2-40B4-BE49-F238E27FC236}">
-                <a16:creationId xmlns:a16="http://schemas.microsoft.com/office/drawing/2014/main" id="{84BECF48-F3B6-4D47-82A8-C6AE92EDC2F0}"/>
-              </a:ext>
-            </a:extLst>
-          </p:cNvPr>
+            <a:endParaRPr lang="en-US"/>
+          </a:p>
+        </p:txBody>
+      </p:sp>
+      <p:sp>
+        <p:nvSpPr>
+          <p:cNvPr id="3" name="Vertical Text Placeholder 2"/>
           <p:cNvSpPr>
             <a:spLocks noGrp="1"/>
           </p:cNvSpPr>
@@ -593,8 +1875,8 @@
         </p:nvSpPr>
         <p:spPr>
           <a:xfrm>
-            <a:off x="838200" y="365125"/>
-            <a:ext cx="7734300" cy="5811838"/>
+            <a:off x="838200" y="360362"/>
+            <a:ext cx="7734300" cy="5811837"/>
           </a:xfrm>
         </p:spPr>
         <p:txBody>
@@ -634,18 +1916,13 @@
               <a:rPr lang="zh-TW" altLang="en-US"/>
               <a:t>第五層</a:t>
             </a:r>
-          </a:p>
-        </p:txBody>
-      </p:sp>
-      <p:sp>
-        <p:nvSpPr>
-          <p:cNvPr id="4" name="日期版面配置區 3">
-            <a:extLst>
-              <a:ext uri="{FF2B5EF4-FFF2-40B4-BE49-F238E27FC236}">
-                <a16:creationId xmlns:a16="http://schemas.microsoft.com/office/drawing/2014/main" id="{215DE52A-093E-4116-A2FE-F61BA999B89F}"/>
-              </a:ext>
-            </a:extLst>
-          </p:cNvPr>
+            <a:endParaRPr lang="en-US"/>
+          </a:p>
+        </p:txBody>
+      </p:sp>
+      <p:sp>
+        <p:nvSpPr>
+          <p:cNvPr id="4" name="Date Placeholder 3"/>
           <p:cNvSpPr>
             <a:spLocks noGrp="1"/>
           </p:cNvSpPr>
@@ -658,9 +1935,9 @@
           <a:bodyPr/>
           <a:lstStyle/>
           <a:p>
-            <a:fld id="{C3C90D7E-32D6-4894-AE08-7BBB3E610FC9}" type="datetimeFigureOut">
+            <a:fld id="{CD68668E-B26C-46DC-828E-F337DFA7A9C5}" type="datetimeFigureOut">
               <a:rPr lang="zh-TW" altLang="en-US" smtClean="0"/>
-              <a:t>2024/9/16</a:t>
+              <a:t>2024/10/21</a:t>
             </a:fld>
             <a:endParaRPr lang="zh-TW" altLang="en-US"/>
           </a:p>
@@ -668,13 +1945,7 @@
       </p:sp>
       <p:sp>
         <p:nvSpPr>
-          <p:cNvPr id="5" name="頁尾版面配置區 4">
-            <a:extLst>
-              <a:ext uri="{FF2B5EF4-FFF2-40B4-BE49-F238E27FC236}">
-                <a16:creationId xmlns:a16="http://schemas.microsoft.com/office/drawing/2014/main" id="{34553FE1-A5D9-4070-AA9C-378F491D4677}"/>
-              </a:ext>
-            </a:extLst>
-          </p:cNvPr>
+          <p:cNvPr id="5" name="Footer Placeholder 4"/>
           <p:cNvSpPr>
             <a:spLocks noGrp="1"/>
           </p:cNvSpPr>
@@ -693,13 +1964,7 @@
       </p:sp>
       <p:sp>
         <p:nvSpPr>
-          <p:cNvPr id="6" name="投影片編號版面配置區 5">
-            <a:extLst>
-              <a:ext uri="{FF2B5EF4-FFF2-40B4-BE49-F238E27FC236}">
-                <a16:creationId xmlns:a16="http://schemas.microsoft.com/office/drawing/2014/main" id="{928EFDDC-5B11-4543-8144-518625EDA57F}"/>
-              </a:ext>
-            </a:extLst>
-          </p:cNvPr>
+          <p:cNvPr id="6" name="Slide Number Placeholder 5"/>
           <p:cNvSpPr>
             <a:spLocks noGrp="1"/>
           </p:cNvSpPr>
@@ -712,7 +1977,7 @@
           <a:bodyPr/>
           <a:lstStyle/>
           <a:p>
-            <a:fld id="{E31EC408-072F-4346-BD0A-D6AA5788A305}" type="slidenum">
+            <a:fld id="{D41FEE5A-6EA7-4F72-8958-31B30357DD49}" type="slidenum">
               <a:rPr lang="zh-TW" altLang="en-US" smtClean="0"/>
               <a:t>‹#›</a:t>
             </a:fld>
@@ -723,7 +1988,7 @@
     </p:spTree>
     <p:extLst>
       <p:ext uri="{BB962C8B-B14F-4D97-AF65-F5344CB8AC3E}">
-        <p14:creationId xmlns:p14="http://schemas.microsoft.com/office/powerpoint/2010/main" val="2483123943"/>
+        <p14:creationId xmlns:p14="http://schemas.microsoft.com/office/powerpoint/2010/main" val="3264375578"/>
       </p:ext>
     </p:extLst>
   </p:cSld>
@@ -752,13 +2017,7 @@
       </p:grpSpPr>
       <p:sp>
         <p:nvSpPr>
-          <p:cNvPr id="2" name="標題 1">
-            <a:extLst>
-              <a:ext uri="{FF2B5EF4-FFF2-40B4-BE49-F238E27FC236}">
-                <a16:creationId xmlns:a16="http://schemas.microsoft.com/office/drawing/2014/main" id="{A1BFCF4C-FB58-444C-B754-A594851E4C7B}"/>
-              </a:ext>
-            </a:extLst>
-          </p:cNvPr>
+          <p:cNvPr id="2" name="Title 1"/>
           <p:cNvSpPr>
             <a:spLocks noGrp="1"/>
           </p:cNvSpPr>
@@ -775,18 +2034,13 @@
               <a:rPr lang="zh-TW" altLang="en-US"/>
               <a:t>按一下以編輯母片標題樣式</a:t>
             </a:r>
-          </a:p>
-        </p:txBody>
-      </p:sp>
-      <p:sp>
-        <p:nvSpPr>
-          <p:cNvPr id="3" name="內容版面配置區 2">
-            <a:extLst>
-              <a:ext uri="{FF2B5EF4-FFF2-40B4-BE49-F238E27FC236}">
-                <a16:creationId xmlns:a16="http://schemas.microsoft.com/office/drawing/2014/main" id="{987C475D-648F-4511-A6FE-04B04F755F93}"/>
-              </a:ext>
-            </a:extLst>
-          </p:cNvPr>
+            <a:endParaRPr lang="en-US" dirty="0"/>
+          </a:p>
+        </p:txBody>
+      </p:sp>
+      <p:sp>
+        <p:nvSpPr>
+          <p:cNvPr id="3" name="Content Placeholder 2"/>
           <p:cNvSpPr>
             <a:spLocks noGrp="1"/>
           </p:cNvSpPr>
@@ -832,18 +2086,13 @@
               <a:rPr lang="zh-TW" altLang="en-US"/>
               <a:t>第五層</a:t>
             </a:r>
-          </a:p>
-        </p:txBody>
-      </p:sp>
-      <p:sp>
-        <p:nvSpPr>
-          <p:cNvPr id="4" name="日期版面配置區 3">
-            <a:extLst>
-              <a:ext uri="{FF2B5EF4-FFF2-40B4-BE49-F238E27FC236}">
-                <a16:creationId xmlns:a16="http://schemas.microsoft.com/office/drawing/2014/main" id="{F511FCF8-D8F7-4914-920F-D63F2D97F713}"/>
-              </a:ext>
-            </a:extLst>
-          </p:cNvPr>
+            <a:endParaRPr lang="en-US" dirty="0"/>
+          </a:p>
+        </p:txBody>
+      </p:sp>
+      <p:sp>
+        <p:nvSpPr>
+          <p:cNvPr id="4" name="Date Placeholder 3"/>
           <p:cNvSpPr>
             <a:spLocks noGrp="1"/>
           </p:cNvSpPr>
@@ -856,9 +2105,9 @@
           <a:bodyPr/>
           <a:lstStyle/>
           <a:p>
-            <a:fld id="{C3C90D7E-32D6-4894-AE08-7BBB3E610FC9}" type="datetimeFigureOut">
+            <a:fld id="{CD68668E-B26C-46DC-828E-F337DFA7A9C5}" type="datetimeFigureOut">
               <a:rPr lang="zh-TW" altLang="en-US" smtClean="0"/>
-              <a:t>2024/9/16</a:t>
+              <a:t>2024/10/21</a:t>
             </a:fld>
             <a:endParaRPr lang="zh-TW" altLang="en-US"/>
           </a:p>
@@ -866,13 +2115,7 @@
       </p:sp>
       <p:sp>
         <p:nvSpPr>
-          <p:cNvPr id="5" name="頁尾版面配置區 4">
-            <a:extLst>
-              <a:ext uri="{FF2B5EF4-FFF2-40B4-BE49-F238E27FC236}">
-                <a16:creationId xmlns:a16="http://schemas.microsoft.com/office/drawing/2014/main" id="{7E1D3E8F-338D-4B4D-B411-5282866FF95D}"/>
-              </a:ext>
-            </a:extLst>
-          </p:cNvPr>
+          <p:cNvPr id="5" name="Footer Placeholder 4"/>
           <p:cNvSpPr>
             <a:spLocks noGrp="1"/>
           </p:cNvSpPr>
@@ -891,13 +2134,7 @@
       </p:sp>
       <p:sp>
         <p:nvSpPr>
-          <p:cNvPr id="6" name="投影片編號版面配置區 5">
-            <a:extLst>
-              <a:ext uri="{FF2B5EF4-FFF2-40B4-BE49-F238E27FC236}">
-                <a16:creationId xmlns:a16="http://schemas.microsoft.com/office/drawing/2014/main" id="{F7DF3AD5-06B6-42D8-AEDF-66CCE6582524}"/>
-              </a:ext>
-            </a:extLst>
-          </p:cNvPr>
+          <p:cNvPr id="6" name="Slide Number Placeholder 5"/>
           <p:cNvSpPr>
             <a:spLocks noGrp="1"/>
           </p:cNvSpPr>
@@ -910,7 +2147,7 @@
           <a:bodyPr/>
           <a:lstStyle/>
           <a:p>
-            <a:fld id="{E31EC408-072F-4346-BD0A-D6AA5788A305}" type="slidenum">
+            <a:fld id="{D41FEE5A-6EA7-4F72-8958-31B30357DD49}" type="slidenum">
               <a:rPr lang="zh-TW" altLang="en-US" smtClean="0"/>
               <a:t>‹#›</a:t>
             </a:fld>
@@ -921,7 +2158,7 @@
     </p:spTree>
     <p:extLst>
       <p:ext uri="{BB962C8B-B14F-4D97-AF65-F5344CB8AC3E}">
-        <p14:creationId xmlns:p14="http://schemas.microsoft.com/office/powerpoint/2010/main" val="4198509733"/>
+        <p14:creationId xmlns:p14="http://schemas.microsoft.com/office/powerpoint/2010/main" val="2644449732"/>
       </p:ext>
     </p:extLst>
   </p:cSld>
@@ -950,13 +2187,7 @@
       </p:grpSpPr>
       <p:sp>
         <p:nvSpPr>
-          <p:cNvPr id="2" name="標題 1">
-            <a:extLst>
-              <a:ext uri="{FF2B5EF4-FFF2-40B4-BE49-F238E27FC236}">
-                <a16:creationId xmlns:a16="http://schemas.microsoft.com/office/drawing/2014/main" id="{5986B870-2B24-4658-9AEB-3C92E8E40B41}"/>
-              </a:ext>
-            </a:extLst>
-          </p:cNvPr>
+          <p:cNvPr id="2" name="Title 1"/>
           <p:cNvSpPr>
             <a:spLocks noGrp="1"/>
           </p:cNvSpPr>
@@ -966,15 +2197,17 @@
         </p:nvSpPr>
         <p:spPr>
           <a:xfrm>
-            <a:off x="831850" y="1709738"/>
-            <a:ext cx="10515600" cy="2852737"/>
+            <a:off x="831850" y="1712423"/>
+            <a:ext cx="10515600" cy="2851208"/>
           </a:xfrm>
         </p:spPr>
         <p:txBody>
-          <a:bodyPr anchor="b"/>
+          <a:bodyPr anchor="b">
+            <a:normAutofit/>
+          </a:bodyPr>
           <a:lstStyle>
             <a:lvl1pPr>
-              <a:defRPr sz="6000"/>
+              <a:defRPr sz="6000" b="0"/>
             </a:lvl1pPr>
           </a:lstStyle>
           <a:p>
@@ -982,18 +2215,13 @@
               <a:rPr lang="zh-TW" altLang="en-US"/>
               <a:t>按一下以編輯母片標題樣式</a:t>
             </a:r>
-          </a:p>
-        </p:txBody>
-      </p:sp>
-      <p:sp>
-        <p:nvSpPr>
-          <p:cNvPr id="3" name="文字版面配置區 2">
-            <a:extLst>
-              <a:ext uri="{FF2B5EF4-FFF2-40B4-BE49-F238E27FC236}">
-                <a16:creationId xmlns:a16="http://schemas.microsoft.com/office/drawing/2014/main" id="{90235018-E757-4630-8511-F466B919268F}"/>
-              </a:ext>
-            </a:extLst>
-          </p:cNvPr>
+            <a:endParaRPr lang="en-US" dirty="0"/>
+          </a:p>
+        </p:txBody>
+      </p:sp>
+      <p:sp>
+        <p:nvSpPr>
+          <p:cNvPr id="3" name="Text Placeholder 2"/>
           <p:cNvSpPr>
             <a:spLocks noGrp="1"/>
           </p:cNvSpPr>
@@ -1003,26 +2231,29 @@
         </p:nvSpPr>
         <p:spPr>
           <a:xfrm>
-            <a:off x="831850" y="4589463"/>
+            <a:off x="831850" y="4552633"/>
             <a:ext cx="10515600" cy="1500187"/>
           </a:xfrm>
         </p:spPr>
         <p:txBody>
-          <a:bodyPr/>
+          <a:bodyPr anchor="t">
+            <a:normAutofit/>
+          </a:bodyPr>
           <a:lstStyle>
             <a:lvl1pPr marL="0" indent="0">
               <a:buNone/>
               <a:defRPr sz="2400">
                 <a:solidFill>
                   <a:schemeClr val="tx1">
-                    <a:tint val="75000"/>
+                    <a:lumMod val="75000"/>
+                    <a:lumOff val="25000"/>
                   </a:schemeClr>
                 </a:solidFill>
               </a:defRPr>
             </a:lvl1pPr>
             <a:lvl2pPr marL="457200" indent="0">
               <a:buNone/>
-              <a:defRPr sz="2000">
+              <a:defRPr sz="1800">
                 <a:solidFill>
                   <a:schemeClr val="tx1">
                     <a:tint val="75000"/>
@@ -1032,7 +2263,7 @@
             </a:lvl2pPr>
             <a:lvl3pPr marL="914400" indent="0">
               <a:buNone/>
-              <a:defRPr sz="1800">
+              <a:defRPr sz="1600">
                 <a:solidFill>
                   <a:schemeClr val="tx1">
                     <a:tint val="75000"/>
@@ -1042,7 +2273,7 @@
             </a:lvl3pPr>
             <a:lvl4pPr marL="1371600" indent="0">
               <a:buNone/>
-              <a:defRPr sz="1600">
+              <a:defRPr sz="1400">
                 <a:solidFill>
                   <a:schemeClr val="tx1">
                     <a:tint val="75000"/>
@@ -1052,7 +2283,7 @@
             </a:lvl4pPr>
             <a:lvl5pPr marL="1828800" indent="0">
               <a:buNone/>
-              <a:defRPr sz="1600">
+              <a:defRPr sz="1400">
                 <a:solidFill>
                   <a:schemeClr val="tx1">
                     <a:tint val="75000"/>
@@ -1062,7 +2293,7 @@
             </a:lvl5pPr>
             <a:lvl6pPr marL="2286000" indent="0">
               <a:buNone/>
-              <a:defRPr sz="1600">
+              <a:defRPr sz="1400">
                 <a:solidFill>
                   <a:schemeClr val="tx1">
                     <a:tint val="75000"/>
@@ -1072,7 +2303,7 @@
             </a:lvl6pPr>
             <a:lvl7pPr marL="2743200" indent="0">
               <a:buNone/>
-              <a:defRPr sz="1600">
+              <a:defRPr sz="1400">
                 <a:solidFill>
                   <a:schemeClr val="tx1">
                     <a:tint val="75000"/>
@@ -1082,7 +2313,7 @@
             </a:lvl7pPr>
             <a:lvl8pPr marL="3200400" indent="0">
               <a:buNone/>
-              <a:defRPr sz="1600">
+              <a:defRPr sz="1400">
                 <a:solidFill>
                   <a:schemeClr val="tx1">
                     <a:tint val="75000"/>
@@ -1092,7 +2323,7 @@
             </a:lvl8pPr>
             <a:lvl9pPr marL="3657600" indent="0">
               <a:buNone/>
-              <a:defRPr sz="1600">
+              <a:defRPr sz="1400">
                 <a:solidFill>
                   <a:schemeClr val="tx1">
                     <a:tint val="75000"/>
@@ -1112,13 +2343,7 @@
       </p:sp>
       <p:sp>
         <p:nvSpPr>
-          <p:cNvPr id="4" name="日期版面配置區 3">
-            <a:extLst>
-              <a:ext uri="{FF2B5EF4-FFF2-40B4-BE49-F238E27FC236}">
-                <a16:creationId xmlns:a16="http://schemas.microsoft.com/office/drawing/2014/main" id="{37546C76-CF19-433D-9070-0A54A149F1B2}"/>
-              </a:ext>
-            </a:extLst>
-          </p:cNvPr>
+          <p:cNvPr id="4" name="Date Placeholder 3"/>
           <p:cNvSpPr>
             <a:spLocks noGrp="1"/>
           </p:cNvSpPr>
@@ -1131,9 +2356,9 @@
           <a:bodyPr/>
           <a:lstStyle/>
           <a:p>
-            <a:fld id="{C3C90D7E-32D6-4894-AE08-7BBB3E610FC9}" type="datetimeFigureOut">
+            <a:fld id="{CD68668E-B26C-46DC-828E-F337DFA7A9C5}" type="datetimeFigureOut">
               <a:rPr lang="zh-TW" altLang="en-US" smtClean="0"/>
-              <a:t>2024/9/16</a:t>
+              <a:t>2024/10/21</a:t>
             </a:fld>
             <a:endParaRPr lang="zh-TW" altLang="en-US"/>
           </a:p>
@@ -1141,13 +2366,7 @@
       </p:sp>
       <p:sp>
         <p:nvSpPr>
-          <p:cNvPr id="5" name="頁尾版面配置區 4">
-            <a:extLst>
-              <a:ext uri="{FF2B5EF4-FFF2-40B4-BE49-F238E27FC236}">
-                <a16:creationId xmlns:a16="http://schemas.microsoft.com/office/drawing/2014/main" id="{9C9DC25F-827C-4564-AD0E-7FD815D53AF7}"/>
-              </a:ext>
-            </a:extLst>
-          </p:cNvPr>
+          <p:cNvPr id="5" name="Footer Placeholder 4"/>
           <p:cNvSpPr>
             <a:spLocks noGrp="1"/>
           </p:cNvSpPr>
@@ -1166,13 +2385,7 @@
       </p:sp>
       <p:sp>
         <p:nvSpPr>
-          <p:cNvPr id="6" name="投影片編號版面配置區 5">
-            <a:extLst>
-              <a:ext uri="{FF2B5EF4-FFF2-40B4-BE49-F238E27FC236}">
-                <a16:creationId xmlns:a16="http://schemas.microsoft.com/office/drawing/2014/main" id="{8C0653A6-68AA-4213-8D62-EAF9243D6998}"/>
-              </a:ext>
-            </a:extLst>
-          </p:cNvPr>
+          <p:cNvPr id="6" name="Slide Number Placeholder 5"/>
           <p:cNvSpPr>
             <a:spLocks noGrp="1"/>
           </p:cNvSpPr>
@@ -1185,7 +2398,7 @@
           <a:bodyPr/>
           <a:lstStyle/>
           <a:p>
-            <a:fld id="{E31EC408-072F-4346-BD0A-D6AA5788A305}" type="slidenum">
+            <a:fld id="{D41FEE5A-6EA7-4F72-8958-31B30357DD49}" type="slidenum">
               <a:rPr lang="zh-TW" altLang="en-US" smtClean="0"/>
               <a:t>‹#›</a:t>
             </a:fld>
@@ -1196,7 +2409,7 @@
     </p:spTree>
     <p:extLst>
       <p:ext uri="{BB962C8B-B14F-4D97-AF65-F5344CB8AC3E}">
-        <p14:creationId xmlns:p14="http://schemas.microsoft.com/office/powerpoint/2010/main" val="3126775509"/>
+        <p14:creationId xmlns:p14="http://schemas.microsoft.com/office/powerpoint/2010/main" val="3970307460"/>
       </p:ext>
     </p:extLst>
   </p:cSld>
@@ -1225,13 +2438,7 @@
       </p:grpSpPr>
       <p:sp>
         <p:nvSpPr>
-          <p:cNvPr id="2" name="標題 1">
-            <a:extLst>
-              <a:ext uri="{FF2B5EF4-FFF2-40B4-BE49-F238E27FC236}">
-                <a16:creationId xmlns:a16="http://schemas.microsoft.com/office/drawing/2014/main" id="{F8A74D77-9E6E-4FD1-97AD-0ADC1228B6AF}"/>
-              </a:ext>
-            </a:extLst>
-          </p:cNvPr>
+          <p:cNvPr id="2" name="Title 1"/>
           <p:cNvSpPr>
             <a:spLocks noGrp="1"/>
           </p:cNvSpPr>
@@ -1248,18 +2455,13 @@
               <a:rPr lang="zh-TW" altLang="en-US"/>
               <a:t>按一下以編輯母片標題樣式</a:t>
             </a:r>
-          </a:p>
-        </p:txBody>
-      </p:sp>
-      <p:sp>
-        <p:nvSpPr>
-          <p:cNvPr id="3" name="內容版面配置區 2">
-            <a:extLst>
-              <a:ext uri="{FF2B5EF4-FFF2-40B4-BE49-F238E27FC236}">
-                <a16:creationId xmlns:a16="http://schemas.microsoft.com/office/drawing/2014/main" id="{9FDE4E9B-689C-4373-B281-9636BE211982}"/>
-              </a:ext>
-            </a:extLst>
-          </p:cNvPr>
+            <a:endParaRPr lang="en-US" dirty="0"/>
+          </a:p>
+        </p:txBody>
+      </p:sp>
+      <p:sp>
+        <p:nvSpPr>
+          <p:cNvPr id="3" name="Content Placeholder 2"/>
           <p:cNvSpPr>
             <a:spLocks noGrp="1"/>
           </p:cNvSpPr>
@@ -1269,8 +2471,8 @@
         </p:nvSpPr>
         <p:spPr>
           <a:xfrm>
-            <a:off x="838200" y="1825625"/>
-            <a:ext cx="5181600" cy="4351338"/>
+            <a:off x="845127" y="1828800"/>
+            <a:ext cx="5181600" cy="4351337"/>
           </a:xfrm>
         </p:spPr>
         <p:txBody>
@@ -1310,18 +2512,13 @@
               <a:rPr lang="zh-TW" altLang="en-US"/>
               <a:t>第五層</a:t>
             </a:r>
-          </a:p>
-        </p:txBody>
-      </p:sp>
-      <p:sp>
-        <p:nvSpPr>
-          <p:cNvPr id="4" name="內容版面配置區 3">
-            <a:extLst>
-              <a:ext uri="{FF2B5EF4-FFF2-40B4-BE49-F238E27FC236}">
-                <a16:creationId xmlns:a16="http://schemas.microsoft.com/office/drawing/2014/main" id="{CD25EC10-0BDA-4ECA-AB8E-059AC3378E22}"/>
-              </a:ext>
-            </a:extLst>
-          </p:cNvPr>
+            <a:endParaRPr lang="en-US" dirty="0"/>
+          </a:p>
+        </p:txBody>
+      </p:sp>
+      <p:sp>
+        <p:nvSpPr>
+          <p:cNvPr id="4" name="Content Placeholder 3"/>
           <p:cNvSpPr>
             <a:spLocks noGrp="1"/>
           </p:cNvSpPr>
@@ -1331,8 +2528,8 @@
         </p:nvSpPr>
         <p:spPr>
           <a:xfrm>
-            <a:off x="6172200" y="1825625"/>
-            <a:ext cx="5181600" cy="4351338"/>
+            <a:off x="6172200" y="1828800"/>
+            <a:ext cx="5181600" cy="4351337"/>
           </a:xfrm>
         </p:spPr>
         <p:txBody>
@@ -1372,18 +2569,13 @@
               <a:rPr lang="zh-TW" altLang="en-US"/>
               <a:t>第五層</a:t>
             </a:r>
-          </a:p>
-        </p:txBody>
-      </p:sp>
-      <p:sp>
-        <p:nvSpPr>
-          <p:cNvPr id="5" name="日期版面配置區 4">
-            <a:extLst>
-              <a:ext uri="{FF2B5EF4-FFF2-40B4-BE49-F238E27FC236}">
-                <a16:creationId xmlns:a16="http://schemas.microsoft.com/office/drawing/2014/main" id="{63DAF127-0983-4C38-869C-C0A513FA9147}"/>
-              </a:ext>
-            </a:extLst>
-          </p:cNvPr>
+            <a:endParaRPr lang="en-US" dirty="0"/>
+          </a:p>
+        </p:txBody>
+      </p:sp>
+      <p:sp>
+        <p:nvSpPr>
+          <p:cNvPr id="5" name="Date Placeholder 4"/>
           <p:cNvSpPr>
             <a:spLocks noGrp="1"/>
           </p:cNvSpPr>
@@ -1396,9 +2588,9 @@
           <a:bodyPr/>
           <a:lstStyle/>
           <a:p>
-            <a:fld id="{C3C90D7E-32D6-4894-AE08-7BBB3E610FC9}" type="datetimeFigureOut">
+            <a:fld id="{CD68668E-B26C-46DC-828E-F337DFA7A9C5}" type="datetimeFigureOut">
               <a:rPr lang="zh-TW" altLang="en-US" smtClean="0"/>
-              <a:t>2024/9/16</a:t>
+              <a:t>2024/10/21</a:t>
             </a:fld>
             <a:endParaRPr lang="zh-TW" altLang="en-US"/>
           </a:p>
@@ -1406,13 +2598,7 @@
       </p:sp>
       <p:sp>
         <p:nvSpPr>
-          <p:cNvPr id="6" name="頁尾版面配置區 5">
-            <a:extLst>
-              <a:ext uri="{FF2B5EF4-FFF2-40B4-BE49-F238E27FC236}">
-                <a16:creationId xmlns:a16="http://schemas.microsoft.com/office/drawing/2014/main" id="{E014CBA6-CCE3-4CF4-8E13-D895EDBD8F25}"/>
-              </a:ext>
-            </a:extLst>
-          </p:cNvPr>
+          <p:cNvPr id="6" name="Footer Placeholder 5"/>
           <p:cNvSpPr>
             <a:spLocks noGrp="1"/>
           </p:cNvSpPr>
@@ -1431,13 +2617,7 @@
       </p:sp>
       <p:sp>
         <p:nvSpPr>
-          <p:cNvPr id="7" name="投影片編號版面配置區 6">
-            <a:extLst>
-              <a:ext uri="{FF2B5EF4-FFF2-40B4-BE49-F238E27FC236}">
-                <a16:creationId xmlns:a16="http://schemas.microsoft.com/office/drawing/2014/main" id="{5CEAA8E5-79B3-445E-B8C3-29BD56CE6D7A}"/>
-              </a:ext>
-            </a:extLst>
-          </p:cNvPr>
+          <p:cNvPr id="7" name="Slide Number Placeholder 6"/>
           <p:cNvSpPr>
             <a:spLocks noGrp="1"/>
           </p:cNvSpPr>
@@ -1450,7 +2630,7 @@
           <a:bodyPr/>
           <a:lstStyle/>
           <a:p>
-            <a:fld id="{E31EC408-072F-4346-BD0A-D6AA5788A305}" type="slidenum">
+            <a:fld id="{D41FEE5A-6EA7-4F72-8958-31B30357DD49}" type="slidenum">
               <a:rPr lang="zh-TW" altLang="en-US" smtClean="0"/>
               <a:t>‹#›</a:t>
             </a:fld>
@@ -1461,7 +2641,7 @@
     </p:spTree>
     <p:extLst>
       <p:ext uri="{BB962C8B-B14F-4D97-AF65-F5344CB8AC3E}">
-        <p14:creationId xmlns:p14="http://schemas.microsoft.com/office/powerpoint/2010/main" val="3858213488"/>
+        <p14:creationId xmlns:p14="http://schemas.microsoft.com/office/powerpoint/2010/main" val="3872517474"/>
       </p:ext>
     </p:extLst>
   </p:cSld>
@@ -1472,7 +2652,7 @@
 </file>
 
 <file path=ppt/slideLayouts/slideLayout5.xml><?xml version="1.0" encoding="utf-8"?>
-<p:sldLayout xmlns:a="http://schemas.openxmlformats.org/drawingml/2006/main" xmlns:r="http://schemas.openxmlformats.org/officeDocument/2006/relationships" xmlns:p="http://schemas.openxmlformats.org/presentationml/2006/main" type="twoTxTwoObj" preserve="1">
+<p:sldLayout xmlns:a="http://schemas.openxmlformats.org/drawingml/2006/main" xmlns:r="http://schemas.openxmlformats.org/officeDocument/2006/relationships" xmlns:p="http://schemas.openxmlformats.org/presentationml/2006/main" preserve="1">
   <p:cSld name="比較">
     <p:spTree>
       <p:nvGrpSpPr>
@@ -1490,63 +2670,154 @@
       </p:grpSpPr>
       <p:sp>
         <p:nvSpPr>
-          <p:cNvPr id="2" name="標題 1">
-            <a:extLst>
-              <a:ext uri="{FF2B5EF4-FFF2-40B4-BE49-F238E27FC236}">
-                <a16:creationId xmlns:a16="http://schemas.microsoft.com/office/drawing/2014/main" id="{A00F76B6-8DEC-4A74-A06A-BA0146321CD8}"/>
-              </a:ext>
-            </a:extLst>
-          </p:cNvPr>
-          <p:cNvSpPr>
-            <a:spLocks noGrp="1"/>
-          </p:cNvSpPr>
-          <p:nvPr>
-            <p:ph type="title"/>
+          <p:cNvPr id="3" name="Text Placeholder 2"/>
+          <p:cNvSpPr>
+            <a:spLocks noGrp="1"/>
+          </p:cNvSpPr>
+          <p:nvPr>
+            <p:ph type="body" idx="1"/>
           </p:nvPr>
         </p:nvSpPr>
         <p:spPr>
           <a:xfrm>
-            <a:off x="839788" y="365125"/>
-            <a:ext cx="10515600" cy="1325563"/>
+            <a:off x="845127" y="1681850"/>
+            <a:ext cx="5156200" cy="825699"/>
           </a:xfrm>
         </p:spPr>
         <p:txBody>
-          <a:bodyPr/>
-          <a:lstStyle/>
-          <a:p>
-            <a:r>
-              <a:rPr lang="zh-TW" altLang="en-US"/>
-              <a:t>按一下以編輯母片標題樣式</a:t>
-            </a:r>
-          </a:p>
-        </p:txBody>
-      </p:sp>
-      <p:sp>
-        <p:nvSpPr>
-          <p:cNvPr id="3" name="文字版面配置區 2">
-            <a:extLst>
-              <a:ext uri="{FF2B5EF4-FFF2-40B4-BE49-F238E27FC236}">
-                <a16:creationId xmlns:a16="http://schemas.microsoft.com/office/drawing/2014/main" id="{EF00F5C5-99A7-4F16-855A-F170362659F7}"/>
-              </a:ext>
-            </a:extLst>
-          </p:cNvPr>
-          <p:cNvSpPr>
-            <a:spLocks noGrp="1"/>
-          </p:cNvSpPr>
-          <p:nvPr>
-            <p:ph type="body" idx="1"/>
+          <a:bodyPr anchor="b">
+            <a:normAutofit/>
+          </a:bodyPr>
+          <a:lstStyle>
+            <a:lvl1pPr marL="0" indent="0">
+              <a:spcBef>
+                <a:spcPts val="0"/>
+              </a:spcBef>
+              <a:buNone/>
+              <a:defRPr sz="2400" b="1"/>
+            </a:lvl1pPr>
+            <a:lvl2pPr marL="457200" indent="0">
+              <a:buNone/>
+              <a:defRPr sz="2000" b="1"/>
+            </a:lvl2pPr>
+            <a:lvl3pPr marL="914400" indent="0">
+              <a:buNone/>
+              <a:defRPr sz="1800" b="1"/>
+            </a:lvl3pPr>
+            <a:lvl4pPr marL="1371600" indent="0">
+              <a:buNone/>
+              <a:defRPr sz="1600" b="1"/>
+            </a:lvl4pPr>
+            <a:lvl5pPr marL="1828800" indent="0">
+              <a:buNone/>
+              <a:defRPr sz="1600" b="1"/>
+            </a:lvl5pPr>
+            <a:lvl6pPr marL="2286000" indent="0">
+              <a:buNone/>
+              <a:defRPr sz="1600" b="1"/>
+            </a:lvl6pPr>
+            <a:lvl7pPr marL="2743200" indent="0">
+              <a:buNone/>
+              <a:defRPr sz="1600" b="1"/>
+            </a:lvl7pPr>
+            <a:lvl8pPr marL="3200400" indent="0">
+              <a:buNone/>
+              <a:defRPr sz="1600" b="1"/>
+            </a:lvl8pPr>
+            <a:lvl9pPr marL="3657600" indent="0">
+              <a:buNone/>
+              <a:defRPr sz="1600" b="1"/>
+            </a:lvl9pPr>
+          </a:lstStyle>
+          <a:p>
+            <a:pPr lvl="0"/>
+            <a:r>
+              <a:rPr lang="zh-TW" altLang="en-US"/>
+              <a:t>按一下以編輯母片文字樣式</a:t>
+            </a:r>
+          </a:p>
+        </p:txBody>
+      </p:sp>
+      <p:sp>
+        <p:nvSpPr>
+          <p:cNvPr id="4" name="Content Placeholder 3"/>
+          <p:cNvSpPr>
+            <a:spLocks noGrp="1"/>
+          </p:cNvSpPr>
+          <p:nvPr>
+            <p:ph sz="half" idx="2"/>
           </p:nvPr>
         </p:nvSpPr>
         <p:spPr>
           <a:xfrm>
-            <a:off x="839788" y="1681163"/>
-            <a:ext cx="5157787" cy="823912"/>
+            <a:off x="845127" y="2507550"/>
+            <a:ext cx="5156200" cy="3680525"/>
+          </a:xfrm>
+        </p:spPr>
+        <p:txBody>
+          <a:bodyPr/>
+          <a:lstStyle/>
+          <a:p>
+            <a:pPr lvl="0"/>
+            <a:r>
+              <a:rPr lang="zh-TW" altLang="en-US"/>
+              <a:t>按一下以編輯母片文字樣式</a:t>
+            </a:r>
+          </a:p>
+          <a:p>
+            <a:pPr lvl="1"/>
+            <a:r>
+              <a:rPr lang="zh-TW" altLang="en-US"/>
+              <a:t>第二層</a:t>
+            </a:r>
+          </a:p>
+          <a:p>
+            <a:pPr lvl="2"/>
+            <a:r>
+              <a:rPr lang="zh-TW" altLang="en-US"/>
+              <a:t>第三層</a:t>
+            </a:r>
+          </a:p>
+          <a:p>
+            <a:pPr lvl="3"/>
+            <a:r>
+              <a:rPr lang="zh-TW" altLang="en-US"/>
+              <a:t>第四層</a:t>
+            </a:r>
+          </a:p>
+          <a:p>
+            <a:pPr lvl="4"/>
+            <a:r>
+              <a:rPr lang="zh-TW" altLang="en-US"/>
+              <a:t>第五層</a:t>
+            </a:r>
+            <a:endParaRPr lang="en-US" dirty="0"/>
+          </a:p>
+        </p:txBody>
+      </p:sp>
+      <p:sp>
+        <p:nvSpPr>
+          <p:cNvPr id="5" name="Text Placeholder 4"/>
+          <p:cNvSpPr>
+            <a:spLocks noGrp="1"/>
+          </p:cNvSpPr>
+          <p:nvPr>
+            <p:ph type="body" sz="quarter" idx="3"/>
+          </p:nvPr>
+        </p:nvSpPr>
+        <p:spPr>
+          <a:xfrm>
+            <a:off x="6172200" y="1681851"/>
+            <a:ext cx="5181601" cy="825698"/>
           </a:xfrm>
         </p:spPr>
         <p:txBody>
           <a:bodyPr anchor="b"/>
           <a:lstStyle>
             <a:lvl1pPr marL="0" indent="0">
+              <a:spcBef>
+                <a:spcPts val="0"/>
+              </a:spcBef>
               <a:buNone/>
               <a:defRPr sz="2400" b="1"/>
             </a:lvl1pPr>
@@ -1594,24 +2865,18 @@
       </p:sp>
       <p:sp>
         <p:nvSpPr>
-          <p:cNvPr id="4" name="內容版面配置區 3">
-            <a:extLst>
-              <a:ext uri="{FF2B5EF4-FFF2-40B4-BE49-F238E27FC236}">
-                <a16:creationId xmlns:a16="http://schemas.microsoft.com/office/drawing/2014/main" id="{6722BEB2-C9B4-4C14-8234-D17E84349984}"/>
-              </a:ext>
-            </a:extLst>
-          </p:cNvPr>
-          <p:cNvSpPr>
-            <a:spLocks noGrp="1"/>
-          </p:cNvSpPr>
-          <p:nvPr>
-            <p:ph sz="half" idx="2"/>
+          <p:cNvPr id="6" name="Content Placeholder 5"/>
+          <p:cNvSpPr>
+            <a:spLocks noGrp="1"/>
+          </p:cNvSpPr>
+          <p:nvPr>
+            <p:ph sz="quarter" idx="4"/>
           </p:nvPr>
         </p:nvSpPr>
         <p:spPr>
           <a:xfrm>
-            <a:off x="839788" y="2505075"/>
-            <a:ext cx="5157787" cy="3684588"/>
+            <a:off x="6172200" y="2507550"/>
+            <a:ext cx="5181601" cy="3680525"/>
           </a:xfrm>
         </p:spPr>
         <p:txBody>
@@ -1651,151 +2916,13 @@
               <a:rPr lang="zh-TW" altLang="en-US"/>
               <a:t>第五層</a:t>
             </a:r>
-          </a:p>
-        </p:txBody>
-      </p:sp>
-      <p:sp>
-        <p:nvSpPr>
-          <p:cNvPr id="5" name="文字版面配置區 4">
-            <a:extLst>
-              <a:ext uri="{FF2B5EF4-FFF2-40B4-BE49-F238E27FC236}">
-                <a16:creationId xmlns:a16="http://schemas.microsoft.com/office/drawing/2014/main" id="{E4A41162-A0AC-4211-940F-4B92208F9B0E}"/>
-              </a:ext>
-            </a:extLst>
-          </p:cNvPr>
-          <p:cNvSpPr>
-            <a:spLocks noGrp="1"/>
-          </p:cNvSpPr>
-          <p:nvPr>
-            <p:ph type="body" sz="quarter" idx="3"/>
-          </p:nvPr>
-        </p:nvSpPr>
-        <p:spPr>
-          <a:xfrm>
-            <a:off x="6172200" y="1681163"/>
-            <a:ext cx="5183188" cy="823912"/>
-          </a:xfrm>
-        </p:spPr>
-        <p:txBody>
-          <a:bodyPr anchor="b"/>
-          <a:lstStyle>
-            <a:lvl1pPr marL="0" indent="0">
-              <a:buNone/>
-              <a:defRPr sz="2400" b="1"/>
-            </a:lvl1pPr>
-            <a:lvl2pPr marL="457200" indent="0">
-              <a:buNone/>
-              <a:defRPr sz="2000" b="1"/>
-            </a:lvl2pPr>
-            <a:lvl3pPr marL="914400" indent="0">
-              <a:buNone/>
-              <a:defRPr sz="1800" b="1"/>
-            </a:lvl3pPr>
-            <a:lvl4pPr marL="1371600" indent="0">
-              <a:buNone/>
-              <a:defRPr sz="1600" b="1"/>
-            </a:lvl4pPr>
-            <a:lvl5pPr marL="1828800" indent="0">
-              <a:buNone/>
-              <a:defRPr sz="1600" b="1"/>
-            </a:lvl5pPr>
-            <a:lvl6pPr marL="2286000" indent="0">
-              <a:buNone/>
-              <a:defRPr sz="1600" b="1"/>
-            </a:lvl6pPr>
-            <a:lvl7pPr marL="2743200" indent="0">
-              <a:buNone/>
-              <a:defRPr sz="1600" b="1"/>
-            </a:lvl7pPr>
-            <a:lvl8pPr marL="3200400" indent="0">
-              <a:buNone/>
-              <a:defRPr sz="1600" b="1"/>
-            </a:lvl8pPr>
-            <a:lvl9pPr marL="3657600" indent="0">
-              <a:buNone/>
-              <a:defRPr sz="1600" b="1"/>
-            </a:lvl9pPr>
-          </a:lstStyle>
-          <a:p>
-            <a:pPr lvl="0"/>
-            <a:r>
-              <a:rPr lang="zh-TW" altLang="en-US"/>
-              <a:t>按一下以編輯母片文字樣式</a:t>
-            </a:r>
-          </a:p>
-        </p:txBody>
-      </p:sp>
-      <p:sp>
-        <p:nvSpPr>
-          <p:cNvPr id="6" name="內容版面配置區 5">
-            <a:extLst>
-              <a:ext uri="{FF2B5EF4-FFF2-40B4-BE49-F238E27FC236}">
-                <a16:creationId xmlns:a16="http://schemas.microsoft.com/office/drawing/2014/main" id="{E8EA159A-F9D7-4F58-A7C3-6E5B65E42266}"/>
-              </a:ext>
-            </a:extLst>
-          </p:cNvPr>
-          <p:cNvSpPr>
-            <a:spLocks noGrp="1"/>
-          </p:cNvSpPr>
-          <p:nvPr>
-            <p:ph sz="quarter" idx="4"/>
-          </p:nvPr>
-        </p:nvSpPr>
-        <p:spPr>
-          <a:xfrm>
-            <a:off x="6172200" y="2505075"/>
-            <a:ext cx="5183188" cy="3684588"/>
-          </a:xfrm>
-        </p:spPr>
-        <p:txBody>
-          <a:bodyPr/>
-          <a:lstStyle/>
-          <a:p>
-            <a:pPr lvl="0"/>
-            <a:r>
-              <a:rPr lang="zh-TW" altLang="en-US"/>
-              <a:t>按一下以編輯母片文字樣式</a:t>
-            </a:r>
-          </a:p>
-          <a:p>
-            <a:pPr lvl="1"/>
-            <a:r>
-              <a:rPr lang="zh-TW" altLang="en-US"/>
-              <a:t>第二層</a:t>
-            </a:r>
-          </a:p>
-          <a:p>
-            <a:pPr lvl="2"/>
-            <a:r>
-              <a:rPr lang="zh-TW" altLang="en-US"/>
-              <a:t>第三層</a:t>
-            </a:r>
-          </a:p>
-          <a:p>
-            <a:pPr lvl="3"/>
-            <a:r>
-              <a:rPr lang="zh-TW" altLang="en-US"/>
-              <a:t>第四層</a:t>
-            </a:r>
-          </a:p>
-          <a:p>
-            <a:pPr lvl="4"/>
-            <a:r>
-              <a:rPr lang="zh-TW" altLang="en-US"/>
-              <a:t>第五層</a:t>
-            </a:r>
-          </a:p>
-        </p:txBody>
-      </p:sp>
-      <p:sp>
-        <p:nvSpPr>
-          <p:cNvPr id="7" name="日期版面配置區 6">
-            <a:extLst>
-              <a:ext uri="{FF2B5EF4-FFF2-40B4-BE49-F238E27FC236}">
-                <a16:creationId xmlns:a16="http://schemas.microsoft.com/office/drawing/2014/main" id="{AE973E80-9141-48B7-A9D7-605A4541768F}"/>
-              </a:ext>
-            </a:extLst>
-          </p:cNvPr>
+            <a:endParaRPr lang="en-US"/>
+          </a:p>
+        </p:txBody>
+      </p:sp>
+      <p:sp>
+        <p:nvSpPr>
+          <p:cNvPr id="7" name="Date Placeholder 6"/>
           <p:cNvSpPr>
             <a:spLocks noGrp="1"/>
           </p:cNvSpPr>
@@ -1808,9 +2935,9 @@
           <a:bodyPr/>
           <a:lstStyle/>
           <a:p>
-            <a:fld id="{C3C90D7E-32D6-4894-AE08-7BBB3E610FC9}" type="datetimeFigureOut">
+            <a:fld id="{CD68668E-B26C-46DC-828E-F337DFA7A9C5}" type="datetimeFigureOut">
               <a:rPr lang="zh-TW" altLang="en-US" smtClean="0"/>
-              <a:t>2024/9/16</a:t>
+              <a:t>2024/10/21</a:t>
             </a:fld>
             <a:endParaRPr lang="zh-TW" altLang="en-US"/>
           </a:p>
@@ -1818,13 +2945,7 @@
       </p:sp>
       <p:sp>
         <p:nvSpPr>
-          <p:cNvPr id="8" name="頁尾版面配置區 7">
-            <a:extLst>
-              <a:ext uri="{FF2B5EF4-FFF2-40B4-BE49-F238E27FC236}">
-                <a16:creationId xmlns:a16="http://schemas.microsoft.com/office/drawing/2014/main" id="{6520B07A-79F8-43E7-8013-632DD2AED223}"/>
-              </a:ext>
-            </a:extLst>
-          </p:cNvPr>
+          <p:cNvPr id="8" name="Footer Placeholder 7"/>
           <p:cNvSpPr>
             <a:spLocks noGrp="1"/>
           </p:cNvSpPr>
@@ -1843,13 +2964,7 @@
       </p:sp>
       <p:sp>
         <p:nvSpPr>
-          <p:cNvPr id="9" name="投影片編號版面配置區 8">
-            <a:extLst>
-              <a:ext uri="{FF2B5EF4-FFF2-40B4-BE49-F238E27FC236}">
-                <a16:creationId xmlns:a16="http://schemas.microsoft.com/office/drawing/2014/main" id="{3B997D8F-4F1C-4DE6-A82C-3E0C38ACAE96}"/>
-              </a:ext>
-            </a:extLst>
-          </p:cNvPr>
+          <p:cNvPr id="9" name="Slide Number Placeholder 8"/>
           <p:cNvSpPr>
             <a:spLocks noGrp="1"/>
           </p:cNvSpPr>
@@ -1862,7 +2977,7 @@
           <a:bodyPr/>
           <a:lstStyle/>
           <a:p>
-            <a:fld id="{E31EC408-072F-4346-BD0A-D6AA5788A305}" type="slidenum">
+            <a:fld id="{D41FEE5A-6EA7-4F72-8958-31B30357DD49}" type="slidenum">
               <a:rPr lang="zh-TW" altLang="en-US" smtClean="0"/>
               <a:t>‹#›</a:t>
             </a:fld>
@@ -1870,10 +2985,33 @@
           </a:p>
         </p:txBody>
       </p:sp>
+      <p:sp>
+        <p:nvSpPr>
+          <p:cNvPr id="10" name="Title 9"/>
+          <p:cNvSpPr>
+            <a:spLocks noGrp="1"/>
+          </p:cNvSpPr>
+          <p:nvPr>
+            <p:ph type="title"/>
+          </p:nvPr>
+        </p:nvSpPr>
+        <p:spPr/>
+        <p:txBody>
+          <a:bodyPr/>
+          <a:lstStyle/>
+          <a:p>
+            <a:r>
+              <a:rPr lang="zh-TW" altLang="en-US"/>
+              <a:t>按一下以編輯母片標題樣式</a:t>
+            </a:r>
+            <a:endParaRPr lang="en-US" dirty="0"/>
+          </a:p>
+        </p:txBody>
+      </p:sp>
     </p:spTree>
     <p:extLst>
       <p:ext uri="{BB962C8B-B14F-4D97-AF65-F5344CB8AC3E}">
-        <p14:creationId xmlns:p14="http://schemas.microsoft.com/office/powerpoint/2010/main" val="3379995638"/>
+        <p14:creationId xmlns:p14="http://schemas.microsoft.com/office/powerpoint/2010/main" val="2942265567"/>
       </p:ext>
     </p:extLst>
   </p:cSld>
@@ -1884,7 +3022,7 @@
 </file>
 
 <file path=ppt/slideLayouts/slideLayout6.xml><?xml version="1.0" encoding="utf-8"?>
-<p:sldLayout xmlns:a="http://schemas.openxmlformats.org/drawingml/2006/main" xmlns:r="http://schemas.openxmlformats.org/officeDocument/2006/relationships" xmlns:p="http://schemas.openxmlformats.org/presentationml/2006/main" type="titleOnly" preserve="1">
+<p:sldLayout xmlns:a="http://schemas.openxmlformats.org/drawingml/2006/main" xmlns:r="http://schemas.openxmlformats.org/officeDocument/2006/relationships" xmlns:p="http://schemas.openxmlformats.org/presentationml/2006/main" preserve="1">
   <p:cSld name="只有標題">
     <p:spTree>
       <p:nvGrpSpPr>
@@ -1902,41 +3040,7 @@
       </p:grpSpPr>
       <p:sp>
         <p:nvSpPr>
-          <p:cNvPr id="2" name="標題 1">
-            <a:extLst>
-              <a:ext uri="{FF2B5EF4-FFF2-40B4-BE49-F238E27FC236}">
-                <a16:creationId xmlns:a16="http://schemas.microsoft.com/office/drawing/2014/main" id="{6CE04611-FD10-429D-89AA-73C259B64293}"/>
-              </a:ext>
-            </a:extLst>
-          </p:cNvPr>
-          <p:cNvSpPr>
-            <a:spLocks noGrp="1"/>
-          </p:cNvSpPr>
-          <p:nvPr>
-            <p:ph type="title"/>
-          </p:nvPr>
-        </p:nvSpPr>
-        <p:spPr/>
-        <p:txBody>
-          <a:bodyPr/>
-          <a:lstStyle/>
-          <a:p>
-            <a:r>
-              <a:rPr lang="zh-TW" altLang="en-US"/>
-              <a:t>按一下以編輯母片標題樣式</a:t>
-            </a:r>
-          </a:p>
-        </p:txBody>
-      </p:sp>
-      <p:sp>
-        <p:nvSpPr>
-          <p:cNvPr id="3" name="日期版面配置區 2">
-            <a:extLst>
-              <a:ext uri="{FF2B5EF4-FFF2-40B4-BE49-F238E27FC236}">
-                <a16:creationId xmlns:a16="http://schemas.microsoft.com/office/drawing/2014/main" id="{2D9009F3-A280-4DA8-ACC4-187DE2172BCA}"/>
-              </a:ext>
-            </a:extLst>
-          </p:cNvPr>
+          <p:cNvPr id="3" name="Date Placeholder 2"/>
           <p:cNvSpPr>
             <a:spLocks noGrp="1"/>
           </p:cNvSpPr>
@@ -1949,9 +3053,9 @@
           <a:bodyPr/>
           <a:lstStyle/>
           <a:p>
-            <a:fld id="{C3C90D7E-32D6-4894-AE08-7BBB3E610FC9}" type="datetimeFigureOut">
+            <a:fld id="{CD68668E-B26C-46DC-828E-F337DFA7A9C5}" type="datetimeFigureOut">
               <a:rPr lang="zh-TW" altLang="en-US" smtClean="0"/>
-              <a:t>2024/9/16</a:t>
+              <a:t>2024/10/21</a:t>
             </a:fld>
             <a:endParaRPr lang="zh-TW" altLang="en-US"/>
           </a:p>
@@ -1959,13 +3063,7 @@
       </p:sp>
       <p:sp>
         <p:nvSpPr>
-          <p:cNvPr id="4" name="頁尾版面配置區 3">
-            <a:extLst>
-              <a:ext uri="{FF2B5EF4-FFF2-40B4-BE49-F238E27FC236}">
-                <a16:creationId xmlns:a16="http://schemas.microsoft.com/office/drawing/2014/main" id="{F8FD791E-F627-4DDB-AD69-F7639FDD1767}"/>
-              </a:ext>
-            </a:extLst>
-          </p:cNvPr>
+          <p:cNvPr id="4" name="Footer Placeholder 3"/>
           <p:cNvSpPr>
             <a:spLocks noGrp="1"/>
           </p:cNvSpPr>
@@ -1984,13 +3082,7 @@
       </p:sp>
       <p:sp>
         <p:nvSpPr>
-          <p:cNvPr id="5" name="投影片編號版面配置區 4">
-            <a:extLst>
-              <a:ext uri="{FF2B5EF4-FFF2-40B4-BE49-F238E27FC236}">
-                <a16:creationId xmlns:a16="http://schemas.microsoft.com/office/drawing/2014/main" id="{CE9C3C73-9A1B-4A20-B40C-BF8E0726E9AE}"/>
-              </a:ext>
-            </a:extLst>
-          </p:cNvPr>
+          <p:cNvPr id="5" name="Slide Number Placeholder 4"/>
           <p:cNvSpPr>
             <a:spLocks noGrp="1"/>
           </p:cNvSpPr>
@@ -2003,7 +3095,7 @@
           <a:bodyPr/>
           <a:lstStyle/>
           <a:p>
-            <a:fld id="{E31EC408-072F-4346-BD0A-D6AA5788A305}" type="slidenum">
+            <a:fld id="{D41FEE5A-6EA7-4F72-8958-31B30357DD49}" type="slidenum">
               <a:rPr lang="zh-TW" altLang="en-US" smtClean="0"/>
               <a:t>‹#›</a:t>
             </a:fld>
@@ -2011,10 +3103,33 @@
           </a:p>
         </p:txBody>
       </p:sp>
+      <p:sp>
+        <p:nvSpPr>
+          <p:cNvPr id="6" name="Title 5"/>
+          <p:cNvSpPr>
+            <a:spLocks noGrp="1"/>
+          </p:cNvSpPr>
+          <p:nvPr>
+            <p:ph type="title"/>
+          </p:nvPr>
+        </p:nvSpPr>
+        <p:spPr/>
+        <p:txBody>
+          <a:bodyPr/>
+          <a:lstStyle/>
+          <a:p>
+            <a:r>
+              <a:rPr lang="zh-TW" altLang="en-US"/>
+              <a:t>按一下以編輯母片標題樣式</a:t>
+            </a:r>
+            <a:endParaRPr lang="en-US"/>
+          </a:p>
+        </p:txBody>
+      </p:sp>
     </p:spTree>
     <p:extLst>
       <p:ext uri="{BB962C8B-B14F-4D97-AF65-F5344CB8AC3E}">
-        <p14:creationId xmlns:p14="http://schemas.microsoft.com/office/powerpoint/2010/main" val="3116621787"/>
+        <p14:creationId xmlns:p14="http://schemas.microsoft.com/office/powerpoint/2010/main" val="4181387618"/>
       </p:ext>
     </p:extLst>
   </p:cSld>
@@ -2043,13 +3158,7 @@
       </p:grpSpPr>
       <p:sp>
         <p:nvSpPr>
-          <p:cNvPr id="2" name="日期版面配置區 1">
-            <a:extLst>
-              <a:ext uri="{FF2B5EF4-FFF2-40B4-BE49-F238E27FC236}">
-                <a16:creationId xmlns:a16="http://schemas.microsoft.com/office/drawing/2014/main" id="{1E1D8EED-F2A7-4221-9887-0DBB62EB3F80}"/>
-              </a:ext>
-            </a:extLst>
-          </p:cNvPr>
+          <p:cNvPr id="2" name="Date Placeholder 1"/>
           <p:cNvSpPr>
             <a:spLocks noGrp="1"/>
           </p:cNvSpPr>
@@ -2062,9 +3171,9 @@
           <a:bodyPr/>
           <a:lstStyle/>
           <a:p>
-            <a:fld id="{C3C90D7E-32D6-4894-AE08-7BBB3E610FC9}" type="datetimeFigureOut">
+            <a:fld id="{CD68668E-B26C-46DC-828E-F337DFA7A9C5}" type="datetimeFigureOut">
               <a:rPr lang="zh-TW" altLang="en-US" smtClean="0"/>
-              <a:t>2024/9/16</a:t>
+              <a:t>2024/10/21</a:t>
             </a:fld>
             <a:endParaRPr lang="zh-TW" altLang="en-US"/>
           </a:p>
@@ -2072,13 +3181,7 @@
       </p:sp>
       <p:sp>
         <p:nvSpPr>
-          <p:cNvPr id="3" name="頁尾版面配置區 2">
-            <a:extLst>
-              <a:ext uri="{FF2B5EF4-FFF2-40B4-BE49-F238E27FC236}">
-                <a16:creationId xmlns:a16="http://schemas.microsoft.com/office/drawing/2014/main" id="{10593B39-DC86-45A7-85EF-B4DB9C28DC80}"/>
-              </a:ext>
-            </a:extLst>
-          </p:cNvPr>
+          <p:cNvPr id="3" name="Footer Placeholder 2"/>
           <p:cNvSpPr>
             <a:spLocks noGrp="1"/>
           </p:cNvSpPr>
@@ -2097,13 +3200,7 @@
       </p:sp>
       <p:sp>
         <p:nvSpPr>
-          <p:cNvPr id="4" name="投影片編號版面配置區 3">
-            <a:extLst>
-              <a:ext uri="{FF2B5EF4-FFF2-40B4-BE49-F238E27FC236}">
-                <a16:creationId xmlns:a16="http://schemas.microsoft.com/office/drawing/2014/main" id="{3D9056B2-6966-4CAF-94D1-2295A737E168}"/>
-              </a:ext>
-            </a:extLst>
-          </p:cNvPr>
+          <p:cNvPr id="4" name="Slide Number Placeholder 3"/>
           <p:cNvSpPr>
             <a:spLocks noGrp="1"/>
           </p:cNvSpPr>
@@ -2116,7 +3213,7 @@
           <a:bodyPr/>
           <a:lstStyle/>
           <a:p>
-            <a:fld id="{E31EC408-072F-4346-BD0A-D6AA5788A305}" type="slidenum">
+            <a:fld id="{D41FEE5A-6EA7-4F72-8958-31B30357DD49}" type="slidenum">
               <a:rPr lang="zh-TW" altLang="en-US" smtClean="0"/>
               <a:t>‹#›</a:t>
             </a:fld>
@@ -2127,7 +3224,7 @@
     </p:spTree>
     <p:extLst>
       <p:ext uri="{BB962C8B-B14F-4D97-AF65-F5344CB8AC3E}">
-        <p14:creationId xmlns:p14="http://schemas.microsoft.com/office/powerpoint/2010/main" val="3887241942"/>
+        <p14:creationId xmlns:p14="http://schemas.microsoft.com/office/powerpoint/2010/main" val="699113714"/>
       </p:ext>
     </p:extLst>
   </p:cSld>
@@ -2156,13 +3253,7 @@
       </p:grpSpPr>
       <p:sp>
         <p:nvSpPr>
-          <p:cNvPr id="2" name="標題 1">
-            <a:extLst>
-              <a:ext uri="{FF2B5EF4-FFF2-40B4-BE49-F238E27FC236}">
-                <a16:creationId xmlns:a16="http://schemas.microsoft.com/office/drawing/2014/main" id="{5C3076DF-D16B-4600-9550-96C6A8DD7F1A}"/>
-              </a:ext>
-            </a:extLst>
-          </p:cNvPr>
+          <p:cNvPr id="2" name="Title 1"/>
           <p:cNvSpPr>
             <a:spLocks noGrp="1"/>
           </p:cNvSpPr>
@@ -2172,15 +3263,17 @@
         </p:nvSpPr>
         <p:spPr>
           <a:xfrm>
-            <a:off x="839788" y="457200"/>
-            <a:ext cx="3932237" cy="1600200"/>
+            <a:off x="841248" y="457200"/>
+            <a:ext cx="3931920" cy="1600197"/>
           </a:xfrm>
         </p:spPr>
         <p:txBody>
-          <a:bodyPr anchor="b"/>
+          <a:bodyPr anchor="b">
+            <a:normAutofit/>
+          </a:bodyPr>
           <a:lstStyle>
             <a:lvl1pPr>
-              <a:defRPr sz="3200"/>
+              <a:defRPr sz="3200" b="0"/>
             </a:lvl1pPr>
           </a:lstStyle>
           <a:p>
@@ -2188,18 +3281,13 @@
               <a:rPr lang="zh-TW" altLang="en-US"/>
               <a:t>按一下以編輯母片標題樣式</a:t>
             </a:r>
-          </a:p>
-        </p:txBody>
-      </p:sp>
-      <p:sp>
-        <p:nvSpPr>
-          <p:cNvPr id="3" name="內容版面配置區 2">
-            <a:extLst>
-              <a:ext uri="{FF2B5EF4-FFF2-40B4-BE49-F238E27FC236}">
-                <a16:creationId xmlns:a16="http://schemas.microsoft.com/office/drawing/2014/main" id="{9CD3D667-FDE5-4F5D-9495-588EC18912CE}"/>
-              </a:ext>
-            </a:extLst>
-          </p:cNvPr>
+            <a:endParaRPr lang="en-US" dirty="0"/>
+          </a:p>
+        </p:txBody>
+      </p:sp>
+      <p:sp>
+        <p:nvSpPr>
+          <p:cNvPr id="3" name="Content Placeholder 2"/>
           <p:cNvSpPr>
             <a:spLocks noGrp="1"/>
           </p:cNvSpPr>
@@ -2209,8 +3297,8 @@
         </p:nvSpPr>
         <p:spPr>
           <a:xfrm>
-            <a:off x="5183188" y="987425"/>
-            <a:ext cx="6172200" cy="4873625"/>
+            <a:off x="5181600" y="990600"/>
+            <a:ext cx="6172200" cy="4876800"/>
           </a:xfrm>
         </p:spPr>
         <p:txBody>
@@ -2278,18 +3366,13 @@
               <a:rPr lang="zh-TW" altLang="en-US"/>
               <a:t>第五層</a:t>
             </a:r>
-          </a:p>
-        </p:txBody>
-      </p:sp>
-      <p:sp>
-        <p:nvSpPr>
-          <p:cNvPr id="4" name="文字版面配置區 3">
-            <a:extLst>
-              <a:ext uri="{FF2B5EF4-FFF2-40B4-BE49-F238E27FC236}">
-                <a16:creationId xmlns:a16="http://schemas.microsoft.com/office/drawing/2014/main" id="{22F511E7-BEEF-4F51-BA0E-52C1908D5608}"/>
-              </a:ext>
-            </a:extLst>
-          </p:cNvPr>
+            <a:endParaRPr lang="en-US" dirty="0"/>
+          </a:p>
+        </p:txBody>
+      </p:sp>
+      <p:sp>
+        <p:nvSpPr>
+          <p:cNvPr id="4" name="Text Placeholder 3"/>
           <p:cNvSpPr>
             <a:spLocks noGrp="1"/>
           </p:cNvSpPr>
@@ -2299,48 +3382,53 @@
         </p:nvSpPr>
         <p:spPr>
           <a:xfrm>
-            <a:off x="839788" y="2057400"/>
-            <a:ext cx="3932237" cy="3811588"/>
+            <a:off x="841248" y="2057399"/>
+            <a:ext cx="3931920" cy="3810001"/>
           </a:xfrm>
         </p:spPr>
         <p:txBody>
-          <a:bodyPr/>
+          <a:bodyPr>
+            <a:normAutofit/>
+          </a:bodyPr>
           <a:lstStyle>
             <a:lvl1pPr marL="0" indent="0">
+              <a:lnSpc>
+                <a:spcPct val="90000"/>
+              </a:lnSpc>
               <a:buNone/>
               <a:defRPr sz="1600"/>
             </a:lvl1pPr>
             <a:lvl2pPr marL="457200" indent="0">
               <a:buNone/>
-              <a:defRPr sz="1400"/>
+              <a:defRPr sz="1200"/>
             </a:lvl2pPr>
             <a:lvl3pPr marL="914400" indent="0">
               <a:buNone/>
-              <a:defRPr sz="1200"/>
+              <a:defRPr sz="1000"/>
             </a:lvl3pPr>
             <a:lvl4pPr marL="1371600" indent="0">
               <a:buNone/>
-              <a:defRPr sz="1000"/>
+              <a:defRPr sz="900"/>
             </a:lvl4pPr>
             <a:lvl5pPr marL="1828800" indent="0">
               <a:buNone/>
-              <a:defRPr sz="1000"/>
+              <a:defRPr sz="900"/>
             </a:lvl5pPr>
             <a:lvl6pPr marL="2286000" indent="0">
               <a:buNone/>
-              <a:defRPr sz="1000"/>
+              <a:defRPr sz="900"/>
             </a:lvl6pPr>
             <a:lvl7pPr marL="2743200" indent="0">
               <a:buNone/>
-              <a:defRPr sz="1000"/>
+              <a:defRPr sz="900"/>
             </a:lvl7pPr>
             <a:lvl8pPr marL="3200400" indent="0">
               <a:buNone/>
-              <a:defRPr sz="1000"/>
+              <a:defRPr sz="900"/>
             </a:lvl8pPr>
             <a:lvl9pPr marL="3657600" indent="0">
               <a:buNone/>
-              <a:defRPr sz="1000"/>
+              <a:defRPr sz="900"/>
             </a:lvl9pPr>
           </a:lstStyle>
           <a:p>
@@ -2354,13 +3442,7 @@
       </p:sp>
       <p:sp>
         <p:nvSpPr>
-          <p:cNvPr id="5" name="日期版面配置區 4">
-            <a:extLst>
-              <a:ext uri="{FF2B5EF4-FFF2-40B4-BE49-F238E27FC236}">
-                <a16:creationId xmlns:a16="http://schemas.microsoft.com/office/drawing/2014/main" id="{88060697-A92E-4178-A790-FCBB90D70573}"/>
-              </a:ext>
-            </a:extLst>
-          </p:cNvPr>
+          <p:cNvPr id="5" name="Date Placeholder 4"/>
           <p:cNvSpPr>
             <a:spLocks noGrp="1"/>
           </p:cNvSpPr>
@@ -2373,9 +3455,9 @@
           <a:bodyPr/>
           <a:lstStyle/>
           <a:p>
-            <a:fld id="{C3C90D7E-32D6-4894-AE08-7BBB3E610FC9}" type="datetimeFigureOut">
+            <a:fld id="{CD68668E-B26C-46DC-828E-F337DFA7A9C5}" type="datetimeFigureOut">
               <a:rPr lang="zh-TW" altLang="en-US" smtClean="0"/>
-              <a:t>2024/9/16</a:t>
+              <a:t>2024/10/21</a:t>
             </a:fld>
             <a:endParaRPr lang="zh-TW" altLang="en-US"/>
           </a:p>
@@ -2383,13 +3465,7 @@
       </p:sp>
       <p:sp>
         <p:nvSpPr>
-          <p:cNvPr id="6" name="頁尾版面配置區 5">
-            <a:extLst>
-              <a:ext uri="{FF2B5EF4-FFF2-40B4-BE49-F238E27FC236}">
-                <a16:creationId xmlns:a16="http://schemas.microsoft.com/office/drawing/2014/main" id="{2A8E3F57-A99A-4C4C-BF14-EE42AB99CE78}"/>
-              </a:ext>
-            </a:extLst>
-          </p:cNvPr>
+          <p:cNvPr id="6" name="Footer Placeholder 5"/>
           <p:cNvSpPr>
             <a:spLocks noGrp="1"/>
           </p:cNvSpPr>
@@ -2408,13 +3484,7 @@
       </p:sp>
       <p:sp>
         <p:nvSpPr>
-          <p:cNvPr id="7" name="投影片編號版面配置區 6">
-            <a:extLst>
-              <a:ext uri="{FF2B5EF4-FFF2-40B4-BE49-F238E27FC236}">
-                <a16:creationId xmlns:a16="http://schemas.microsoft.com/office/drawing/2014/main" id="{39234440-6924-48D7-AC1A-200D5946BCA9}"/>
-              </a:ext>
-            </a:extLst>
-          </p:cNvPr>
+          <p:cNvPr id="7" name="Slide Number Placeholder 6"/>
           <p:cNvSpPr>
             <a:spLocks noGrp="1"/>
           </p:cNvSpPr>
@@ -2427,7 +3497,7 @@
           <a:bodyPr/>
           <a:lstStyle/>
           <a:p>
-            <a:fld id="{E31EC408-072F-4346-BD0A-D6AA5788A305}" type="slidenum">
+            <a:fld id="{D41FEE5A-6EA7-4F72-8958-31B30357DD49}" type="slidenum">
               <a:rPr lang="zh-TW" altLang="en-US" smtClean="0"/>
               <a:t>‹#›</a:t>
             </a:fld>
@@ -2438,7 +3508,7 @@
     </p:spTree>
     <p:extLst>
       <p:ext uri="{BB962C8B-B14F-4D97-AF65-F5344CB8AC3E}">
-        <p14:creationId xmlns:p14="http://schemas.microsoft.com/office/powerpoint/2010/main" val="2036183199"/>
+        <p14:creationId xmlns:p14="http://schemas.microsoft.com/office/powerpoint/2010/main" val="3762615295"/>
       </p:ext>
     </p:extLst>
   </p:cSld>
@@ -2467,13 +3537,7 @@
       </p:grpSpPr>
       <p:sp>
         <p:nvSpPr>
-          <p:cNvPr id="2" name="標題 1">
-            <a:extLst>
-              <a:ext uri="{FF2B5EF4-FFF2-40B4-BE49-F238E27FC236}">
-                <a16:creationId xmlns:a16="http://schemas.microsoft.com/office/drawing/2014/main" id="{B2E81694-0B93-4D65-9DA3-21597478A96C}"/>
-              </a:ext>
-            </a:extLst>
-          </p:cNvPr>
+          <p:cNvPr id="2" name="Title 1"/>
           <p:cNvSpPr>
             <a:spLocks noGrp="1"/>
           </p:cNvSpPr>
@@ -2483,15 +3547,17 @@
         </p:nvSpPr>
         <p:spPr>
           <a:xfrm>
-            <a:off x="839788" y="457200"/>
-            <a:ext cx="3932237" cy="1600200"/>
+            <a:off x="841248" y="457200"/>
+            <a:ext cx="3931920" cy="1600200"/>
           </a:xfrm>
         </p:spPr>
         <p:txBody>
-          <a:bodyPr anchor="b"/>
+          <a:bodyPr anchor="b">
+            <a:normAutofit/>
+          </a:bodyPr>
           <a:lstStyle>
             <a:lvl1pPr>
-              <a:defRPr sz="3200"/>
+              <a:defRPr sz="3200" b="0"/>
             </a:lvl1pPr>
           </a:lstStyle>
           <a:p>
@@ -2499,18 +3565,13 @@
               <a:rPr lang="zh-TW" altLang="en-US"/>
               <a:t>按一下以編輯母片標題樣式</a:t>
             </a:r>
-          </a:p>
-        </p:txBody>
-      </p:sp>
-      <p:sp>
-        <p:nvSpPr>
-          <p:cNvPr id="3" name="圖片版面配置區 2">
-            <a:extLst>
-              <a:ext uri="{FF2B5EF4-FFF2-40B4-BE49-F238E27FC236}">
-                <a16:creationId xmlns:a16="http://schemas.microsoft.com/office/drawing/2014/main" id="{23E4D718-8CB0-4334-BB8A-FB8B57D7CDC6}"/>
-              </a:ext>
-            </a:extLst>
-          </p:cNvPr>
+            <a:endParaRPr lang="en-US" dirty="0"/>
+          </a:p>
+        </p:txBody>
+      </p:sp>
+      <p:sp>
+        <p:nvSpPr>
+          <p:cNvPr id="3" name="Picture Placeholder 2"/>
           <p:cNvSpPr>
             <a:spLocks noGrp="1"/>
           </p:cNvSpPr>
@@ -2520,8 +3581,8 @@
         </p:nvSpPr>
         <p:spPr>
           <a:xfrm>
-            <a:off x="5183188" y="987425"/>
-            <a:ext cx="6172200" cy="4873625"/>
+            <a:off x="5181600" y="990600"/>
+            <a:ext cx="6172200" cy="4876800"/>
           </a:xfrm>
         </p:spPr>
         <p:txBody>
@@ -2565,19 +3626,17 @@
             </a:lvl9pPr>
           </a:lstStyle>
           <a:p>
-            <a:endParaRPr lang="zh-TW" altLang="en-US"/>
-          </a:p>
-        </p:txBody>
-      </p:sp>
-      <p:sp>
-        <p:nvSpPr>
-          <p:cNvPr id="4" name="文字版面配置區 3">
-            <a:extLst>
-              <a:ext uri="{FF2B5EF4-FFF2-40B4-BE49-F238E27FC236}">
-                <a16:creationId xmlns:a16="http://schemas.microsoft.com/office/drawing/2014/main" id="{0DC47463-53E7-4FE3-B60B-1657D11127BD}"/>
-              </a:ext>
-            </a:extLst>
-          </p:cNvPr>
+            <a:r>
+              <a:rPr lang="zh-TW" altLang="en-US"/>
+              <a:t>按一下圖示以新增圖片</a:t>
+            </a:r>
+            <a:endParaRPr lang="en-US" dirty="0"/>
+          </a:p>
+        </p:txBody>
+      </p:sp>
+      <p:sp>
+        <p:nvSpPr>
+          <p:cNvPr id="4" name="Text Placeholder 3"/>
           <p:cNvSpPr>
             <a:spLocks noGrp="1"/>
           </p:cNvSpPr>
@@ -2587,48 +3646,53 @@
         </p:nvSpPr>
         <p:spPr>
           <a:xfrm>
-            <a:off x="839788" y="2057400"/>
-            <a:ext cx="3932237" cy="3811588"/>
+            <a:off x="841248" y="2057400"/>
+            <a:ext cx="3931920" cy="3810000"/>
           </a:xfrm>
         </p:spPr>
         <p:txBody>
-          <a:bodyPr/>
+          <a:bodyPr>
+            <a:normAutofit/>
+          </a:bodyPr>
           <a:lstStyle>
             <a:lvl1pPr marL="0" indent="0">
+              <a:lnSpc>
+                <a:spcPct val="90000"/>
+              </a:lnSpc>
               <a:buNone/>
               <a:defRPr sz="1600"/>
             </a:lvl1pPr>
             <a:lvl2pPr marL="457200" indent="0">
               <a:buNone/>
-              <a:defRPr sz="1400"/>
+              <a:defRPr sz="1200"/>
             </a:lvl2pPr>
             <a:lvl3pPr marL="914400" indent="0">
               <a:buNone/>
-              <a:defRPr sz="1200"/>
+              <a:defRPr sz="1000"/>
             </a:lvl3pPr>
             <a:lvl4pPr marL="1371600" indent="0">
               <a:buNone/>
-              <a:defRPr sz="1000"/>
+              <a:defRPr sz="900"/>
             </a:lvl4pPr>
             <a:lvl5pPr marL="1828800" indent="0">
               <a:buNone/>
-              <a:defRPr sz="1000"/>
+              <a:defRPr sz="900"/>
             </a:lvl5pPr>
             <a:lvl6pPr marL="2286000" indent="0">
               <a:buNone/>
-              <a:defRPr sz="1000"/>
+              <a:defRPr sz="900"/>
             </a:lvl6pPr>
             <a:lvl7pPr marL="2743200" indent="0">
               <a:buNone/>
-              <a:defRPr sz="1000"/>
+              <a:defRPr sz="900"/>
             </a:lvl7pPr>
             <a:lvl8pPr marL="3200400" indent="0">
               <a:buNone/>
-              <a:defRPr sz="1000"/>
+              <a:defRPr sz="900"/>
             </a:lvl8pPr>
             <a:lvl9pPr marL="3657600" indent="0">
               <a:buNone/>
-              <a:defRPr sz="1000"/>
+              <a:defRPr sz="900"/>
             </a:lvl9pPr>
           </a:lstStyle>
           <a:p>
@@ -2642,13 +3706,7 @@
       </p:sp>
       <p:sp>
         <p:nvSpPr>
-          <p:cNvPr id="5" name="日期版面配置區 4">
-            <a:extLst>
-              <a:ext uri="{FF2B5EF4-FFF2-40B4-BE49-F238E27FC236}">
-                <a16:creationId xmlns:a16="http://schemas.microsoft.com/office/drawing/2014/main" id="{28875DC5-6AFF-40C0-8C77-F81A0A3E1B0F}"/>
-              </a:ext>
-            </a:extLst>
-          </p:cNvPr>
+          <p:cNvPr id="5" name="Date Placeholder 4"/>
           <p:cNvSpPr>
             <a:spLocks noGrp="1"/>
           </p:cNvSpPr>
@@ -2661,9 +3719,9 @@
           <a:bodyPr/>
           <a:lstStyle/>
           <a:p>
-            <a:fld id="{C3C90D7E-32D6-4894-AE08-7BBB3E610FC9}" type="datetimeFigureOut">
+            <a:fld id="{CD68668E-B26C-46DC-828E-F337DFA7A9C5}" type="datetimeFigureOut">
               <a:rPr lang="zh-TW" altLang="en-US" smtClean="0"/>
-              <a:t>2024/9/16</a:t>
+              <a:t>2024/10/21</a:t>
             </a:fld>
             <a:endParaRPr lang="zh-TW" altLang="en-US"/>
           </a:p>
@@ -2671,13 +3729,7 @@
       </p:sp>
       <p:sp>
         <p:nvSpPr>
-          <p:cNvPr id="6" name="頁尾版面配置區 5">
-            <a:extLst>
-              <a:ext uri="{FF2B5EF4-FFF2-40B4-BE49-F238E27FC236}">
-                <a16:creationId xmlns:a16="http://schemas.microsoft.com/office/drawing/2014/main" id="{24F8A973-6D07-4F0C-97A0-280FEFC238E0}"/>
-              </a:ext>
-            </a:extLst>
-          </p:cNvPr>
+          <p:cNvPr id="6" name="Footer Placeholder 5"/>
           <p:cNvSpPr>
             <a:spLocks noGrp="1"/>
           </p:cNvSpPr>
@@ -2696,13 +3748,7 @@
       </p:sp>
       <p:sp>
         <p:nvSpPr>
-          <p:cNvPr id="7" name="投影片編號版面配置區 6">
-            <a:extLst>
-              <a:ext uri="{FF2B5EF4-FFF2-40B4-BE49-F238E27FC236}">
-                <a16:creationId xmlns:a16="http://schemas.microsoft.com/office/drawing/2014/main" id="{DB60BB1E-F41B-40F0-929B-5208374980BF}"/>
-              </a:ext>
-            </a:extLst>
-          </p:cNvPr>
+          <p:cNvPr id="7" name="Slide Number Placeholder 6"/>
           <p:cNvSpPr>
             <a:spLocks noGrp="1"/>
           </p:cNvSpPr>
@@ -2715,7 +3761,7 @@
           <a:bodyPr/>
           <a:lstStyle/>
           <a:p>
-            <a:fld id="{E31EC408-072F-4346-BD0A-D6AA5788A305}" type="slidenum">
+            <a:fld id="{D41FEE5A-6EA7-4F72-8958-31B30357DD49}" type="slidenum">
               <a:rPr lang="zh-TW" altLang="en-US" smtClean="0"/>
               <a:t>‹#›</a:t>
             </a:fld>
@@ -2726,7 +3772,7 @@
     </p:spTree>
     <p:extLst>
       <p:ext uri="{BB962C8B-B14F-4D97-AF65-F5344CB8AC3E}">
-        <p14:creationId xmlns:p14="http://schemas.microsoft.com/office/powerpoint/2010/main" val="3148270851"/>
+        <p14:creationId xmlns:p14="http://schemas.microsoft.com/office/powerpoint/2010/main" val="196883677"/>
       </p:ext>
     </p:extLst>
   </p:cSld>
@@ -2737,12 +3783,18 @@
 </file>
 
 <file path=ppt/slideMasters/slideMaster1.xml><?xml version="1.0" encoding="utf-8"?>
-<p:sldMaster xmlns:a="http://schemas.openxmlformats.org/drawingml/2006/main" xmlns:r="http://schemas.openxmlformats.org/officeDocument/2006/relationships" xmlns:p="http://schemas.openxmlformats.org/presentationml/2006/main">
+<p:sldMaster xmlns:a="http://schemas.openxmlformats.org/drawingml/2006/main" xmlns:r="http://schemas.openxmlformats.org/officeDocument/2006/relationships" xmlns:p="http://schemas.openxmlformats.org/presentationml/2006/main" preserve="1">
   <p:cSld>
     <p:bg>
-      <p:bgRef idx="1001">
-        <a:schemeClr val="bg1"/>
-      </p:bgRef>
+      <p:bgPr>
+        <a:solidFill>
+          <a:schemeClr val="accent6">
+            <a:lumMod val="40000"/>
+            <a:lumOff val="60000"/>
+          </a:schemeClr>
+        </a:solidFill>
+        <a:effectLst/>
+      </p:bgPr>
     </p:bg>
     <p:spTree>
       <p:nvGrpSpPr>
@@ -2760,13 +3812,7 @@
       </p:grpSpPr>
       <p:sp>
         <p:nvSpPr>
-          <p:cNvPr id="2" name="標題版面配置區 1">
-            <a:extLst>
-              <a:ext uri="{FF2B5EF4-FFF2-40B4-BE49-F238E27FC236}">
-                <a16:creationId xmlns:a16="http://schemas.microsoft.com/office/drawing/2014/main" id="{B8575AAC-624C-4B52-ABD4-699B1E35D2CF}"/>
-              </a:ext>
-            </a:extLst>
-          </p:cNvPr>
+          <p:cNvPr id="2" name="Title Placeholder 1"/>
           <p:cNvSpPr>
             <a:spLocks noGrp="1"/>
           </p:cNvSpPr>
@@ -2776,8 +3822,8 @@
         </p:nvSpPr>
         <p:spPr>
           <a:xfrm>
-            <a:off x="838200" y="365125"/>
-            <a:ext cx="10515600" cy="1325563"/>
+            <a:off x="845127" y="365760"/>
+            <a:ext cx="10515600" cy="1325562"/>
           </a:xfrm>
           <a:prstGeom prst="rect">
             <a:avLst/>
@@ -2793,18 +3839,13 @@
               <a:rPr lang="zh-TW" altLang="en-US"/>
               <a:t>按一下以編輯母片標題樣式</a:t>
             </a:r>
-          </a:p>
-        </p:txBody>
-      </p:sp>
-      <p:sp>
-        <p:nvSpPr>
-          <p:cNvPr id="3" name="文字版面配置區 2">
-            <a:extLst>
-              <a:ext uri="{FF2B5EF4-FFF2-40B4-BE49-F238E27FC236}">
-                <a16:creationId xmlns:a16="http://schemas.microsoft.com/office/drawing/2014/main" id="{76722991-C57D-471F-8271-C419A1CFB074}"/>
-              </a:ext>
-            </a:extLst>
-          </p:cNvPr>
+            <a:endParaRPr lang="en-US" dirty="0"/>
+          </a:p>
+        </p:txBody>
+      </p:sp>
+      <p:sp>
+        <p:nvSpPr>
+          <p:cNvPr id="3" name="Text Placeholder 2"/>
           <p:cNvSpPr>
             <a:spLocks noGrp="1"/>
           </p:cNvSpPr>
@@ -2814,8 +3855,8 @@
         </p:nvSpPr>
         <p:spPr>
           <a:xfrm>
-            <a:off x="838200" y="1825625"/>
-            <a:ext cx="10515600" cy="4351338"/>
+            <a:off x="845127" y="1828800"/>
+            <a:ext cx="10515600" cy="4351337"/>
           </a:xfrm>
           <a:prstGeom prst="rect">
             <a:avLst/>
@@ -2860,18 +3901,13 @@
               <a:rPr lang="zh-TW" altLang="en-US"/>
               <a:t>第五層</a:t>
             </a:r>
-          </a:p>
-        </p:txBody>
-      </p:sp>
-      <p:sp>
-        <p:nvSpPr>
-          <p:cNvPr id="4" name="日期版面配置區 3">
-            <a:extLst>
-              <a:ext uri="{FF2B5EF4-FFF2-40B4-BE49-F238E27FC236}">
-                <a16:creationId xmlns:a16="http://schemas.microsoft.com/office/drawing/2014/main" id="{85C839DD-8CBF-4E23-A0C7-7C039E950BB8}"/>
-              </a:ext>
-            </a:extLst>
-          </p:cNvPr>
+            <a:endParaRPr lang="en-US" dirty="0"/>
+          </a:p>
+        </p:txBody>
+      </p:sp>
+      <p:sp>
+        <p:nvSpPr>
+          <p:cNvPr id="4" name="Date Placeholder 3"/>
           <p:cNvSpPr>
             <a:spLocks noGrp="1"/>
           </p:cNvSpPr>
@@ -2892,19 +3928,20 @@
           <a:bodyPr vert="horz" lIns="91440" tIns="45720" rIns="91440" bIns="45720" rtlCol="0" anchor="ctr"/>
           <a:lstStyle>
             <a:lvl1pPr algn="l">
-              <a:defRPr sz="1200">
+              <a:defRPr sz="1100">
                 <a:solidFill>
                   <a:schemeClr val="tx1">
-                    <a:tint val="75000"/>
+                    <a:lumMod val="65000"/>
+                    <a:lumOff val="35000"/>
                   </a:schemeClr>
                 </a:solidFill>
               </a:defRPr>
             </a:lvl1pPr>
           </a:lstStyle>
           <a:p>
-            <a:fld id="{C3C90D7E-32D6-4894-AE08-7BBB3E610FC9}" type="datetimeFigureOut">
+            <a:fld id="{CD68668E-B26C-46DC-828E-F337DFA7A9C5}" type="datetimeFigureOut">
               <a:rPr lang="zh-TW" altLang="en-US" smtClean="0"/>
-              <a:t>2024/9/16</a:t>
+              <a:t>2024/10/21</a:t>
             </a:fld>
             <a:endParaRPr lang="zh-TW" altLang="en-US"/>
           </a:p>
@@ -2912,13 +3949,7 @@
       </p:sp>
       <p:sp>
         <p:nvSpPr>
-          <p:cNvPr id="5" name="頁尾版面配置區 4">
-            <a:extLst>
-              <a:ext uri="{FF2B5EF4-FFF2-40B4-BE49-F238E27FC236}">
-                <a16:creationId xmlns:a16="http://schemas.microsoft.com/office/drawing/2014/main" id="{12802D8A-77D4-418C-8190-43B6ADED2131}"/>
-              </a:ext>
-            </a:extLst>
-          </p:cNvPr>
+          <p:cNvPr id="5" name="Footer Placeholder 4"/>
           <p:cNvSpPr>
             <a:spLocks noGrp="1"/>
           </p:cNvSpPr>
@@ -2939,7 +3970,45 @@
           <a:bodyPr vert="horz" lIns="91440" tIns="45720" rIns="91440" bIns="45720" rtlCol="0" anchor="ctr"/>
           <a:lstStyle>
             <a:lvl1pPr algn="ctr">
-              <a:defRPr sz="1200">
+              <a:defRPr sz="1100">
+                <a:solidFill>
+                  <a:schemeClr val="tx1">
+                    <a:lumMod val="65000"/>
+                    <a:lumOff val="35000"/>
+                  </a:schemeClr>
+                </a:solidFill>
+              </a:defRPr>
+            </a:lvl1pPr>
+          </a:lstStyle>
+          <a:p>
+            <a:endParaRPr lang="zh-TW" altLang="en-US"/>
+          </a:p>
+        </p:txBody>
+      </p:sp>
+      <p:sp>
+        <p:nvSpPr>
+          <p:cNvPr id="6" name="Slide Number Placeholder 5"/>
+          <p:cNvSpPr>
+            <a:spLocks noGrp="1"/>
+          </p:cNvSpPr>
+          <p:nvPr>
+            <p:ph type="sldNum" sz="quarter" idx="4"/>
+          </p:nvPr>
+        </p:nvSpPr>
+        <p:spPr>
+          <a:xfrm>
+            <a:off x="8617527" y="6356350"/>
+            <a:ext cx="2743200" cy="365125"/>
+          </a:xfrm>
+          <a:prstGeom prst="rect">
+            <a:avLst/>
+          </a:prstGeom>
+        </p:spPr>
+        <p:txBody>
+          <a:bodyPr vert="horz" lIns="91440" tIns="45720" rIns="91440" bIns="45720" rtlCol="0" anchor="ctr"/>
+          <a:lstStyle>
+            <a:lvl1pPr algn="r">
+              <a:defRPr sz="1100">
                 <a:solidFill>
                   <a:schemeClr val="tx1">
                     <a:tint val="75000"/>
@@ -2949,50 +4018,7 @@
             </a:lvl1pPr>
           </a:lstStyle>
           <a:p>
-            <a:endParaRPr lang="zh-TW" altLang="en-US"/>
-          </a:p>
-        </p:txBody>
-      </p:sp>
-      <p:sp>
-        <p:nvSpPr>
-          <p:cNvPr id="6" name="投影片編號版面配置區 5">
-            <a:extLst>
-              <a:ext uri="{FF2B5EF4-FFF2-40B4-BE49-F238E27FC236}">
-                <a16:creationId xmlns:a16="http://schemas.microsoft.com/office/drawing/2014/main" id="{7072B55E-2BE2-4AF4-AFF8-2A716F492F1C}"/>
-              </a:ext>
-            </a:extLst>
-          </p:cNvPr>
-          <p:cNvSpPr>
-            <a:spLocks noGrp="1"/>
-          </p:cNvSpPr>
-          <p:nvPr>
-            <p:ph type="sldNum" sz="quarter" idx="4"/>
-          </p:nvPr>
-        </p:nvSpPr>
-        <p:spPr>
-          <a:xfrm>
-            <a:off x="8610600" y="6356350"/>
-            <a:ext cx="2743200" cy="365125"/>
-          </a:xfrm>
-          <a:prstGeom prst="rect">
-            <a:avLst/>
-          </a:prstGeom>
-        </p:spPr>
-        <p:txBody>
-          <a:bodyPr vert="horz" lIns="91440" tIns="45720" rIns="91440" bIns="45720" rtlCol="0" anchor="ctr"/>
-          <a:lstStyle>
-            <a:lvl1pPr algn="r">
-              <a:defRPr sz="1200">
-                <a:solidFill>
-                  <a:schemeClr val="tx1">
-                    <a:tint val="75000"/>
-                  </a:schemeClr>
-                </a:solidFill>
-              </a:defRPr>
-            </a:lvl1pPr>
-          </a:lstStyle>
-          <a:p>
-            <a:fld id="{E31EC408-072F-4346-BD0A-D6AA5788A305}" type="slidenum">
+            <a:fld id="{D41FEE5A-6EA7-4F72-8958-31B30357DD49}" type="slidenum">
               <a:rPr lang="zh-TW" altLang="en-US" smtClean="0"/>
               <a:t>‹#›</a:t>
             </a:fld>
@@ -3003,23 +4029,23 @@
     </p:spTree>
     <p:extLst>
       <p:ext uri="{BB962C8B-B14F-4D97-AF65-F5344CB8AC3E}">
-        <p14:creationId xmlns:p14="http://schemas.microsoft.com/office/powerpoint/2010/main" val="2016052060"/>
+        <p14:creationId xmlns:p14="http://schemas.microsoft.com/office/powerpoint/2010/main" val="2166479095"/>
       </p:ext>
     </p:extLst>
   </p:cSld>
   <p:clrMap bg1="lt1" tx1="dk1" bg2="lt2" tx2="dk2" accent1="accent1" accent2="accent2" accent3="accent3" accent4="accent4" accent5="accent5" accent6="accent6" hlink="hlink" folHlink="folHlink"/>
   <p:sldLayoutIdLst>
-    <p:sldLayoutId id="2147483649" r:id="rId1"/>
-    <p:sldLayoutId id="2147483650" r:id="rId2"/>
-    <p:sldLayoutId id="2147483651" r:id="rId3"/>
-    <p:sldLayoutId id="2147483652" r:id="rId4"/>
-    <p:sldLayoutId id="2147483653" r:id="rId5"/>
-    <p:sldLayoutId id="2147483654" r:id="rId6"/>
-    <p:sldLayoutId id="2147483655" r:id="rId7"/>
-    <p:sldLayoutId id="2147483656" r:id="rId8"/>
-    <p:sldLayoutId id="2147483657" r:id="rId9"/>
-    <p:sldLayoutId id="2147483658" r:id="rId10"/>
-    <p:sldLayoutId id="2147483659" r:id="rId11"/>
+    <p:sldLayoutId id="2147483702" r:id="rId1"/>
+    <p:sldLayoutId id="2147483703" r:id="rId2"/>
+    <p:sldLayoutId id="2147483704" r:id="rId3"/>
+    <p:sldLayoutId id="2147483705" r:id="rId4"/>
+    <p:sldLayoutId id="2147483706" r:id="rId5"/>
+    <p:sldLayoutId id="2147483707" r:id="rId6"/>
+    <p:sldLayoutId id="2147483708" r:id="rId7"/>
+    <p:sldLayoutId id="2147483709" r:id="rId8"/>
+    <p:sldLayoutId id="2147483710" r:id="rId9"/>
+    <p:sldLayoutId id="2147483711" r:id="rId10"/>
+    <p:sldLayoutId id="2147483712" r:id="rId11"/>
   </p:sldLayoutIdLst>
   <p:txStyles>
     <p:titleStyle>
@@ -3049,8 +4075,8 @@
         <a:spcBef>
           <a:spcPts val="1000"/>
         </a:spcBef>
-        <a:buFont typeface="Arial" panose="020B0604020202020204" pitchFamily="34" charset="0"/>
-        <a:buChar char="•"/>
+        <a:buFont typeface="Wingdings 2" pitchFamily="18" charset="2"/>
+        <a:buChar char=""/>
         <a:defRPr sz="2800" kern="1200">
           <a:solidFill>
             <a:schemeClr val="tx1"/>
@@ -3067,8 +4093,8 @@
         <a:spcBef>
           <a:spcPts val="500"/>
         </a:spcBef>
-        <a:buFont typeface="Arial" panose="020B0604020202020204" pitchFamily="34" charset="0"/>
-        <a:buChar char="•"/>
+        <a:buFont typeface="Wingdings 2" pitchFamily="18" charset="2"/>
+        <a:buChar char=""/>
         <a:defRPr sz="2400" kern="1200">
           <a:solidFill>
             <a:schemeClr val="tx1"/>
@@ -3085,8 +4111,8 @@
         <a:spcBef>
           <a:spcPts val="500"/>
         </a:spcBef>
-        <a:buFont typeface="Arial" panose="020B0604020202020204" pitchFamily="34" charset="0"/>
-        <a:buChar char="•"/>
+        <a:buFont typeface="Wingdings 2" pitchFamily="18" charset="2"/>
+        <a:buChar char=""/>
         <a:defRPr sz="2000" kern="1200">
           <a:solidFill>
             <a:schemeClr val="tx1"/>
@@ -3103,8 +4129,8 @@
         <a:spcBef>
           <a:spcPts val="500"/>
         </a:spcBef>
-        <a:buFont typeface="Arial" panose="020B0604020202020204" pitchFamily="34" charset="0"/>
-        <a:buChar char="•"/>
+        <a:buFont typeface="Wingdings 2" pitchFamily="18" charset="2"/>
+        <a:buChar char=""/>
         <a:defRPr sz="1800" kern="1200">
           <a:solidFill>
             <a:schemeClr val="tx1"/>
@@ -3121,8 +4147,8 @@
         <a:spcBef>
           <a:spcPts val="500"/>
         </a:spcBef>
-        <a:buFont typeface="Arial" panose="020B0604020202020204" pitchFamily="34" charset="0"/>
-        <a:buChar char="•"/>
+        <a:buFont typeface="Wingdings 2" pitchFamily="18" charset="2"/>
+        <a:buChar char=""/>
         <a:defRPr sz="1800" kern="1200">
           <a:solidFill>
             <a:schemeClr val="tx1"/>
@@ -3133,14 +4159,11 @@
         </a:defRPr>
       </a:lvl5pPr>
       <a:lvl6pPr marL="2514600" indent="-228600" algn="l" defTabSz="914400" rtl="0" eaLnBrk="1" latinLnBrk="0" hangingPunct="1">
-        <a:lnSpc>
-          <a:spcPct val="90000"/>
-        </a:lnSpc>
         <a:spcBef>
-          <a:spcPts val="500"/>
+          <a:spcPct val="20000"/>
         </a:spcBef>
-        <a:buFont typeface="Arial" panose="020B0604020202020204" pitchFamily="34" charset="0"/>
-        <a:buChar char="•"/>
+        <a:buFont typeface="Wingdings 2" pitchFamily="18" charset="2"/>
+        <a:buChar char=""/>
         <a:defRPr sz="1800" kern="1200">
           <a:solidFill>
             <a:schemeClr val="tx1"/>
@@ -3151,14 +4174,11 @@
         </a:defRPr>
       </a:lvl6pPr>
       <a:lvl7pPr marL="2971800" indent="-228600" algn="l" defTabSz="914400" rtl="0" eaLnBrk="1" latinLnBrk="0" hangingPunct="1">
-        <a:lnSpc>
-          <a:spcPct val="90000"/>
-        </a:lnSpc>
         <a:spcBef>
-          <a:spcPts val="500"/>
+          <a:spcPct val="20000"/>
         </a:spcBef>
-        <a:buFont typeface="Arial" panose="020B0604020202020204" pitchFamily="34" charset="0"/>
-        <a:buChar char="•"/>
+        <a:buFont typeface="Wingdings 2" pitchFamily="18" charset="2"/>
+        <a:buChar char=""/>
         <a:defRPr sz="1800" kern="1200">
           <a:solidFill>
             <a:schemeClr val="tx1"/>
@@ -3169,14 +4189,11 @@
         </a:defRPr>
       </a:lvl7pPr>
       <a:lvl8pPr marL="3429000" indent="-228600" algn="l" defTabSz="914400" rtl="0" eaLnBrk="1" latinLnBrk="0" hangingPunct="1">
-        <a:lnSpc>
-          <a:spcPct val="90000"/>
-        </a:lnSpc>
         <a:spcBef>
-          <a:spcPts val="500"/>
+          <a:spcPct val="20000"/>
         </a:spcBef>
-        <a:buFont typeface="Arial" panose="020B0604020202020204" pitchFamily="34" charset="0"/>
-        <a:buChar char="•"/>
+        <a:buFont typeface="Wingdings 2" pitchFamily="18" charset="2"/>
+        <a:buChar char=""/>
         <a:defRPr sz="1800" kern="1200">
           <a:solidFill>
             <a:schemeClr val="tx1"/>
@@ -3187,14 +4204,11 @@
         </a:defRPr>
       </a:lvl8pPr>
       <a:lvl9pPr marL="3886200" indent="-228600" algn="l" defTabSz="914400" rtl="0" eaLnBrk="1" latinLnBrk="0" hangingPunct="1">
-        <a:lnSpc>
-          <a:spcPct val="90000"/>
-        </a:lnSpc>
         <a:spcBef>
-          <a:spcPts val="500"/>
+          <a:spcPct val="20000"/>
         </a:spcBef>
-        <a:buFont typeface="Arial" panose="020B0604020202020204" pitchFamily="34" charset="0"/>
-        <a:buChar char="•"/>
+        <a:buFont typeface="Wingdings 2" pitchFamily="18" charset="2"/>
+        <a:buChar char=""/>
         <a:defRPr sz="1800" kern="1200">
           <a:solidFill>
             <a:schemeClr val="tx1"/>
@@ -3207,7 +4221,7 @@
     </p:bodyStyle>
     <p:otherStyle>
       <a:defPPr>
-        <a:defRPr lang="zh-TW"/>
+        <a:defRPr lang="en-US"/>
       </a:defPPr>
       <a:lvl1pPr marL="0" algn="l" defTabSz="914400" rtl="0" eaLnBrk="1" latinLnBrk="0" hangingPunct="1">
         <a:defRPr sz="1800" kern="1200">
@@ -3326,7 +4340,7 @@
           <p:cNvPr id="2" name="標題 1">
             <a:extLst>
               <a:ext uri="{FF2B5EF4-FFF2-40B4-BE49-F238E27FC236}">
-                <a16:creationId xmlns:a16="http://schemas.microsoft.com/office/drawing/2014/main" id="{32532283-9F93-4E44-8138-32796965361F}"/>
+                <a16:creationId xmlns:a16="http://schemas.microsoft.com/office/drawing/2014/main" id="{C4C44F83-5C64-5F66-9BBE-C5444E808925}"/>
               </a:ext>
             </a:extLst>
           </p:cNvPr>
@@ -3337,44 +4351,932 @@
             <p:ph type="ctrTitle"/>
           </p:nvPr>
         </p:nvSpPr>
-        <p:spPr/>
-        <p:txBody>
-          <a:bodyPr/>
-          <a:lstStyle/>
-          <a:p>
-            <a:endParaRPr lang="zh-TW" altLang="en-US"/>
-          </a:p>
-        </p:txBody>
-      </p:sp>
-      <p:sp>
-        <p:nvSpPr>
-          <p:cNvPr id="3" name="副標題 2">
+        <p:spPr>
+          <a:xfrm>
+            <a:off x="619635" y="1588286"/>
+            <a:ext cx="5128024" cy="1491465"/>
+          </a:xfrm>
+        </p:spPr>
+        <p:txBody>
+          <a:bodyPr>
+            <a:normAutofit fontScale="90000"/>
+          </a:bodyPr>
+          <a:lstStyle/>
+          <a:p>
+            <a:pPr algn="ctr"/>
+            <a:r>
+              <a:rPr lang="zh-TW" altLang="en-US" dirty="0">
+                <a:latin typeface="Gen Jyuu Gothic Medium" panose="020B0402020203020207" pitchFamily="34" charset="-120"/>
+                <a:ea typeface="Gen Jyuu Gothic Medium" panose="020B0402020203020207" pitchFamily="34" charset="-120"/>
+                <a:cs typeface="Gen Jyuu Gothic Medium" panose="020B0402020203020207" pitchFamily="34" charset="-120"/>
+              </a:rPr>
+              <a:t>自我介紹</a:t>
+            </a:r>
+            <a:br>
+              <a:rPr lang="en-US" altLang="zh-TW" dirty="0">
+                <a:latin typeface="Gen Jyuu Gothic Medium" panose="020B0402020203020207" pitchFamily="34" charset="-120"/>
+                <a:ea typeface="Gen Jyuu Gothic Medium" panose="020B0402020203020207" pitchFamily="34" charset="-120"/>
+                <a:cs typeface="Gen Jyuu Gothic Medium" panose="020B0402020203020207" pitchFamily="34" charset="-120"/>
+              </a:rPr>
+            </a:br>
+            <a:r>
+              <a:rPr lang="en-US" altLang="zh-TW" dirty="0">
+                <a:latin typeface="Gen Jyuu Gothic Medium" panose="020B0402020203020207" pitchFamily="34" charset="-120"/>
+                <a:ea typeface="Gen Jyuu Gothic Medium" panose="020B0402020203020207" pitchFamily="34" charset="-120"/>
+                <a:cs typeface="Gen Jyuu Gothic Medium" panose="020B0402020203020207" pitchFamily="34" charset="-120"/>
+              </a:rPr>
+              <a:t>(</a:t>
+            </a:r>
+            <a:r>
+              <a:rPr lang="en-US" altLang="zh-TW">
+                <a:latin typeface="Gen Jyuu Gothic Medium" panose="020B0402020203020207" pitchFamily="34" charset="-120"/>
+                <a:ea typeface="Gen Jyuu Gothic Medium" panose="020B0402020203020207" pitchFamily="34" charset="-120"/>
+                <a:cs typeface="Gen Jyuu Gothic Medium" panose="020B0402020203020207" pitchFamily="34" charset="-120"/>
+              </a:rPr>
+              <a:t>nizima</a:t>
+            </a:r>
+            <a:r>
+              <a:rPr lang="en-US" altLang="zh-TW" dirty="0">
+                <a:latin typeface="Gen Jyuu Gothic Medium" panose="020B0402020203020207" pitchFamily="34" charset="-120"/>
+                <a:ea typeface="Gen Jyuu Gothic Medium" panose="020B0402020203020207" pitchFamily="34" charset="-120"/>
+                <a:cs typeface="Gen Jyuu Gothic Medium" panose="020B0402020203020207" pitchFamily="34" charset="-120"/>
+              </a:rPr>
+              <a:t> Live)</a:t>
+            </a:r>
+            <a:endParaRPr lang="zh-TW" altLang="en-US" dirty="0">
+              <a:latin typeface="Gen Jyuu Gothic Medium" panose="020B0402020203020207" pitchFamily="34" charset="-120"/>
+              <a:ea typeface="Gen Jyuu Gothic Medium" panose="020B0402020203020207" pitchFamily="34" charset="-120"/>
+              <a:cs typeface="Gen Jyuu Gothic Medium" panose="020B0402020203020207" pitchFamily="34" charset="-120"/>
+            </a:endParaRPr>
+          </a:p>
+        </p:txBody>
+      </p:sp>
+    </p:spTree>
+    <p:extLst>
+      <p:ext uri="{BB962C8B-B14F-4D97-AF65-F5344CB8AC3E}">
+        <p14:creationId xmlns:p14="http://schemas.microsoft.com/office/powerpoint/2010/main" val="994030988"/>
+      </p:ext>
+    </p:extLst>
+  </p:cSld>
+  <p:clrMapOvr>
+    <a:masterClrMapping/>
+  </p:clrMapOvr>
+</p:sld>
+</file>
+
+<file path=ppt/slides/slide2.xml><?xml version="1.0" encoding="utf-8"?>
+<p:sld xmlns:a="http://schemas.openxmlformats.org/drawingml/2006/main" xmlns:r="http://schemas.openxmlformats.org/officeDocument/2006/relationships" xmlns:p="http://schemas.openxmlformats.org/presentationml/2006/main">
+  <p:cSld>
+    <p:spTree>
+      <p:nvGrpSpPr>
+        <p:cNvPr id="1" name=""/>
+        <p:cNvGrpSpPr/>
+        <p:nvPr/>
+      </p:nvGrpSpPr>
+      <p:grpSpPr>
+        <a:xfrm>
+          <a:off x="0" y="0"/>
+          <a:ext cx="0" cy="0"/>
+          <a:chOff x="0" y="0"/>
+          <a:chExt cx="0" cy="0"/>
+        </a:xfrm>
+      </p:grpSpPr>
+      <p:sp>
+        <p:nvSpPr>
+          <p:cNvPr id="4" name="標題 1">
             <a:extLst>
               <a:ext uri="{FF2B5EF4-FFF2-40B4-BE49-F238E27FC236}">
-                <a16:creationId xmlns:a16="http://schemas.microsoft.com/office/drawing/2014/main" id="{8C946F38-524D-4B98-B9CB-80AEE57E455A}"/>
+                <a16:creationId xmlns:a16="http://schemas.microsoft.com/office/drawing/2014/main" id="{AEA56453-D5A7-034A-798F-8E43020F8BFA}"/>
               </a:ext>
             </a:extLst>
           </p:cNvPr>
-          <p:cNvSpPr>
-            <a:spLocks noGrp="1"/>
-          </p:cNvSpPr>
-          <p:nvPr>
-            <p:ph type="subTitle" idx="1"/>
-          </p:nvPr>
-        </p:nvSpPr>
-        <p:spPr/>
-        <p:txBody>
-          <a:bodyPr/>
-          <a:lstStyle/>
-          <a:p>
-            <a:endParaRPr lang="zh-TW" altLang="en-US"/>
-          </a:p>
-        </p:txBody>
-      </p:sp>
+          <p:cNvSpPr txBox="1">
+            <a:spLocks/>
+          </p:cNvSpPr>
+          <p:nvPr/>
+        </p:nvSpPr>
+        <p:spPr>
+          <a:xfrm>
+            <a:off x="0" y="0"/>
+            <a:ext cx="5128024" cy="1491465"/>
+          </a:xfrm>
+          <a:prstGeom prst="rect">
+            <a:avLst/>
+          </a:prstGeom>
+        </p:spPr>
+        <p:txBody>
+          <a:bodyPr vert="horz" lIns="91440" tIns="45720" rIns="91440" bIns="45720" rtlCol="0" anchor="ctr">
+            <a:normAutofit fontScale="97500"/>
+          </a:bodyPr>
+          <a:lstStyle>
+            <a:lvl1pPr algn="l" defTabSz="914400" rtl="0" eaLnBrk="1" latinLnBrk="0" hangingPunct="1">
+              <a:lnSpc>
+                <a:spcPct val="90000"/>
+              </a:lnSpc>
+              <a:spcBef>
+                <a:spcPct val="0"/>
+              </a:spcBef>
+              <a:buNone/>
+              <a:defRPr sz="4400" kern="1200">
+                <a:solidFill>
+                  <a:schemeClr val="tx1"/>
+                </a:solidFill>
+                <a:latin typeface="+mj-lt"/>
+                <a:ea typeface="+mj-ea"/>
+                <a:cs typeface="+mj-cs"/>
+              </a:defRPr>
+            </a:lvl1pPr>
+          </a:lstStyle>
+          <a:p>
+            <a:r>
+              <a:rPr lang="zh-TW" altLang="en-US" dirty="0">
+                <a:latin typeface="Gen Jyuu Gothic Medium" panose="020B0402020203020207" pitchFamily="34" charset="-120"/>
+                <a:ea typeface="Gen Jyuu Gothic Medium" panose="020B0402020203020207" pitchFamily="34" charset="-120"/>
+                <a:cs typeface="Gen Jyuu Gothic Medium" panose="020B0402020203020207" pitchFamily="34" charset="-120"/>
+              </a:rPr>
+              <a:t>     目標</a:t>
+            </a:r>
+          </a:p>
+        </p:txBody>
+      </p:sp>
+      <p:pic>
+        <p:nvPicPr>
+          <p:cNvPr id="8" name="圖片 7">
+            <a:extLst>
+              <a:ext uri="{FF2B5EF4-FFF2-40B4-BE49-F238E27FC236}">
+                <a16:creationId xmlns:a16="http://schemas.microsoft.com/office/drawing/2014/main" id="{18C73407-3AAC-2637-A616-FD6C6991F69E}"/>
+              </a:ext>
+            </a:extLst>
+          </p:cNvPr>
+          <p:cNvPicPr>
+            <a:picLocks noChangeAspect="1"/>
+          </p:cNvPicPr>
+          <p:nvPr/>
+        </p:nvPicPr>
+        <p:blipFill>
+          <a:blip r:embed="rId3">
+            <a:extLst>
+              <a:ext uri="{28A0092B-C50C-407E-A947-70E740481C1C}">
+                <a14:useLocalDpi xmlns:a14="http://schemas.microsoft.com/office/drawing/2010/main" val="0"/>
+              </a:ext>
+            </a:extLst>
+          </a:blip>
+          <a:stretch>
+            <a:fillRect/>
+          </a:stretch>
+        </p:blipFill>
+        <p:spPr>
+          <a:xfrm>
+            <a:off x="696000" y="1154378"/>
+            <a:ext cx="5400000" cy="5400000"/>
+          </a:xfrm>
+          <a:prstGeom prst="rect">
+            <a:avLst/>
+          </a:prstGeom>
+        </p:spPr>
+      </p:pic>
     </p:spTree>
     <p:extLst>
       <p:ext uri="{BB962C8B-B14F-4D97-AF65-F5344CB8AC3E}">
-        <p14:creationId xmlns:p14="http://schemas.microsoft.com/office/powerpoint/2010/main" val="1328321055"/>
+        <p14:creationId xmlns:p14="http://schemas.microsoft.com/office/powerpoint/2010/main" val="99966548"/>
+      </p:ext>
+    </p:extLst>
+  </p:cSld>
+  <p:clrMapOvr>
+    <a:masterClrMapping/>
+  </p:clrMapOvr>
+</p:sld>
+</file>
+
+<file path=ppt/slides/slide3.xml><?xml version="1.0" encoding="utf-8"?>
+<p:sld xmlns:a="http://schemas.openxmlformats.org/drawingml/2006/main" xmlns:r="http://schemas.openxmlformats.org/officeDocument/2006/relationships" xmlns:p="http://schemas.openxmlformats.org/presentationml/2006/main">
+  <p:cSld>
+    <p:spTree>
+      <p:nvGrpSpPr>
+        <p:cNvPr id="1" name=""/>
+        <p:cNvGrpSpPr/>
+        <p:nvPr/>
+      </p:nvGrpSpPr>
+      <p:grpSpPr>
+        <a:xfrm>
+          <a:off x="0" y="0"/>
+          <a:ext cx="0" cy="0"/>
+          <a:chOff x="0" y="0"/>
+          <a:chExt cx="0" cy="0"/>
+        </a:xfrm>
+      </p:grpSpPr>
+      <p:sp>
+        <p:nvSpPr>
+          <p:cNvPr id="4" name="標題 1">
+            <a:extLst>
+              <a:ext uri="{FF2B5EF4-FFF2-40B4-BE49-F238E27FC236}">
+                <a16:creationId xmlns:a16="http://schemas.microsoft.com/office/drawing/2014/main" id="{AEA56453-D5A7-034A-798F-8E43020F8BFA}"/>
+              </a:ext>
+            </a:extLst>
+          </p:cNvPr>
+          <p:cNvSpPr txBox="1">
+            <a:spLocks/>
+          </p:cNvSpPr>
+          <p:nvPr/>
+        </p:nvSpPr>
+        <p:spPr>
+          <a:xfrm>
+            <a:off x="0" y="0"/>
+            <a:ext cx="5128024" cy="1491465"/>
+          </a:xfrm>
+          <a:prstGeom prst="rect">
+            <a:avLst/>
+          </a:prstGeom>
+        </p:spPr>
+        <p:txBody>
+          <a:bodyPr vert="horz" lIns="91440" tIns="45720" rIns="91440" bIns="45720" rtlCol="0" anchor="ctr">
+            <a:normAutofit fontScale="97500"/>
+          </a:bodyPr>
+          <a:lstStyle>
+            <a:lvl1pPr algn="l" defTabSz="914400" rtl="0" eaLnBrk="1" latinLnBrk="0" hangingPunct="1">
+              <a:lnSpc>
+                <a:spcPct val="90000"/>
+              </a:lnSpc>
+              <a:spcBef>
+                <a:spcPct val="0"/>
+              </a:spcBef>
+              <a:buNone/>
+              <a:defRPr sz="4400" kern="1200">
+                <a:solidFill>
+                  <a:schemeClr val="tx1"/>
+                </a:solidFill>
+                <a:latin typeface="+mj-lt"/>
+                <a:ea typeface="+mj-ea"/>
+                <a:cs typeface="+mj-cs"/>
+              </a:defRPr>
+            </a:lvl1pPr>
+          </a:lstStyle>
+          <a:p>
+            <a:r>
+              <a:rPr lang="zh-TW" altLang="en-US" dirty="0">
+                <a:latin typeface="Gen Jyuu Gothic Medium" panose="020B0402020203020207" pitchFamily="34" charset="-120"/>
+                <a:ea typeface="Gen Jyuu Gothic Medium" panose="020B0402020203020207" pitchFamily="34" charset="-120"/>
+                <a:cs typeface="Gen Jyuu Gothic Medium" panose="020B0402020203020207" pitchFamily="34" charset="-120"/>
+              </a:rPr>
+              <a:t>     阻礙</a:t>
+            </a:r>
+          </a:p>
+        </p:txBody>
+      </p:sp>
+      <p:pic>
+        <p:nvPicPr>
+          <p:cNvPr id="5" name="圖片 4">
+            <a:extLst>
+              <a:ext uri="{FF2B5EF4-FFF2-40B4-BE49-F238E27FC236}">
+                <a16:creationId xmlns:a16="http://schemas.microsoft.com/office/drawing/2014/main" id="{726BDB08-6E1E-9F98-452D-7D50AC350918}"/>
+              </a:ext>
+            </a:extLst>
+          </p:cNvPr>
+          <p:cNvPicPr>
+            <a:picLocks noChangeAspect="1"/>
+          </p:cNvPicPr>
+          <p:nvPr/>
+        </p:nvPicPr>
+        <p:blipFill>
+          <a:blip r:embed="rId3">
+            <a:extLst>
+              <a:ext uri="{28A0092B-C50C-407E-A947-70E740481C1C}">
+                <a14:useLocalDpi xmlns:a14="http://schemas.microsoft.com/office/drawing/2010/main" val="0"/>
+              </a:ext>
+            </a:extLst>
+          </a:blip>
+          <a:srcRect/>
+          <a:stretch/>
+        </p:blipFill>
+        <p:spPr>
+          <a:xfrm>
+            <a:off x="696000" y="1154378"/>
+            <a:ext cx="5400000" cy="5400000"/>
+          </a:xfrm>
+          <a:prstGeom prst="rect">
+            <a:avLst/>
+          </a:prstGeom>
+        </p:spPr>
+      </p:pic>
+    </p:spTree>
+    <p:extLst>
+      <p:ext uri="{BB962C8B-B14F-4D97-AF65-F5344CB8AC3E}">
+        <p14:creationId xmlns:p14="http://schemas.microsoft.com/office/powerpoint/2010/main" val="1530996801"/>
+      </p:ext>
+    </p:extLst>
+  </p:cSld>
+  <p:clrMapOvr>
+    <a:masterClrMapping/>
+  </p:clrMapOvr>
+</p:sld>
+</file>
+
+<file path=ppt/slides/slide4.xml><?xml version="1.0" encoding="utf-8"?>
+<p:sld xmlns:a="http://schemas.openxmlformats.org/drawingml/2006/main" xmlns:r="http://schemas.openxmlformats.org/officeDocument/2006/relationships" xmlns:p="http://schemas.openxmlformats.org/presentationml/2006/main">
+  <p:cSld>
+    <p:spTree>
+      <p:nvGrpSpPr>
+        <p:cNvPr id="1" name=""/>
+        <p:cNvGrpSpPr/>
+        <p:nvPr/>
+      </p:nvGrpSpPr>
+      <p:grpSpPr>
+        <a:xfrm>
+          <a:off x="0" y="0"/>
+          <a:ext cx="0" cy="0"/>
+          <a:chOff x="0" y="0"/>
+          <a:chExt cx="0" cy="0"/>
+        </a:xfrm>
+      </p:grpSpPr>
+      <p:sp>
+        <p:nvSpPr>
+          <p:cNvPr id="4" name="標題 1">
+            <a:extLst>
+              <a:ext uri="{FF2B5EF4-FFF2-40B4-BE49-F238E27FC236}">
+                <a16:creationId xmlns:a16="http://schemas.microsoft.com/office/drawing/2014/main" id="{AEA56453-D5A7-034A-798F-8E43020F8BFA}"/>
+              </a:ext>
+            </a:extLst>
+          </p:cNvPr>
+          <p:cNvSpPr txBox="1">
+            <a:spLocks/>
+          </p:cNvSpPr>
+          <p:nvPr/>
+        </p:nvSpPr>
+        <p:spPr>
+          <a:xfrm>
+            <a:off x="0" y="0"/>
+            <a:ext cx="5128024" cy="1491465"/>
+          </a:xfrm>
+          <a:prstGeom prst="rect">
+            <a:avLst/>
+          </a:prstGeom>
+        </p:spPr>
+        <p:txBody>
+          <a:bodyPr vert="horz" lIns="91440" tIns="45720" rIns="91440" bIns="45720" rtlCol="0" anchor="ctr">
+            <a:normAutofit fontScale="97500"/>
+          </a:bodyPr>
+          <a:lstStyle>
+            <a:lvl1pPr algn="l" defTabSz="914400" rtl="0" eaLnBrk="1" latinLnBrk="0" hangingPunct="1">
+              <a:lnSpc>
+                <a:spcPct val="90000"/>
+              </a:lnSpc>
+              <a:spcBef>
+                <a:spcPct val="0"/>
+              </a:spcBef>
+              <a:buNone/>
+              <a:defRPr sz="4400" kern="1200">
+                <a:solidFill>
+                  <a:schemeClr val="tx1"/>
+                </a:solidFill>
+                <a:latin typeface="+mj-lt"/>
+                <a:ea typeface="+mj-ea"/>
+                <a:cs typeface="+mj-cs"/>
+              </a:defRPr>
+            </a:lvl1pPr>
+          </a:lstStyle>
+          <a:p>
+            <a:r>
+              <a:rPr lang="zh-TW" altLang="en-US" dirty="0">
+                <a:latin typeface="Gen Jyuu Gothic Medium" panose="020B0402020203020207" pitchFamily="34" charset="-120"/>
+                <a:ea typeface="Gen Jyuu Gothic Medium" panose="020B0402020203020207" pitchFamily="34" charset="-120"/>
+                <a:cs typeface="Gen Jyuu Gothic Medium" panose="020B0402020203020207" pitchFamily="34" charset="-120"/>
+              </a:rPr>
+              <a:t>     努力</a:t>
+            </a:r>
+          </a:p>
+        </p:txBody>
+      </p:sp>
+      <p:pic>
+        <p:nvPicPr>
+          <p:cNvPr id="5" name="圖片 4">
+            <a:extLst>
+              <a:ext uri="{FF2B5EF4-FFF2-40B4-BE49-F238E27FC236}">
+                <a16:creationId xmlns:a16="http://schemas.microsoft.com/office/drawing/2014/main" id="{EA9997AE-5D63-5406-FE0D-D5C771E99335}"/>
+              </a:ext>
+            </a:extLst>
+          </p:cNvPr>
+          <p:cNvPicPr>
+            <a:picLocks noChangeAspect="1"/>
+          </p:cNvPicPr>
+          <p:nvPr/>
+        </p:nvPicPr>
+        <p:blipFill>
+          <a:blip r:embed="rId3">
+            <a:extLst>
+              <a:ext uri="{28A0092B-C50C-407E-A947-70E740481C1C}">
+                <a14:useLocalDpi xmlns:a14="http://schemas.microsoft.com/office/drawing/2010/main" val="0"/>
+              </a:ext>
+            </a:extLst>
+          </a:blip>
+          <a:srcRect/>
+          <a:stretch/>
+        </p:blipFill>
+        <p:spPr>
+          <a:xfrm>
+            <a:off x="696000" y="1154378"/>
+            <a:ext cx="5400000" cy="5400000"/>
+          </a:xfrm>
+          <a:prstGeom prst="rect">
+            <a:avLst/>
+          </a:prstGeom>
+        </p:spPr>
+      </p:pic>
+    </p:spTree>
+    <p:extLst>
+      <p:ext uri="{BB962C8B-B14F-4D97-AF65-F5344CB8AC3E}">
+        <p14:creationId xmlns:p14="http://schemas.microsoft.com/office/powerpoint/2010/main" val="1312397291"/>
+      </p:ext>
+    </p:extLst>
+  </p:cSld>
+  <p:clrMapOvr>
+    <a:masterClrMapping/>
+  </p:clrMapOvr>
+</p:sld>
+</file>
+
+<file path=ppt/slides/slide5.xml><?xml version="1.0" encoding="utf-8"?>
+<p:sld xmlns:a="http://schemas.openxmlformats.org/drawingml/2006/main" xmlns:r="http://schemas.openxmlformats.org/officeDocument/2006/relationships" xmlns:p="http://schemas.openxmlformats.org/presentationml/2006/main">
+  <p:cSld>
+    <p:spTree>
+      <p:nvGrpSpPr>
+        <p:cNvPr id="1" name=""/>
+        <p:cNvGrpSpPr/>
+        <p:nvPr/>
+      </p:nvGrpSpPr>
+      <p:grpSpPr>
+        <a:xfrm>
+          <a:off x="0" y="0"/>
+          <a:ext cx="0" cy="0"/>
+          <a:chOff x="0" y="0"/>
+          <a:chExt cx="0" cy="0"/>
+        </a:xfrm>
+      </p:grpSpPr>
+      <p:sp>
+        <p:nvSpPr>
+          <p:cNvPr id="4" name="標題 1">
+            <a:extLst>
+              <a:ext uri="{FF2B5EF4-FFF2-40B4-BE49-F238E27FC236}">
+                <a16:creationId xmlns:a16="http://schemas.microsoft.com/office/drawing/2014/main" id="{AEA56453-D5A7-034A-798F-8E43020F8BFA}"/>
+              </a:ext>
+            </a:extLst>
+          </p:cNvPr>
+          <p:cNvSpPr txBox="1">
+            <a:spLocks/>
+          </p:cNvSpPr>
+          <p:nvPr/>
+        </p:nvSpPr>
+        <p:spPr>
+          <a:xfrm>
+            <a:off x="0" y="0"/>
+            <a:ext cx="5128024" cy="1491465"/>
+          </a:xfrm>
+          <a:prstGeom prst="rect">
+            <a:avLst/>
+          </a:prstGeom>
+        </p:spPr>
+        <p:txBody>
+          <a:bodyPr vert="horz" lIns="91440" tIns="45720" rIns="91440" bIns="45720" rtlCol="0" anchor="ctr">
+            <a:normAutofit fontScale="97500"/>
+          </a:bodyPr>
+          <a:lstStyle>
+            <a:lvl1pPr algn="l" defTabSz="914400" rtl="0" eaLnBrk="1" latinLnBrk="0" hangingPunct="1">
+              <a:lnSpc>
+                <a:spcPct val="90000"/>
+              </a:lnSpc>
+              <a:spcBef>
+                <a:spcPct val="0"/>
+              </a:spcBef>
+              <a:buNone/>
+              <a:defRPr sz="4400" kern="1200">
+                <a:solidFill>
+                  <a:schemeClr val="tx1"/>
+                </a:solidFill>
+                <a:latin typeface="+mj-lt"/>
+                <a:ea typeface="+mj-ea"/>
+                <a:cs typeface="+mj-cs"/>
+              </a:defRPr>
+            </a:lvl1pPr>
+          </a:lstStyle>
+          <a:p>
+            <a:r>
+              <a:rPr lang="zh-TW" altLang="en-US" dirty="0">
+                <a:latin typeface="Gen Jyuu Gothic Medium" panose="020B0402020203020207" pitchFamily="34" charset="-120"/>
+                <a:ea typeface="Gen Jyuu Gothic Medium" panose="020B0402020203020207" pitchFamily="34" charset="-120"/>
+                <a:cs typeface="Gen Jyuu Gothic Medium" panose="020B0402020203020207" pitchFamily="34" charset="-120"/>
+              </a:rPr>
+              <a:t>     結果</a:t>
+            </a:r>
+          </a:p>
+        </p:txBody>
+      </p:sp>
+      <p:pic>
+        <p:nvPicPr>
+          <p:cNvPr id="5" name="圖片 4">
+            <a:extLst>
+              <a:ext uri="{FF2B5EF4-FFF2-40B4-BE49-F238E27FC236}">
+                <a16:creationId xmlns:a16="http://schemas.microsoft.com/office/drawing/2014/main" id="{5F9F7998-DBA2-5894-94D3-0345F87779E9}"/>
+              </a:ext>
+            </a:extLst>
+          </p:cNvPr>
+          <p:cNvPicPr>
+            <a:picLocks noChangeAspect="1"/>
+          </p:cNvPicPr>
+          <p:nvPr/>
+        </p:nvPicPr>
+        <p:blipFill>
+          <a:blip r:embed="rId3">
+            <a:extLst>
+              <a:ext uri="{28A0092B-C50C-407E-A947-70E740481C1C}">
+                <a14:useLocalDpi xmlns:a14="http://schemas.microsoft.com/office/drawing/2010/main" val="0"/>
+              </a:ext>
+            </a:extLst>
+          </a:blip>
+          <a:srcRect/>
+          <a:stretch/>
+        </p:blipFill>
+        <p:spPr>
+          <a:xfrm>
+            <a:off x="696000" y="1154378"/>
+            <a:ext cx="5400000" cy="5400000"/>
+          </a:xfrm>
+          <a:prstGeom prst="rect">
+            <a:avLst/>
+          </a:prstGeom>
+        </p:spPr>
+      </p:pic>
+    </p:spTree>
+    <p:extLst>
+      <p:ext uri="{BB962C8B-B14F-4D97-AF65-F5344CB8AC3E}">
+        <p14:creationId xmlns:p14="http://schemas.microsoft.com/office/powerpoint/2010/main" val="2932831686"/>
+      </p:ext>
+    </p:extLst>
+  </p:cSld>
+  <p:clrMapOvr>
+    <a:masterClrMapping/>
+  </p:clrMapOvr>
+</p:sld>
+</file>
+
+<file path=ppt/slides/slide6.xml><?xml version="1.0" encoding="utf-8"?>
+<p:sld xmlns:a="http://schemas.openxmlformats.org/drawingml/2006/main" xmlns:r="http://schemas.openxmlformats.org/officeDocument/2006/relationships" xmlns:p="http://schemas.openxmlformats.org/presentationml/2006/main">
+  <p:cSld>
+    <p:spTree>
+      <p:nvGrpSpPr>
+        <p:cNvPr id="1" name=""/>
+        <p:cNvGrpSpPr/>
+        <p:nvPr/>
+      </p:nvGrpSpPr>
+      <p:grpSpPr>
+        <a:xfrm>
+          <a:off x="0" y="0"/>
+          <a:ext cx="0" cy="0"/>
+          <a:chOff x="0" y="0"/>
+          <a:chExt cx="0" cy="0"/>
+        </a:xfrm>
+      </p:grpSpPr>
+      <p:sp>
+        <p:nvSpPr>
+          <p:cNvPr id="4" name="標題 1">
+            <a:extLst>
+              <a:ext uri="{FF2B5EF4-FFF2-40B4-BE49-F238E27FC236}">
+                <a16:creationId xmlns:a16="http://schemas.microsoft.com/office/drawing/2014/main" id="{AEA56453-D5A7-034A-798F-8E43020F8BFA}"/>
+              </a:ext>
+            </a:extLst>
+          </p:cNvPr>
+          <p:cNvSpPr txBox="1">
+            <a:spLocks/>
+          </p:cNvSpPr>
+          <p:nvPr/>
+        </p:nvSpPr>
+        <p:spPr>
+          <a:xfrm>
+            <a:off x="0" y="0"/>
+            <a:ext cx="5128024" cy="1491465"/>
+          </a:xfrm>
+          <a:prstGeom prst="rect">
+            <a:avLst/>
+          </a:prstGeom>
+        </p:spPr>
+        <p:txBody>
+          <a:bodyPr vert="horz" lIns="91440" tIns="45720" rIns="91440" bIns="45720" rtlCol="0" anchor="ctr">
+            <a:normAutofit fontScale="97500"/>
+          </a:bodyPr>
+          <a:lstStyle>
+            <a:lvl1pPr algn="l" defTabSz="914400" rtl="0" eaLnBrk="1" latinLnBrk="0" hangingPunct="1">
+              <a:lnSpc>
+                <a:spcPct val="90000"/>
+              </a:lnSpc>
+              <a:spcBef>
+                <a:spcPct val="0"/>
+              </a:spcBef>
+              <a:buNone/>
+              <a:defRPr sz="4400" kern="1200">
+                <a:solidFill>
+                  <a:schemeClr val="tx1"/>
+                </a:solidFill>
+                <a:latin typeface="+mj-lt"/>
+                <a:ea typeface="+mj-ea"/>
+                <a:cs typeface="+mj-cs"/>
+              </a:defRPr>
+            </a:lvl1pPr>
+          </a:lstStyle>
+          <a:p>
+            <a:r>
+              <a:rPr lang="zh-TW" altLang="en-US" dirty="0">
+                <a:latin typeface="Gen Jyuu Gothic Medium" panose="020B0402020203020207" pitchFamily="34" charset="-120"/>
+                <a:ea typeface="Gen Jyuu Gothic Medium" panose="020B0402020203020207" pitchFamily="34" charset="-120"/>
+                <a:cs typeface="Gen Jyuu Gothic Medium" panose="020B0402020203020207" pitchFamily="34" charset="-120"/>
+              </a:rPr>
+              <a:t>     意外</a:t>
+            </a:r>
+          </a:p>
+        </p:txBody>
+      </p:sp>
+      <p:pic>
+        <p:nvPicPr>
+          <p:cNvPr id="5" name="圖片 4">
+            <a:extLst>
+              <a:ext uri="{FF2B5EF4-FFF2-40B4-BE49-F238E27FC236}">
+                <a16:creationId xmlns:a16="http://schemas.microsoft.com/office/drawing/2014/main" id="{E3C32133-5A2D-BC01-B2A6-E07E7BF1240A}"/>
+              </a:ext>
+            </a:extLst>
+          </p:cNvPr>
+          <p:cNvPicPr>
+            <a:picLocks noChangeAspect="1"/>
+          </p:cNvPicPr>
+          <p:nvPr/>
+        </p:nvPicPr>
+        <p:blipFill>
+          <a:blip r:embed="rId3">
+            <a:extLst>
+              <a:ext uri="{28A0092B-C50C-407E-A947-70E740481C1C}">
+                <a14:useLocalDpi xmlns:a14="http://schemas.microsoft.com/office/drawing/2010/main" val="0"/>
+              </a:ext>
+            </a:extLst>
+          </a:blip>
+          <a:srcRect/>
+          <a:stretch/>
+        </p:blipFill>
+        <p:spPr>
+          <a:xfrm>
+            <a:off x="696000" y="1154378"/>
+            <a:ext cx="5400000" cy="5400000"/>
+          </a:xfrm>
+          <a:prstGeom prst="rect">
+            <a:avLst/>
+          </a:prstGeom>
+        </p:spPr>
+      </p:pic>
+    </p:spTree>
+    <p:extLst>
+      <p:ext uri="{BB962C8B-B14F-4D97-AF65-F5344CB8AC3E}">
+        <p14:creationId xmlns:p14="http://schemas.microsoft.com/office/powerpoint/2010/main" val="105423708"/>
+      </p:ext>
+    </p:extLst>
+  </p:cSld>
+  <p:clrMapOvr>
+    <a:masterClrMapping/>
+  </p:clrMapOvr>
+</p:sld>
+</file>
+
+<file path=ppt/slides/slide7.xml><?xml version="1.0" encoding="utf-8"?>
+<p:sld xmlns:a="http://schemas.openxmlformats.org/drawingml/2006/main" xmlns:r="http://schemas.openxmlformats.org/officeDocument/2006/relationships" xmlns:p="http://schemas.openxmlformats.org/presentationml/2006/main">
+  <p:cSld>
+    <p:spTree>
+      <p:nvGrpSpPr>
+        <p:cNvPr id="1" name=""/>
+        <p:cNvGrpSpPr/>
+        <p:nvPr/>
+      </p:nvGrpSpPr>
+      <p:grpSpPr>
+        <a:xfrm>
+          <a:off x="0" y="0"/>
+          <a:ext cx="0" cy="0"/>
+          <a:chOff x="0" y="0"/>
+          <a:chExt cx="0" cy="0"/>
+        </a:xfrm>
+      </p:grpSpPr>
+      <p:sp>
+        <p:nvSpPr>
+          <p:cNvPr id="4" name="標題 1">
+            <a:extLst>
+              <a:ext uri="{FF2B5EF4-FFF2-40B4-BE49-F238E27FC236}">
+                <a16:creationId xmlns:a16="http://schemas.microsoft.com/office/drawing/2014/main" id="{AEA56453-D5A7-034A-798F-8E43020F8BFA}"/>
+              </a:ext>
+            </a:extLst>
+          </p:cNvPr>
+          <p:cNvSpPr txBox="1">
+            <a:spLocks/>
+          </p:cNvSpPr>
+          <p:nvPr/>
+        </p:nvSpPr>
+        <p:spPr>
+          <a:xfrm>
+            <a:off x="0" y="0"/>
+            <a:ext cx="5128024" cy="1491465"/>
+          </a:xfrm>
+          <a:prstGeom prst="rect">
+            <a:avLst/>
+          </a:prstGeom>
+        </p:spPr>
+        <p:txBody>
+          <a:bodyPr vert="horz" lIns="91440" tIns="45720" rIns="91440" bIns="45720" rtlCol="0" anchor="ctr">
+            <a:normAutofit fontScale="97500"/>
+          </a:bodyPr>
+          <a:lstStyle>
+            <a:lvl1pPr algn="l" defTabSz="914400" rtl="0" eaLnBrk="1" latinLnBrk="0" hangingPunct="1">
+              <a:lnSpc>
+                <a:spcPct val="90000"/>
+              </a:lnSpc>
+              <a:spcBef>
+                <a:spcPct val="0"/>
+              </a:spcBef>
+              <a:buNone/>
+              <a:defRPr sz="4400" kern="1200">
+                <a:solidFill>
+                  <a:schemeClr val="tx1"/>
+                </a:solidFill>
+                <a:latin typeface="+mj-lt"/>
+                <a:ea typeface="+mj-ea"/>
+                <a:cs typeface="+mj-cs"/>
+              </a:defRPr>
+            </a:lvl1pPr>
+          </a:lstStyle>
+          <a:p>
+            <a:r>
+              <a:rPr lang="zh-TW" altLang="en-US" dirty="0">
+                <a:latin typeface="Gen Jyuu Gothic Medium" panose="020B0402020203020207" pitchFamily="34" charset="-120"/>
+                <a:ea typeface="Gen Jyuu Gothic Medium" panose="020B0402020203020207" pitchFamily="34" charset="-120"/>
+                <a:cs typeface="Gen Jyuu Gothic Medium" panose="020B0402020203020207" pitchFamily="34" charset="-120"/>
+              </a:rPr>
+              <a:t>     轉彎</a:t>
+            </a:r>
+          </a:p>
+        </p:txBody>
+      </p:sp>
+      <p:pic>
+        <p:nvPicPr>
+          <p:cNvPr id="5" name="圖片 4">
+            <a:extLst>
+              <a:ext uri="{FF2B5EF4-FFF2-40B4-BE49-F238E27FC236}">
+                <a16:creationId xmlns:a16="http://schemas.microsoft.com/office/drawing/2014/main" id="{A60FB8BE-8632-6E08-6994-24D60E2C117C}"/>
+              </a:ext>
+            </a:extLst>
+          </p:cNvPr>
+          <p:cNvPicPr>
+            <a:picLocks noChangeAspect="1"/>
+          </p:cNvPicPr>
+          <p:nvPr/>
+        </p:nvPicPr>
+        <p:blipFill>
+          <a:blip r:embed="rId3">
+            <a:extLst>
+              <a:ext uri="{28A0092B-C50C-407E-A947-70E740481C1C}">
+                <a14:useLocalDpi xmlns:a14="http://schemas.microsoft.com/office/drawing/2010/main" val="0"/>
+              </a:ext>
+            </a:extLst>
+          </a:blip>
+          <a:srcRect/>
+          <a:stretch/>
+        </p:blipFill>
+        <p:spPr>
+          <a:xfrm>
+            <a:off x="696000" y="1154378"/>
+            <a:ext cx="5400000" cy="5400000"/>
+          </a:xfrm>
+          <a:prstGeom prst="rect">
+            <a:avLst/>
+          </a:prstGeom>
+        </p:spPr>
+      </p:pic>
+    </p:spTree>
+    <p:extLst>
+      <p:ext uri="{BB962C8B-B14F-4D97-AF65-F5344CB8AC3E}">
+        <p14:creationId xmlns:p14="http://schemas.microsoft.com/office/powerpoint/2010/main" val="3545801297"/>
+      </p:ext>
+    </p:extLst>
+  </p:cSld>
+  <p:clrMapOvr>
+    <a:masterClrMapping/>
+  </p:clrMapOvr>
+</p:sld>
+</file>
+
+<file path=ppt/slides/slide8.xml><?xml version="1.0" encoding="utf-8"?>
+<p:sld xmlns:a="http://schemas.openxmlformats.org/drawingml/2006/main" xmlns:r="http://schemas.openxmlformats.org/officeDocument/2006/relationships" xmlns:p="http://schemas.openxmlformats.org/presentationml/2006/main">
+  <p:cSld>
+    <p:spTree>
+      <p:nvGrpSpPr>
+        <p:cNvPr id="1" name=""/>
+        <p:cNvGrpSpPr/>
+        <p:nvPr/>
+      </p:nvGrpSpPr>
+      <p:grpSpPr>
+        <a:xfrm>
+          <a:off x="0" y="0"/>
+          <a:ext cx="0" cy="0"/>
+          <a:chOff x="0" y="0"/>
+          <a:chExt cx="0" cy="0"/>
+        </a:xfrm>
+      </p:grpSpPr>
+      <p:sp>
+        <p:nvSpPr>
+          <p:cNvPr id="4" name="標題 1">
+            <a:extLst>
+              <a:ext uri="{FF2B5EF4-FFF2-40B4-BE49-F238E27FC236}">
+                <a16:creationId xmlns:a16="http://schemas.microsoft.com/office/drawing/2014/main" id="{AEA56453-D5A7-034A-798F-8E43020F8BFA}"/>
+              </a:ext>
+            </a:extLst>
+          </p:cNvPr>
+          <p:cNvSpPr txBox="1">
+            <a:spLocks/>
+          </p:cNvSpPr>
+          <p:nvPr/>
+        </p:nvSpPr>
+        <p:spPr>
+          <a:xfrm>
+            <a:off x="0" y="0"/>
+            <a:ext cx="5128024" cy="1491465"/>
+          </a:xfrm>
+          <a:prstGeom prst="rect">
+            <a:avLst/>
+          </a:prstGeom>
+        </p:spPr>
+        <p:txBody>
+          <a:bodyPr vert="horz" lIns="91440" tIns="45720" rIns="91440" bIns="45720" rtlCol="0" anchor="ctr">
+            <a:normAutofit fontScale="97500"/>
+          </a:bodyPr>
+          <a:lstStyle>
+            <a:lvl1pPr algn="l" defTabSz="914400" rtl="0" eaLnBrk="1" latinLnBrk="0" hangingPunct="1">
+              <a:lnSpc>
+                <a:spcPct val="90000"/>
+              </a:lnSpc>
+              <a:spcBef>
+                <a:spcPct val="0"/>
+              </a:spcBef>
+              <a:buNone/>
+              <a:defRPr sz="4400" kern="1200">
+                <a:solidFill>
+                  <a:schemeClr val="tx1"/>
+                </a:solidFill>
+                <a:latin typeface="+mj-lt"/>
+                <a:ea typeface="+mj-ea"/>
+                <a:cs typeface="+mj-cs"/>
+              </a:defRPr>
+            </a:lvl1pPr>
+          </a:lstStyle>
+          <a:p>
+            <a:r>
+              <a:rPr lang="zh-TW" altLang="en-US" dirty="0">
+                <a:latin typeface="Gen Jyuu Gothic Medium" panose="020B0402020203020207" pitchFamily="34" charset="-120"/>
+                <a:ea typeface="Gen Jyuu Gothic Medium" panose="020B0402020203020207" pitchFamily="34" charset="-120"/>
+                <a:cs typeface="Gen Jyuu Gothic Medium" panose="020B0402020203020207" pitchFamily="34" charset="-120"/>
+              </a:rPr>
+              <a:t>     結局</a:t>
+            </a:r>
+          </a:p>
+        </p:txBody>
+      </p:sp>
+      <p:pic>
+        <p:nvPicPr>
+          <p:cNvPr id="5" name="圖片 4">
+            <a:extLst>
+              <a:ext uri="{FF2B5EF4-FFF2-40B4-BE49-F238E27FC236}">
+                <a16:creationId xmlns:a16="http://schemas.microsoft.com/office/drawing/2014/main" id="{2A3A864B-F45D-BA74-A9F1-D1288FC5A6EA}"/>
+              </a:ext>
+            </a:extLst>
+          </p:cNvPr>
+          <p:cNvPicPr>
+            <a:picLocks noChangeAspect="1"/>
+          </p:cNvPicPr>
+          <p:nvPr/>
+        </p:nvPicPr>
+        <p:blipFill>
+          <a:blip r:embed="rId3">
+            <a:extLst>
+              <a:ext uri="{28A0092B-C50C-407E-A947-70E740481C1C}">
+                <a14:useLocalDpi xmlns:a14="http://schemas.microsoft.com/office/drawing/2010/main" val="0"/>
+              </a:ext>
+            </a:extLst>
+          </a:blip>
+          <a:srcRect/>
+          <a:stretch/>
+        </p:blipFill>
+        <p:spPr>
+          <a:xfrm>
+            <a:off x="696000" y="1154378"/>
+            <a:ext cx="5400000" cy="5400000"/>
+          </a:xfrm>
+          <a:prstGeom prst="rect">
+            <a:avLst/>
+          </a:prstGeom>
+        </p:spPr>
+      </p:pic>
+    </p:spTree>
+    <p:extLst>
+      <p:ext uri="{BB962C8B-B14F-4D97-AF65-F5344CB8AC3E}">
+        <p14:creationId xmlns:p14="http://schemas.microsoft.com/office/powerpoint/2010/main" val="812586224"/>
       </p:ext>
     </p:extLst>
   </p:cSld>
@@ -3385,6 +5287,259 @@
 </file>
 
 <file path=ppt/theme/theme1.xml><?xml version="1.0" encoding="utf-8"?>
+<a:theme xmlns:a="http://schemas.openxmlformats.org/drawingml/2006/main" name="HDOfficeLightV0">
+  <a:themeElements>
+    <a:clrScheme name="Office">
+      <a:dk1>
+        <a:sysClr val="windowText" lastClr="000000"/>
+      </a:dk1>
+      <a:lt1>
+        <a:sysClr val="window" lastClr="FFFFFF"/>
+      </a:lt1>
+      <a:dk2>
+        <a:srgbClr val="44546A"/>
+      </a:dk2>
+      <a:lt2>
+        <a:srgbClr val="E7E6E6"/>
+      </a:lt2>
+      <a:accent1>
+        <a:srgbClr val="5B9BD5"/>
+      </a:accent1>
+      <a:accent2>
+        <a:srgbClr val="ED7D31"/>
+      </a:accent2>
+      <a:accent3>
+        <a:srgbClr val="A5A5A5"/>
+      </a:accent3>
+      <a:accent4>
+        <a:srgbClr val="FFC000"/>
+      </a:accent4>
+      <a:accent5>
+        <a:srgbClr val="4472C4"/>
+      </a:accent5>
+      <a:accent6>
+        <a:srgbClr val="70AD47"/>
+      </a:accent6>
+      <a:hlink>
+        <a:srgbClr val="0563C1"/>
+      </a:hlink>
+      <a:folHlink>
+        <a:srgbClr val="954F72"/>
+      </a:folHlink>
+    </a:clrScheme>
+    <a:fontScheme name="Office">
+      <a:majorFont>
+        <a:latin typeface="Calibri Light"/>
+        <a:ea typeface=""/>
+        <a:cs typeface=""/>
+        <a:font script="Jpan" typeface="ＭＳ Ｐゴシック"/>
+        <a:font script="Hang" typeface="맑은 고딕"/>
+        <a:font script="Hans" typeface="宋体"/>
+        <a:font script="Hant" typeface="新細明體"/>
+        <a:font script="Arab" typeface="Times New Roman"/>
+        <a:font script="Hebr" typeface="Times New Roman"/>
+        <a:font script="Thai" typeface="Angsana New"/>
+        <a:font script="Ethi" typeface="Nyala"/>
+        <a:font script="Beng" typeface="Vrinda"/>
+        <a:font script="Gujr" typeface="Shruti"/>
+        <a:font script="Khmr" typeface="MoolBoran"/>
+        <a:font script="Knda" typeface="Tunga"/>
+        <a:font script="Guru" typeface="Raavi"/>
+        <a:font script="Cans" typeface="Euphemia"/>
+        <a:font script="Cher" typeface="Plantagenet Cherokee"/>
+        <a:font script="Yiii" typeface="Microsoft Yi Baiti"/>
+        <a:font script="Tibt" typeface="Microsoft Himalaya"/>
+        <a:font script="Thaa" typeface="MV Boli"/>
+        <a:font script="Deva" typeface="Mangal"/>
+        <a:font script="Telu" typeface="Gautami"/>
+        <a:font script="Taml" typeface="Latha"/>
+        <a:font script="Syrc" typeface="Estrangelo Edessa"/>
+        <a:font script="Orya" typeface="Kalinga"/>
+        <a:font script="Mlym" typeface="Kartika"/>
+        <a:font script="Laoo" typeface="DokChampa"/>
+        <a:font script="Sinh" typeface="Iskoola Pota"/>
+        <a:font script="Mong" typeface="Mongolian Baiti"/>
+        <a:font script="Viet" typeface="Times New Roman"/>
+        <a:font script="Uigh" typeface="Microsoft Uighur"/>
+        <a:font script="Geor" typeface="Sylfaen"/>
+      </a:majorFont>
+      <a:minorFont>
+        <a:latin typeface="Calibri"/>
+        <a:ea typeface=""/>
+        <a:cs typeface=""/>
+        <a:font script="Jpan" typeface="ＭＳ Ｐゴシック"/>
+        <a:font script="Hang" typeface="맑은 고딕"/>
+        <a:font script="Hans" typeface="宋体"/>
+        <a:font script="Hant" typeface="新細明體"/>
+        <a:font script="Arab" typeface="Arial"/>
+        <a:font script="Hebr" typeface="Arial"/>
+        <a:font script="Thai" typeface="Cordia New"/>
+        <a:font script="Ethi" typeface="Nyala"/>
+        <a:font script="Beng" typeface="Vrinda"/>
+        <a:font script="Gujr" typeface="Shruti"/>
+        <a:font script="Khmr" typeface="DaunPenh"/>
+        <a:font script="Knda" typeface="Tunga"/>
+        <a:font script="Guru" typeface="Raavi"/>
+        <a:font script="Cans" typeface="Euphemia"/>
+        <a:font script="Cher" typeface="Plantagenet Cherokee"/>
+        <a:font script="Yiii" typeface="Microsoft Yi Baiti"/>
+        <a:font script="Tibt" typeface="Microsoft Himalaya"/>
+        <a:font script="Thaa" typeface="MV Boli"/>
+        <a:font script="Deva" typeface="Mangal"/>
+        <a:font script="Telu" typeface="Gautami"/>
+        <a:font script="Taml" typeface="Latha"/>
+        <a:font script="Syrc" typeface="Estrangelo Edessa"/>
+        <a:font script="Orya" typeface="Kalinga"/>
+        <a:font script="Mlym" typeface="Kartika"/>
+        <a:font script="Laoo" typeface="DokChampa"/>
+        <a:font script="Sinh" typeface="Iskoola Pota"/>
+        <a:font script="Mong" typeface="Mongolian Baiti"/>
+        <a:font script="Viet" typeface="Arial"/>
+        <a:font script="Uigh" typeface="Microsoft Uighur"/>
+        <a:font script="Geor" typeface="Sylfaen"/>
+      </a:minorFont>
+    </a:fontScheme>
+    <a:fmtScheme name="Office">
+      <a:fillStyleLst>
+        <a:solidFill>
+          <a:schemeClr val="phClr"/>
+        </a:solidFill>
+        <a:gradFill rotWithShape="1">
+          <a:gsLst>
+            <a:gs pos="0">
+              <a:schemeClr val="phClr">
+                <a:tint val="67000"/>
+                <a:satMod val="105000"/>
+                <a:lumMod val="110000"/>
+              </a:schemeClr>
+            </a:gs>
+            <a:gs pos="50000">
+              <a:schemeClr val="phClr">
+                <a:tint val="73000"/>
+                <a:satMod val="103000"/>
+                <a:lumMod val="105000"/>
+              </a:schemeClr>
+            </a:gs>
+            <a:gs pos="100000">
+              <a:schemeClr val="phClr">
+                <a:tint val="81000"/>
+                <a:satMod val="109000"/>
+                <a:lumMod val="105000"/>
+              </a:schemeClr>
+            </a:gs>
+          </a:gsLst>
+          <a:lin ang="5400000" scaled="0"/>
+        </a:gradFill>
+        <a:gradFill rotWithShape="1">
+          <a:gsLst>
+            <a:gs pos="0">
+              <a:schemeClr val="phClr">
+                <a:tint val="94000"/>
+                <a:satMod val="103000"/>
+                <a:lumMod val="102000"/>
+              </a:schemeClr>
+            </a:gs>
+            <a:gs pos="50000">
+              <a:schemeClr val="phClr">
+                <a:shade val="100000"/>
+                <a:satMod val="110000"/>
+                <a:lumMod val="100000"/>
+              </a:schemeClr>
+            </a:gs>
+            <a:gs pos="100000">
+              <a:schemeClr val="phClr">
+                <a:shade val="78000"/>
+                <a:satMod val="120000"/>
+                <a:lumMod val="99000"/>
+              </a:schemeClr>
+            </a:gs>
+          </a:gsLst>
+          <a:lin ang="5400000" scaled="0"/>
+        </a:gradFill>
+      </a:fillStyleLst>
+      <a:lnStyleLst>
+        <a:ln w="6350" cap="flat" cmpd="sng" algn="ctr">
+          <a:solidFill>
+            <a:schemeClr val="phClr"/>
+          </a:solidFill>
+          <a:prstDash val="solid"/>
+        </a:ln>
+        <a:ln w="12700" cap="flat" cmpd="sng" algn="ctr">
+          <a:solidFill>
+            <a:schemeClr val="phClr"/>
+          </a:solidFill>
+          <a:prstDash val="solid"/>
+        </a:ln>
+        <a:ln w="19050" cap="flat" cmpd="sng" algn="ctr">
+          <a:solidFill>
+            <a:schemeClr val="phClr"/>
+          </a:solidFill>
+          <a:prstDash val="solid"/>
+        </a:ln>
+      </a:lnStyleLst>
+      <a:effectStyleLst>
+        <a:effectStyle>
+          <a:effectLst/>
+        </a:effectStyle>
+        <a:effectStyle>
+          <a:effectLst/>
+        </a:effectStyle>
+        <a:effectStyle>
+          <a:effectLst>
+            <a:outerShdw blurRad="57150" dist="19050" dir="5400000" algn="ctr" rotWithShape="0">
+              <a:srgbClr val="000000">
+                <a:alpha val="63000"/>
+              </a:srgbClr>
+            </a:outerShdw>
+          </a:effectLst>
+        </a:effectStyle>
+      </a:effectStyleLst>
+      <a:bgFillStyleLst>
+        <a:solidFill>
+          <a:schemeClr val="phClr"/>
+        </a:solidFill>
+        <a:solidFill>
+          <a:schemeClr val="phClr">
+            <a:tint val="95000"/>
+            <a:satMod val="170000"/>
+          </a:schemeClr>
+        </a:solidFill>
+        <a:gradFill rotWithShape="1">
+          <a:gsLst>
+            <a:gs pos="0">
+              <a:schemeClr val="phClr">
+                <a:tint val="93000"/>
+                <a:shade val="98000"/>
+                <a:satMod val="150000"/>
+                <a:lumMod val="102000"/>
+              </a:schemeClr>
+            </a:gs>
+            <a:gs pos="50000">
+              <a:schemeClr val="phClr">
+                <a:tint val="98000"/>
+                <a:shade val="90000"/>
+                <a:satMod val="130000"/>
+                <a:lumMod val="103000"/>
+              </a:schemeClr>
+            </a:gs>
+            <a:gs pos="100000">
+              <a:schemeClr val="phClr">
+                <a:shade val="63000"/>
+                <a:satMod val="120000"/>
+              </a:schemeClr>
+            </a:gs>
+          </a:gsLst>
+          <a:lin ang="5400000" scaled="0"/>
+        </a:gradFill>
+      </a:bgFillStyleLst>
+    </a:fmtScheme>
+  </a:themeElements>
+  <a:objectDefaults/>
+  <a:extraClrSchemeLst/>
+</a:theme>
+</file>
+
+<file path=ppt/theme/theme2.xml><?xml version="1.0" encoding="utf-8"?>
 <a:theme xmlns:a="http://schemas.openxmlformats.org/drawingml/2006/main" name="Office 佈景主題">
   <a:themeElements>
     <a:clrScheme name="Office">
